--- a/unit_00/html_review/01 HTML.pptx
+++ b/unit_00/html_review/01 HTML.pptx
@@ -5,7 +5,7 @@
     <p:sldMasterId id="2147483673" r:id="rId4"/>
   </p:sldMasterIdLst>
   <p:notesMasterIdLst>
-    <p:notesMasterId r:id="rId33"/>
+    <p:notesMasterId r:id="rId34"/>
   </p:notesMasterIdLst>
   <p:sldIdLst>
     <p:sldId id="257" r:id="rId5"/>
@@ -34,8 +34,9 @@
     <p:sldId id="284" r:id="rId28"/>
     <p:sldId id="279" r:id="rId29"/>
     <p:sldId id="285" r:id="rId30"/>
-    <p:sldId id="280" r:id="rId31"/>
-    <p:sldId id="277" r:id="rId32"/>
+    <p:sldId id="292" r:id="rId31"/>
+    <p:sldId id="280" r:id="rId32"/>
+    <p:sldId id="277" r:id="rId33"/>
   </p:sldIdLst>
   <p:sldSz cx="12192000" cy="6858000"/>
   <p:notesSz cx="6858000" cy="9144000"/>
@@ -736,7 +737,7 @@
           <a:p>
             <a:fld id="{913AAEB1-1BB9-43BA-8E44-621D6A53A2EE}" type="slidenum">
               <a:rPr lang="en-US" smtClean="0"/>
-              <a:t>28</a:t>
+              <a:t>29</a:t>
             </a:fld>
             <a:endParaRPr lang="en-US"/>
           </a:p>
@@ -9103,7 +9104,7 @@
                 <a:latin typeface="Consolas" panose="020B0609020204030204" pitchFamily="49" charset="0"/>
                 <a:cs typeface="Arial" panose="020B0604020202020204" pitchFamily="34" charset="0"/>
               </a:rPr>
-              <a:t>&lt;form action="contactme.html" method="POST/GET"&gt;…&lt;/form&gt;</a:t>
+              <a:t>&lt;form action="contact_me.html" method="POST/GET"&gt;…&lt;/form&gt;</a:t>
             </a:r>
           </a:p>
           <a:p>
@@ -10244,10 +10245,10 @@
       </p:grpSpPr>
       <p:sp>
         <p:nvSpPr>
-          <p:cNvPr id="2" name="Title 1">
+          <p:cNvPr id="5" name="Title 4">
             <a:extLst>
               <a:ext uri="{FF2B5EF4-FFF2-40B4-BE49-F238E27FC236}">
-                <a16:creationId xmlns:a16="http://schemas.microsoft.com/office/drawing/2014/main" id="{BDFAC13C-59B1-436E-B58F-C304E1C705CF}"/>
+                <a16:creationId xmlns:a16="http://schemas.microsoft.com/office/drawing/2014/main" id="{19920336-7909-426F-8081-AFA24B193F14}"/>
               </a:ext>
             </a:extLst>
           </p:cNvPr>
@@ -10260,24 +10261,22 @@
         </p:nvSpPr>
         <p:spPr/>
         <p:txBody>
-          <a:bodyPr>
-            <a:normAutofit/>
-          </a:bodyPr>
-          <a:lstStyle/>
-          <a:p>
-            <a:r>
-              <a:rPr lang="en-US" u="sng" dirty="0"/>
-              <a:t>What We Covered</a:t>
-            </a:r>
-          </a:p>
-        </p:txBody>
-      </p:sp>
-      <p:sp>
-        <p:nvSpPr>
-          <p:cNvPr id="3" name="Content Placeholder 2">
+          <a:bodyPr/>
+          <a:lstStyle/>
+          <a:p>
+            <a:r>
+              <a:rPr lang="en-US" cap="none"/>
+              <a:t>Conclusion</a:t>
+            </a:r>
+          </a:p>
+        </p:txBody>
+      </p:sp>
+      <p:sp>
+        <p:nvSpPr>
+          <p:cNvPr id="6" name="Text Placeholder 5">
             <a:extLst>
               <a:ext uri="{FF2B5EF4-FFF2-40B4-BE49-F238E27FC236}">
-                <a16:creationId xmlns:a16="http://schemas.microsoft.com/office/drawing/2014/main" id="{844A3DC5-46BF-4BFF-8008-98FD467C4904}"/>
+                <a16:creationId xmlns:a16="http://schemas.microsoft.com/office/drawing/2014/main" id="{DAE3D404-51E4-4D64-88D7-AFA22CFBA8F7}"/>
               </a:ext>
             </a:extLst>
           </p:cNvPr>
@@ -10285,55 +10284,30 @@
             <a:spLocks noGrp="1"/>
           </p:cNvSpPr>
           <p:nvPr>
-            <p:ph idx="1"/>
+            <p:ph type="body" idx="1"/>
           </p:nvPr>
         </p:nvSpPr>
         <p:spPr/>
         <p:txBody>
-          <a:bodyPr>
-            <a:normAutofit/>
-          </a:bodyPr>
-          <a:lstStyle/>
-          <a:p>
-            <a:r>
-              <a:rPr lang="en-US" sz="1800">
-                <a:cs typeface="Arial" panose="020B0604020202020204" pitchFamily="34" charset="0"/>
-              </a:rPr>
-              <a:t>Review HTML Document Structure</a:t>
-            </a:r>
-          </a:p>
-          <a:p>
-            <a:r>
-              <a:rPr lang="en-US" sz="1800">
-                <a:cs typeface="Arial" panose="020B0604020202020204" pitchFamily="34" charset="0"/>
-              </a:rPr>
-              <a:t>Review &lt;head&gt; section tags</a:t>
-            </a:r>
-          </a:p>
-          <a:p>
-            <a:r>
-              <a:rPr lang="en-US" sz="1800">
-                <a:cs typeface="Arial" panose="020B0604020202020204" pitchFamily="34" charset="0"/>
-              </a:rPr>
-              <a:t>Review &lt;body&gt; section tags</a:t>
-            </a:r>
-          </a:p>
-          <a:p>
-            <a:r>
-              <a:rPr lang="en-US" sz="1800">
-                <a:cs typeface="Arial" panose="020B0604020202020204" pitchFamily="34" charset="0"/>
-              </a:rPr>
-              <a:t>Introduction to HTML Forms</a:t>
-            </a:r>
-            <a:endParaRPr lang="en-US" sz="1800" dirty="0">
-              <a:cs typeface="Arial" panose="020B0604020202020204" pitchFamily="34" charset="0"/>
-            </a:endParaRPr>
-          </a:p>
-        </p:txBody>
-      </p:sp>
-      <p:sp>
-        <p:nvSpPr>
-          <p:cNvPr id="5" name="Slide Number Placeholder 4"/>
+          <a:bodyPr/>
+          <a:lstStyle/>
+          <a:p>
+            <a:r>
+              <a:rPr lang="en-US"/>
+              <a:t>What did we learn today?</a:t>
+            </a:r>
+          </a:p>
+        </p:txBody>
+      </p:sp>
+      <p:sp>
+        <p:nvSpPr>
+          <p:cNvPr id="4" name="Slide Number Placeholder 3">
+            <a:extLst>
+              <a:ext uri="{FF2B5EF4-FFF2-40B4-BE49-F238E27FC236}">
+                <a16:creationId xmlns:a16="http://schemas.microsoft.com/office/drawing/2014/main" id="{B3E58610-8DF0-4BC8-B28F-9775BE8BC83F}"/>
+              </a:ext>
+            </a:extLst>
+          </p:cNvPr>
           <p:cNvSpPr>
             <a:spLocks noGrp="1"/>
           </p:cNvSpPr>
@@ -10357,7 +10331,7 @@
     </p:spTree>
     <p:extLst>
       <p:ext uri="{BB962C8B-B14F-4D97-AF65-F5344CB8AC3E}">
-        <p14:creationId xmlns:p14="http://schemas.microsoft.com/office/powerpoint/2010/main" val="2820098090"/>
+        <p14:creationId xmlns:p14="http://schemas.microsoft.com/office/powerpoint/2010/main" val="1909237733"/>
       </p:ext>
     </p:extLst>
   </p:cSld>
@@ -10400,6 +10374,148 @@
             <p:ph type="title"/>
           </p:nvPr>
         </p:nvSpPr>
+        <p:spPr/>
+        <p:txBody>
+          <a:bodyPr>
+            <a:normAutofit/>
+          </a:bodyPr>
+          <a:lstStyle/>
+          <a:p>
+            <a:r>
+              <a:rPr lang="en-US" u="sng" dirty="0"/>
+              <a:t>What We Covered</a:t>
+            </a:r>
+          </a:p>
+        </p:txBody>
+      </p:sp>
+      <p:sp>
+        <p:nvSpPr>
+          <p:cNvPr id="3" name="Content Placeholder 2">
+            <a:extLst>
+              <a:ext uri="{FF2B5EF4-FFF2-40B4-BE49-F238E27FC236}">
+                <a16:creationId xmlns:a16="http://schemas.microsoft.com/office/drawing/2014/main" id="{844A3DC5-46BF-4BFF-8008-98FD467C4904}"/>
+              </a:ext>
+            </a:extLst>
+          </p:cNvPr>
+          <p:cNvSpPr>
+            <a:spLocks noGrp="1"/>
+          </p:cNvSpPr>
+          <p:nvPr>
+            <p:ph idx="1"/>
+          </p:nvPr>
+        </p:nvSpPr>
+        <p:spPr/>
+        <p:txBody>
+          <a:bodyPr>
+            <a:normAutofit/>
+          </a:bodyPr>
+          <a:lstStyle/>
+          <a:p>
+            <a:r>
+              <a:rPr lang="en-US" sz="1800">
+                <a:cs typeface="Arial" panose="020B0604020202020204" pitchFamily="34" charset="0"/>
+              </a:rPr>
+              <a:t>Review HTML Document Structure</a:t>
+            </a:r>
+          </a:p>
+          <a:p>
+            <a:r>
+              <a:rPr lang="en-US" sz="1800">
+                <a:cs typeface="Arial" panose="020B0604020202020204" pitchFamily="34" charset="0"/>
+              </a:rPr>
+              <a:t>Review &lt;head&gt; section tags</a:t>
+            </a:r>
+          </a:p>
+          <a:p>
+            <a:r>
+              <a:rPr lang="en-US" sz="1800">
+                <a:cs typeface="Arial" panose="020B0604020202020204" pitchFamily="34" charset="0"/>
+              </a:rPr>
+              <a:t>Review &lt;body&gt; section tags</a:t>
+            </a:r>
+          </a:p>
+          <a:p>
+            <a:r>
+              <a:rPr lang="en-US" sz="1800">
+                <a:cs typeface="Arial" panose="020B0604020202020204" pitchFamily="34" charset="0"/>
+              </a:rPr>
+              <a:t>Introduction to HTML Forms</a:t>
+            </a:r>
+            <a:endParaRPr lang="en-US" sz="1800" dirty="0">
+              <a:cs typeface="Arial" panose="020B0604020202020204" pitchFamily="34" charset="0"/>
+            </a:endParaRPr>
+          </a:p>
+        </p:txBody>
+      </p:sp>
+      <p:sp>
+        <p:nvSpPr>
+          <p:cNvPr id="5" name="Slide Number Placeholder 4"/>
+          <p:cNvSpPr>
+            <a:spLocks noGrp="1"/>
+          </p:cNvSpPr>
+          <p:nvPr>
+            <p:ph type="sldNum" sz="quarter" idx="12"/>
+          </p:nvPr>
+        </p:nvSpPr>
+        <p:spPr/>
+        <p:txBody>
+          <a:bodyPr/>
+          <a:lstStyle/>
+          <a:p>
+            <a:fld id="{34B7E4EF-A1BD-40F4-AB7B-04F084DD991D}" type="slidenum">
+              <a:rPr lang="en-US" smtClean="0"/>
+              <a:t>28</a:t>
+            </a:fld>
+            <a:endParaRPr lang="en-US" dirty="0"/>
+          </a:p>
+        </p:txBody>
+      </p:sp>
+    </p:spTree>
+    <p:extLst>
+      <p:ext uri="{BB962C8B-B14F-4D97-AF65-F5344CB8AC3E}">
+        <p14:creationId xmlns:p14="http://schemas.microsoft.com/office/powerpoint/2010/main" val="2820098090"/>
+      </p:ext>
+    </p:extLst>
+  </p:cSld>
+  <p:clrMapOvr>
+    <a:masterClrMapping/>
+  </p:clrMapOvr>
+</p:sld>
+</file>
+
+<file path=ppt/slides/slide29.xml><?xml version="1.0" encoding="utf-8"?>
+<p:sld xmlns:a="http://schemas.openxmlformats.org/drawingml/2006/main" xmlns:r="http://schemas.openxmlformats.org/officeDocument/2006/relationships" xmlns:p="http://schemas.openxmlformats.org/presentationml/2006/main">
+  <p:cSld>
+    <p:spTree>
+      <p:nvGrpSpPr>
+        <p:cNvPr id="1" name=""/>
+        <p:cNvGrpSpPr/>
+        <p:nvPr/>
+      </p:nvGrpSpPr>
+      <p:grpSpPr>
+        <a:xfrm>
+          <a:off x="0" y="0"/>
+          <a:ext cx="0" cy="0"/>
+          <a:chOff x="0" y="0"/>
+          <a:chExt cx="0" cy="0"/>
+        </a:xfrm>
+      </p:grpSpPr>
+      <p:sp>
+        <p:nvSpPr>
+          <p:cNvPr id="2" name="Title 1">
+            <a:extLst>
+              <a:ext uri="{FF2B5EF4-FFF2-40B4-BE49-F238E27FC236}">
+                <a16:creationId xmlns:a16="http://schemas.microsoft.com/office/drawing/2014/main" id="{BDFAC13C-59B1-436E-B58F-C304E1C705CF}"/>
+              </a:ext>
+            </a:extLst>
+          </p:cNvPr>
+          <p:cNvSpPr>
+            <a:spLocks noGrp="1"/>
+          </p:cNvSpPr>
+          <p:nvPr>
+            <p:ph type="title"/>
+          </p:nvPr>
+        </p:nvSpPr>
         <p:spPr>
           <a:xfrm>
             <a:off x="664234" y="733579"/>
@@ -10523,7 +10639,7 @@
           <a:p>
             <a:fld id="{34B7E4EF-A1BD-40F4-AB7B-04F084DD991D}" type="slidenum">
               <a:rPr lang="en-US" smtClean="0"/>
-              <a:t>28</a:t>
+              <a:t>29</a:t>
             </a:fld>
             <a:endParaRPr lang="en-US" dirty="0"/>
           </a:p>
@@ -12814,6 +12930,15 @@
 </file>
 
 <file path=customXml/item1.xml><?xml version="1.0" encoding="utf-8"?>
+<?mso-contentType ?>
+<FormTemplates xmlns="http://schemas.microsoft.com/sharepoint/v3/contenttype/forms">
+  <Display>DocumentLibraryForm</Display>
+  <Edit>DocumentLibraryForm</Edit>
+  <New>DocumentLibraryForm</New>
+</FormTemplates>
+</file>
+
+<file path=customXml/item2.xml><?xml version="1.0" encoding="utf-8"?>
 <ct:contentTypeSchema xmlns:ct="http://schemas.microsoft.com/office/2006/metadata/contentType" xmlns:ma="http://schemas.microsoft.com/office/2006/metadata/properties/metaAttributes" ct:_="" ma:_="" ma:contentTypeName="Document" ma:contentTypeID="0x01010079F111ED35F8CC479449609E8A0923A6" ma:contentTypeVersion="12" ma:contentTypeDescription="Create a new document." ma:contentTypeScope="" ma:versionID="a410dd7f93c95333ffa1b60ed6adedd1">
   <xsd:schema xmlns:xsd="http://www.w3.org/2001/XMLSchema" xmlns:xs="http://www.w3.org/2001/XMLSchema" xmlns:p="http://schemas.microsoft.com/office/2006/metadata/properties" xmlns:ns2="71af3243-3dd4-4a8d-8c0d-dd76da1f02a5" xmlns:ns3="16c05727-aa75-4e4a-9b5f-8a80a1165891" targetNamespace="http://schemas.microsoft.com/office/2006/metadata/properties" ma:root="true" ma:fieldsID="a936d9baba76aa3866493feff160faab" ns2:_="" ns3:_="">
     <xsd:import namespace="71af3243-3dd4-4a8d-8c0d-dd76da1f02a5"/>
@@ -13034,15 +13159,6 @@
 </ct:contentTypeSchema>
 </file>
 
-<file path=customXml/item2.xml><?xml version="1.0" encoding="utf-8"?>
-<?mso-contentType ?>
-<FormTemplates xmlns="http://schemas.microsoft.com/sharepoint/v3/contenttype/forms">
-  <Display>DocumentLibraryForm</Display>
-  <Edit>DocumentLibraryForm</Edit>
-  <New>DocumentLibraryForm</New>
-</FormTemplates>
-</file>
-
 <file path=customXml/item3.xml><?xml version="1.0" encoding="utf-8"?>
 <p:properties xmlns:p="http://schemas.microsoft.com/office/2006/metadata/properties" xmlns:xsi="http://www.w3.org/2001/XMLSchema-instance" xmlns:pc="http://schemas.microsoft.com/office/infopath/2007/PartnerControls">
   <documentManagement>
@@ -13053,6 +13169,14 @@
 </file>
 
 <file path=customXml/itemProps1.xml><?xml version="1.0" encoding="utf-8"?>
+<ds:datastoreItem xmlns:ds="http://schemas.openxmlformats.org/officeDocument/2006/customXml" ds:itemID="{CDB58277-F8DF-46FF-84EC-EF41B835E69F}">
+  <ds:schemaRefs>
+    <ds:schemaRef ds:uri="http://schemas.microsoft.com/sharepoint/v3/contenttype/forms"/>
+  </ds:schemaRefs>
+</ds:datastoreItem>
+</file>
+
+<file path=customXml/itemProps2.xml><?xml version="1.0" encoding="utf-8"?>
 <ds:datastoreItem xmlns:ds="http://schemas.openxmlformats.org/officeDocument/2006/customXml" ds:itemID="{2D276E62-80A3-44DD-9BCC-97ED2B99B57F}">
   <ds:schemaRefs>
     <ds:schemaRef ds:uri="http://schemas.microsoft.com/office/2006/metadata/contentType"/>
@@ -13067,14 +13191,6 @@
     <ds:schemaRef ds:uri="http://purl.org/dc/elements/1.1/"/>
     <ds:schemaRef ds:uri="http://purl.org/dc/terms/"/>
     <ds:schemaRef ds:uri="http://schemas.microsoft.com/internal/obd"/>
-  </ds:schemaRefs>
-</ds:datastoreItem>
-</file>
-
-<file path=customXml/itemProps2.xml><?xml version="1.0" encoding="utf-8"?>
-<ds:datastoreItem xmlns:ds="http://schemas.openxmlformats.org/officeDocument/2006/customXml" ds:itemID="{CDB58277-F8DF-46FF-84EC-EF41B835E69F}">
-  <ds:schemaRefs>
-    <ds:schemaRef ds:uri="http://schemas.microsoft.com/sharepoint/v3/contenttype/forms"/>
   </ds:schemaRefs>
 </ds:datastoreItem>
 </file>

--- a/unit_00/html_review/01 HTML.pptx
+++ b/unit_00/html_review/01 HTML.pptx
@@ -225,7 +225,7 @@
           <a:p>
             <a:fld id="{3F839238-B565-4611-A910-43B731DECEC1}" type="datetimeFigureOut">
               <a:rPr lang="en-US" smtClean="0"/>
-              <a:t>7/28/2020</a:t>
+              <a:t>7/29/2020</a:t>
             </a:fld>
             <a:endParaRPr lang="en-US"/>
           </a:p>
@@ -536,6 +536,252 @@
           <a:bodyPr/>
           <a:lstStyle/>
           <a:p>
+            <a:pPr marL="0" marR="0" lvl="0" indent="0" algn="l" defTabSz="914400" rtl="0" eaLnBrk="1" fontAlgn="auto" latinLnBrk="0" hangingPunct="1">
+              <a:lnSpc>
+                <a:spcPct val="100000"/>
+              </a:lnSpc>
+              <a:spcBef>
+                <a:spcPts val="0"/>
+              </a:spcBef>
+              <a:spcAft>
+                <a:spcPts val="0"/>
+              </a:spcAft>
+              <a:buClrTx/>
+              <a:buSzTx/>
+              <a:buFontTx/>
+              <a:buNone/>
+              <a:tabLst/>
+              <a:defRPr/>
+            </a:pPr>
+            <a:r>
+              <a:rPr lang="en-US">
+                <a:solidFill>
+                  <a:srgbClr val="00B0F0"/>
+                </a:solidFill>
+                <a:hlinkClick r:id="rId3">
+                  <a:extLst>
+                    <a:ext uri="{A12FA001-AC4F-418D-AE19-62706E023703}">
+                      <ahyp:hlinkClr xmlns:ahyp="http://schemas.microsoft.com/office/drawing/2018/hyperlinkcolor" val="tx"/>
+                    </a:ext>
+                  </a:extLst>
+                </a:hlinkClick>
+              </a:rPr>
+              <a:t>https://developer.mozilla.org/en-US/docs/Glossary/HTML</a:t>
+            </a:r>
+            <a:endParaRPr lang="en-US">
+              <a:solidFill>
+                <a:srgbClr val="00B0F0"/>
+              </a:solidFill>
+            </a:endParaRPr>
+          </a:p>
+          <a:p>
+            <a:endParaRPr lang="en-US"/>
+          </a:p>
+        </p:txBody>
+      </p:sp>
+      <p:sp>
+        <p:nvSpPr>
+          <p:cNvPr id="4" name="Slide Number Placeholder 3"/>
+          <p:cNvSpPr>
+            <a:spLocks noGrp="1"/>
+          </p:cNvSpPr>
+          <p:nvPr>
+            <p:ph type="sldNum" sz="quarter" idx="5"/>
+          </p:nvPr>
+        </p:nvSpPr>
+        <p:spPr/>
+        <p:txBody>
+          <a:bodyPr/>
+          <a:lstStyle/>
+          <a:p>
+            <a:fld id="{913AAEB1-1BB9-43BA-8E44-621D6A53A2EE}" type="slidenum">
+              <a:rPr lang="en-US" smtClean="0"/>
+              <a:t>3</a:t>
+            </a:fld>
+            <a:endParaRPr lang="en-US"/>
+          </a:p>
+        </p:txBody>
+      </p:sp>
+    </p:spTree>
+    <p:extLst>
+      <p:ext uri="{BB962C8B-B14F-4D97-AF65-F5344CB8AC3E}">
+        <p14:creationId xmlns:p14="http://schemas.microsoft.com/office/powerpoint/2010/main" val="2760112768"/>
+      </p:ext>
+    </p:extLst>
+  </p:cSld>
+  <p:clrMapOvr>
+    <a:masterClrMapping/>
+  </p:clrMapOvr>
+</p:notes>
+</file>
+
+<file path=ppt/notesSlides/notesSlide10.xml><?xml version="1.0" encoding="utf-8"?>
+<p:notes xmlns:a="http://schemas.openxmlformats.org/drawingml/2006/main" xmlns:r="http://schemas.openxmlformats.org/officeDocument/2006/relationships" xmlns:p="http://schemas.openxmlformats.org/presentationml/2006/main">
+  <p:cSld>
+    <p:spTree>
+      <p:nvGrpSpPr>
+        <p:cNvPr id="1" name=""/>
+        <p:cNvGrpSpPr/>
+        <p:nvPr/>
+      </p:nvGrpSpPr>
+      <p:grpSpPr>
+        <a:xfrm>
+          <a:off x="0" y="0"/>
+          <a:ext cx="0" cy="0"/>
+          <a:chOff x="0" y="0"/>
+          <a:chExt cx="0" cy="0"/>
+        </a:xfrm>
+      </p:grpSpPr>
+      <p:sp>
+        <p:nvSpPr>
+          <p:cNvPr id="2" name="Slide Image Placeholder 1"/>
+          <p:cNvSpPr>
+            <a:spLocks noGrp="1" noRot="1" noChangeAspect="1"/>
+          </p:cNvSpPr>
+          <p:nvPr>
+            <p:ph type="sldImg"/>
+          </p:nvPr>
+        </p:nvSpPr>
+        <p:spPr/>
+      </p:sp>
+      <p:sp>
+        <p:nvSpPr>
+          <p:cNvPr id="3" name="Notes Placeholder 2"/>
+          <p:cNvSpPr>
+            <a:spLocks noGrp="1"/>
+          </p:cNvSpPr>
+          <p:nvPr>
+            <p:ph type="body" idx="1"/>
+          </p:nvPr>
+        </p:nvSpPr>
+        <p:spPr/>
+        <p:txBody>
+          <a:bodyPr/>
+          <a:lstStyle/>
+          <a:p>
+            <a:pPr marL="0" marR="0" lvl="0" indent="0" algn="l" defTabSz="914400" rtl="0" eaLnBrk="1" fontAlgn="auto" latinLnBrk="0" hangingPunct="1">
+              <a:lnSpc>
+                <a:spcPct val="100000"/>
+              </a:lnSpc>
+              <a:spcBef>
+                <a:spcPts val="0"/>
+              </a:spcBef>
+              <a:spcAft>
+                <a:spcPts val="0"/>
+              </a:spcAft>
+              <a:buClrTx/>
+              <a:buSzTx/>
+              <a:buFontTx/>
+              <a:buNone/>
+              <a:tabLst/>
+              <a:defRPr/>
+            </a:pPr>
+            <a:r>
+              <a:rPr lang="en-US">
+                <a:solidFill>
+                  <a:srgbClr val="00B0F0"/>
+                </a:solidFill>
+                <a:hlinkClick r:id="rId3">
+                  <a:extLst>
+                    <a:ext uri="{A12FA001-AC4F-418D-AE19-62706E023703}">
+                      <ahyp:hlinkClr xmlns:ahyp="http://schemas.microsoft.com/office/drawing/2018/hyperlinkcolor" val="tx"/>
+                    </a:ext>
+                  </a:extLst>
+                </a:hlinkClick>
+              </a:rPr>
+              <a:t>https://developer.mozilla.org/en-US/docs/Web/HTML/Element/span</a:t>
+            </a:r>
+            <a:endParaRPr lang="en-US">
+              <a:solidFill>
+                <a:srgbClr val="00B0F0"/>
+              </a:solidFill>
+            </a:endParaRPr>
+          </a:p>
+          <a:p>
+            <a:endParaRPr lang="en-US"/>
+          </a:p>
+        </p:txBody>
+      </p:sp>
+      <p:sp>
+        <p:nvSpPr>
+          <p:cNvPr id="4" name="Slide Number Placeholder 3"/>
+          <p:cNvSpPr>
+            <a:spLocks noGrp="1"/>
+          </p:cNvSpPr>
+          <p:nvPr>
+            <p:ph type="sldNum" sz="quarter" idx="5"/>
+          </p:nvPr>
+        </p:nvSpPr>
+        <p:spPr/>
+        <p:txBody>
+          <a:bodyPr/>
+          <a:lstStyle/>
+          <a:p>
+            <a:fld id="{913AAEB1-1BB9-43BA-8E44-621D6A53A2EE}" type="slidenum">
+              <a:rPr lang="en-US" smtClean="0"/>
+              <a:t>15</a:t>
+            </a:fld>
+            <a:endParaRPr lang="en-US"/>
+          </a:p>
+        </p:txBody>
+      </p:sp>
+    </p:spTree>
+    <p:extLst>
+      <p:ext uri="{BB962C8B-B14F-4D97-AF65-F5344CB8AC3E}">
+        <p14:creationId xmlns:p14="http://schemas.microsoft.com/office/powerpoint/2010/main" val="648810010"/>
+      </p:ext>
+    </p:extLst>
+  </p:cSld>
+  <p:clrMapOvr>
+    <a:masterClrMapping/>
+  </p:clrMapOvr>
+</p:notes>
+</file>
+
+<file path=ppt/notesSlides/notesSlide11.xml><?xml version="1.0" encoding="utf-8"?>
+<p:notes xmlns:a="http://schemas.openxmlformats.org/drawingml/2006/main" xmlns:r="http://schemas.openxmlformats.org/officeDocument/2006/relationships" xmlns:p="http://schemas.openxmlformats.org/presentationml/2006/main">
+  <p:cSld>
+    <p:spTree>
+      <p:nvGrpSpPr>
+        <p:cNvPr id="1" name=""/>
+        <p:cNvGrpSpPr/>
+        <p:nvPr/>
+      </p:nvGrpSpPr>
+      <p:grpSpPr>
+        <a:xfrm>
+          <a:off x="0" y="0"/>
+          <a:ext cx="0" cy="0"/>
+          <a:chOff x="0" y="0"/>
+          <a:chExt cx="0" cy="0"/>
+        </a:xfrm>
+      </p:grpSpPr>
+      <p:sp>
+        <p:nvSpPr>
+          <p:cNvPr id="2" name="Slide Image Placeholder 1"/>
+          <p:cNvSpPr>
+            <a:spLocks noGrp="1" noRot="1" noChangeAspect="1"/>
+          </p:cNvSpPr>
+          <p:nvPr>
+            <p:ph type="sldImg"/>
+          </p:nvPr>
+        </p:nvSpPr>
+        <p:spPr/>
+      </p:sp>
+      <p:sp>
+        <p:nvSpPr>
+          <p:cNvPr id="3" name="Notes Placeholder 2"/>
+          <p:cNvSpPr>
+            <a:spLocks noGrp="1"/>
+          </p:cNvSpPr>
+          <p:nvPr>
+            <p:ph type="body" idx="1"/>
+          </p:nvPr>
+        </p:nvSpPr>
+        <p:spPr/>
+        <p:txBody>
+          <a:bodyPr/>
+          <a:lstStyle/>
+          <a:p>
             <a:r>
               <a:rPr lang="en-US">
                 <a:hlinkClick r:id="rId3"/>
@@ -573,6 +819,795 @@
     <p:extLst>
       <p:ext uri="{BB962C8B-B14F-4D97-AF65-F5344CB8AC3E}">
         <p14:creationId xmlns:p14="http://schemas.microsoft.com/office/powerpoint/2010/main" val="322264101"/>
+      </p:ext>
+    </p:extLst>
+  </p:cSld>
+  <p:clrMapOvr>
+    <a:masterClrMapping/>
+  </p:clrMapOvr>
+</p:notes>
+</file>
+
+<file path=ppt/notesSlides/notesSlide12.xml><?xml version="1.0" encoding="utf-8"?>
+<p:notes xmlns:a="http://schemas.openxmlformats.org/drawingml/2006/main" xmlns:r="http://schemas.openxmlformats.org/officeDocument/2006/relationships" xmlns:p="http://schemas.openxmlformats.org/presentationml/2006/main">
+  <p:cSld>
+    <p:spTree>
+      <p:nvGrpSpPr>
+        <p:cNvPr id="1" name=""/>
+        <p:cNvGrpSpPr/>
+        <p:nvPr/>
+      </p:nvGrpSpPr>
+      <p:grpSpPr>
+        <a:xfrm>
+          <a:off x="0" y="0"/>
+          <a:ext cx="0" cy="0"/>
+          <a:chOff x="0" y="0"/>
+          <a:chExt cx="0" cy="0"/>
+        </a:xfrm>
+      </p:grpSpPr>
+      <p:sp>
+        <p:nvSpPr>
+          <p:cNvPr id="2" name="Slide Image Placeholder 1"/>
+          <p:cNvSpPr>
+            <a:spLocks noGrp="1" noRot="1" noChangeAspect="1"/>
+          </p:cNvSpPr>
+          <p:nvPr>
+            <p:ph type="sldImg"/>
+          </p:nvPr>
+        </p:nvSpPr>
+        <p:spPr/>
+      </p:sp>
+      <p:sp>
+        <p:nvSpPr>
+          <p:cNvPr id="3" name="Notes Placeholder 2"/>
+          <p:cNvSpPr>
+            <a:spLocks noGrp="1"/>
+          </p:cNvSpPr>
+          <p:nvPr>
+            <p:ph type="body" idx="1"/>
+          </p:nvPr>
+        </p:nvSpPr>
+        <p:spPr/>
+        <p:txBody>
+          <a:bodyPr/>
+          <a:lstStyle/>
+          <a:p>
+            <a:r>
+              <a:rPr lang="en-US">
+                <a:hlinkClick r:id="rId3"/>
+              </a:rPr>
+              <a:t>https://developer.mozilla.org/en-US/docs/Web/HTML/Inline_elements</a:t>
+            </a:r>
+            <a:endParaRPr lang="en-US"/>
+          </a:p>
+        </p:txBody>
+      </p:sp>
+      <p:sp>
+        <p:nvSpPr>
+          <p:cNvPr id="4" name="Slide Number Placeholder 3"/>
+          <p:cNvSpPr>
+            <a:spLocks noGrp="1"/>
+          </p:cNvSpPr>
+          <p:nvPr>
+            <p:ph type="sldNum" sz="quarter" idx="5"/>
+          </p:nvPr>
+        </p:nvSpPr>
+        <p:spPr/>
+        <p:txBody>
+          <a:bodyPr/>
+          <a:lstStyle/>
+          <a:p>
+            <a:fld id="{913AAEB1-1BB9-43BA-8E44-621D6A53A2EE}" type="slidenum">
+              <a:rPr lang="en-US" smtClean="0"/>
+              <a:t>17</a:t>
+            </a:fld>
+            <a:endParaRPr lang="en-US"/>
+          </a:p>
+        </p:txBody>
+      </p:sp>
+    </p:spTree>
+    <p:extLst>
+      <p:ext uri="{BB962C8B-B14F-4D97-AF65-F5344CB8AC3E}">
+        <p14:creationId xmlns:p14="http://schemas.microsoft.com/office/powerpoint/2010/main" val="1069080471"/>
+      </p:ext>
+    </p:extLst>
+  </p:cSld>
+  <p:clrMapOvr>
+    <a:masterClrMapping/>
+  </p:clrMapOvr>
+</p:notes>
+</file>
+
+<file path=ppt/notesSlides/notesSlide13.xml><?xml version="1.0" encoding="utf-8"?>
+<p:notes xmlns:a="http://schemas.openxmlformats.org/drawingml/2006/main" xmlns:r="http://schemas.openxmlformats.org/officeDocument/2006/relationships" xmlns:p="http://schemas.openxmlformats.org/presentationml/2006/main">
+  <p:cSld>
+    <p:spTree>
+      <p:nvGrpSpPr>
+        <p:cNvPr id="1" name=""/>
+        <p:cNvGrpSpPr/>
+        <p:nvPr/>
+      </p:nvGrpSpPr>
+      <p:grpSpPr>
+        <a:xfrm>
+          <a:off x="0" y="0"/>
+          <a:ext cx="0" cy="0"/>
+          <a:chOff x="0" y="0"/>
+          <a:chExt cx="0" cy="0"/>
+        </a:xfrm>
+      </p:grpSpPr>
+      <p:sp>
+        <p:nvSpPr>
+          <p:cNvPr id="2" name="Slide Image Placeholder 1"/>
+          <p:cNvSpPr>
+            <a:spLocks noGrp="1" noRot="1" noChangeAspect="1"/>
+          </p:cNvSpPr>
+          <p:nvPr>
+            <p:ph type="sldImg"/>
+          </p:nvPr>
+        </p:nvSpPr>
+        <p:spPr/>
+      </p:sp>
+      <p:sp>
+        <p:nvSpPr>
+          <p:cNvPr id="3" name="Notes Placeholder 2"/>
+          <p:cNvSpPr>
+            <a:spLocks noGrp="1"/>
+          </p:cNvSpPr>
+          <p:nvPr>
+            <p:ph type="body" idx="1"/>
+          </p:nvPr>
+        </p:nvSpPr>
+        <p:spPr/>
+        <p:txBody>
+          <a:bodyPr/>
+          <a:lstStyle/>
+          <a:p>
+            <a:pPr marL="0" marR="0" lvl="0" indent="0" algn="l" defTabSz="914400" rtl="0" eaLnBrk="1" fontAlgn="auto" latinLnBrk="0" hangingPunct="1">
+              <a:lnSpc>
+                <a:spcPct val="100000"/>
+              </a:lnSpc>
+              <a:spcBef>
+                <a:spcPts val="0"/>
+              </a:spcBef>
+              <a:spcAft>
+                <a:spcPts val="0"/>
+              </a:spcAft>
+              <a:buClrTx/>
+              <a:buSzTx/>
+              <a:buFontTx/>
+              <a:buNone/>
+              <a:tabLst/>
+              <a:defRPr/>
+            </a:pPr>
+            <a:r>
+              <a:rPr lang="en-US">
+                <a:solidFill>
+                  <a:srgbClr val="00B0F0"/>
+                </a:solidFill>
+                <a:hlinkClick r:id="rId3">
+                  <a:extLst>
+                    <a:ext uri="{A12FA001-AC4F-418D-AE19-62706E023703}">
+                      <ahyp:hlinkClr xmlns:ahyp="http://schemas.microsoft.com/office/drawing/2018/hyperlinkcolor" val="tx"/>
+                    </a:ext>
+                  </a:extLst>
+                </a:hlinkClick>
+              </a:rPr>
+              <a:t>https://developer.mozilla.org/en-US/docs/Web/HTML/Element/Heading_Elements</a:t>
+            </a:r>
+            <a:endParaRPr lang="en-US">
+              <a:solidFill>
+                <a:srgbClr val="00B0F0"/>
+              </a:solidFill>
+            </a:endParaRPr>
+          </a:p>
+          <a:p>
+            <a:endParaRPr lang="en-US"/>
+          </a:p>
+        </p:txBody>
+      </p:sp>
+      <p:sp>
+        <p:nvSpPr>
+          <p:cNvPr id="4" name="Slide Number Placeholder 3"/>
+          <p:cNvSpPr>
+            <a:spLocks noGrp="1"/>
+          </p:cNvSpPr>
+          <p:nvPr>
+            <p:ph type="sldNum" sz="quarter" idx="5"/>
+          </p:nvPr>
+        </p:nvSpPr>
+        <p:spPr/>
+        <p:txBody>
+          <a:bodyPr/>
+          <a:lstStyle/>
+          <a:p>
+            <a:fld id="{913AAEB1-1BB9-43BA-8E44-621D6A53A2EE}" type="slidenum">
+              <a:rPr lang="en-US" smtClean="0"/>
+              <a:t>18</a:t>
+            </a:fld>
+            <a:endParaRPr lang="en-US"/>
+          </a:p>
+        </p:txBody>
+      </p:sp>
+    </p:spTree>
+    <p:extLst>
+      <p:ext uri="{BB962C8B-B14F-4D97-AF65-F5344CB8AC3E}">
+        <p14:creationId xmlns:p14="http://schemas.microsoft.com/office/powerpoint/2010/main" val="4099384988"/>
+      </p:ext>
+    </p:extLst>
+  </p:cSld>
+  <p:clrMapOvr>
+    <a:masterClrMapping/>
+  </p:clrMapOvr>
+</p:notes>
+</file>
+
+<file path=ppt/notesSlides/notesSlide14.xml><?xml version="1.0" encoding="utf-8"?>
+<p:notes xmlns:a="http://schemas.openxmlformats.org/drawingml/2006/main" xmlns:r="http://schemas.openxmlformats.org/officeDocument/2006/relationships" xmlns:p="http://schemas.openxmlformats.org/presentationml/2006/main">
+  <p:cSld>
+    <p:spTree>
+      <p:nvGrpSpPr>
+        <p:cNvPr id="1" name=""/>
+        <p:cNvGrpSpPr/>
+        <p:nvPr/>
+      </p:nvGrpSpPr>
+      <p:grpSpPr>
+        <a:xfrm>
+          <a:off x="0" y="0"/>
+          <a:ext cx="0" cy="0"/>
+          <a:chOff x="0" y="0"/>
+          <a:chExt cx="0" cy="0"/>
+        </a:xfrm>
+      </p:grpSpPr>
+      <p:sp>
+        <p:nvSpPr>
+          <p:cNvPr id="2" name="Slide Image Placeholder 1"/>
+          <p:cNvSpPr>
+            <a:spLocks noGrp="1" noRot="1" noChangeAspect="1"/>
+          </p:cNvSpPr>
+          <p:nvPr>
+            <p:ph type="sldImg"/>
+          </p:nvPr>
+        </p:nvSpPr>
+        <p:spPr/>
+      </p:sp>
+      <p:sp>
+        <p:nvSpPr>
+          <p:cNvPr id="3" name="Notes Placeholder 2"/>
+          <p:cNvSpPr>
+            <a:spLocks noGrp="1"/>
+          </p:cNvSpPr>
+          <p:nvPr>
+            <p:ph type="body" idx="1"/>
+          </p:nvPr>
+        </p:nvSpPr>
+        <p:spPr/>
+        <p:txBody>
+          <a:bodyPr/>
+          <a:lstStyle/>
+          <a:p>
+            <a:pPr marL="0" marR="0" lvl="0" indent="0" algn="l" defTabSz="914400" rtl="0" eaLnBrk="1" fontAlgn="auto" latinLnBrk="0" hangingPunct="1">
+              <a:lnSpc>
+                <a:spcPct val="100000"/>
+              </a:lnSpc>
+              <a:spcBef>
+                <a:spcPts val="0"/>
+              </a:spcBef>
+              <a:spcAft>
+                <a:spcPts val="0"/>
+              </a:spcAft>
+              <a:buClrTx/>
+              <a:buSzTx/>
+              <a:buFontTx/>
+              <a:buNone/>
+              <a:tabLst/>
+              <a:defRPr/>
+            </a:pPr>
+            <a:r>
+              <a:rPr lang="en-US">
+                <a:solidFill>
+                  <a:srgbClr val="00B0F0"/>
+                </a:solidFill>
+                <a:hlinkClick r:id="rId3">
+                  <a:extLst>
+                    <a:ext uri="{A12FA001-AC4F-418D-AE19-62706E023703}">
+                      <ahyp:hlinkClr xmlns:ahyp="http://schemas.microsoft.com/office/drawing/2018/hyperlinkcolor" val="tx"/>
+                    </a:ext>
+                  </a:extLst>
+                </a:hlinkClick>
+              </a:rPr>
+              <a:t>https://developer.mozilla.org/en-US/docs/Web/HTML/Element/p</a:t>
+            </a:r>
+            <a:endParaRPr lang="en-US" b="1">
+              <a:solidFill>
+                <a:srgbClr val="00B0F0"/>
+              </a:solidFill>
+            </a:endParaRPr>
+          </a:p>
+          <a:p>
+            <a:endParaRPr lang="en-US"/>
+          </a:p>
+        </p:txBody>
+      </p:sp>
+      <p:sp>
+        <p:nvSpPr>
+          <p:cNvPr id="4" name="Slide Number Placeholder 3"/>
+          <p:cNvSpPr>
+            <a:spLocks noGrp="1"/>
+          </p:cNvSpPr>
+          <p:nvPr>
+            <p:ph type="sldNum" sz="quarter" idx="5"/>
+          </p:nvPr>
+        </p:nvSpPr>
+        <p:spPr/>
+        <p:txBody>
+          <a:bodyPr/>
+          <a:lstStyle/>
+          <a:p>
+            <a:fld id="{913AAEB1-1BB9-43BA-8E44-621D6A53A2EE}" type="slidenum">
+              <a:rPr lang="en-US" smtClean="0"/>
+              <a:t>19</a:t>
+            </a:fld>
+            <a:endParaRPr lang="en-US"/>
+          </a:p>
+        </p:txBody>
+      </p:sp>
+    </p:spTree>
+    <p:extLst>
+      <p:ext uri="{BB962C8B-B14F-4D97-AF65-F5344CB8AC3E}">
+        <p14:creationId xmlns:p14="http://schemas.microsoft.com/office/powerpoint/2010/main" val="310755420"/>
+      </p:ext>
+    </p:extLst>
+  </p:cSld>
+  <p:clrMapOvr>
+    <a:masterClrMapping/>
+  </p:clrMapOvr>
+</p:notes>
+</file>
+
+<file path=ppt/notesSlides/notesSlide15.xml><?xml version="1.0" encoding="utf-8"?>
+<p:notes xmlns:a="http://schemas.openxmlformats.org/drawingml/2006/main" xmlns:r="http://schemas.openxmlformats.org/officeDocument/2006/relationships" xmlns:p="http://schemas.openxmlformats.org/presentationml/2006/main">
+  <p:cSld>
+    <p:spTree>
+      <p:nvGrpSpPr>
+        <p:cNvPr id="1" name=""/>
+        <p:cNvGrpSpPr/>
+        <p:nvPr/>
+      </p:nvGrpSpPr>
+      <p:grpSpPr>
+        <a:xfrm>
+          <a:off x="0" y="0"/>
+          <a:ext cx="0" cy="0"/>
+          <a:chOff x="0" y="0"/>
+          <a:chExt cx="0" cy="0"/>
+        </a:xfrm>
+      </p:grpSpPr>
+      <p:sp>
+        <p:nvSpPr>
+          <p:cNvPr id="2" name="Slide Image Placeholder 1"/>
+          <p:cNvSpPr>
+            <a:spLocks noGrp="1" noRot="1" noChangeAspect="1"/>
+          </p:cNvSpPr>
+          <p:nvPr>
+            <p:ph type="sldImg"/>
+          </p:nvPr>
+        </p:nvSpPr>
+        <p:spPr/>
+      </p:sp>
+      <p:sp>
+        <p:nvSpPr>
+          <p:cNvPr id="3" name="Notes Placeholder 2"/>
+          <p:cNvSpPr>
+            <a:spLocks noGrp="1"/>
+          </p:cNvSpPr>
+          <p:nvPr>
+            <p:ph type="body" idx="1"/>
+          </p:nvPr>
+        </p:nvSpPr>
+        <p:spPr/>
+        <p:txBody>
+          <a:bodyPr/>
+          <a:lstStyle/>
+          <a:p>
+            <a:pPr marL="0" marR="0" lvl="0" indent="0" algn="l" defTabSz="914400" rtl="0" eaLnBrk="1" fontAlgn="auto" latinLnBrk="0" hangingPunct="1">
+              <a:lnSpc>
+                <a:spcPct val="100000"/>
+              </a:lnSpc>
+              <a:spcBef>
+                <a:spcPts val="0"/>
+              </a:spcBef>
+              <a:spcAft>
+                <a:spcPts val="0"/>
+              </a:spcAft>
+              <a:buClrTx/>
+              <a:buSzTx/>
+              <a:buFontTx/>
+              <a:buNone/>
+              <a:tabLst/>
+              <a:defRPr/>
+            </a:pPr>
+            <a:r>
+              <a:rPr lang="en-US">
+                <a:solidFill>
+                  <a:srgbClr val="00B0F0"/>
+                </a:solidFill>
+                <a:hlinkClick r:id="rId3">
+                  <a:extLst>
+                    <a:ext uri="{A12FA001-AC4F-418D-AE19-62706E023703}">
+                      <ahyp:hlinkClr xmlns:ahyp="http://schemas.microsoft.com/office/drawing/2018/hyperlinkcolor" val="tx"/>
+                    </a:ext>
+                  </a:extLst>
+                </a:hlinkClick>
+              </a:rPr>
+              <a:t>https://developer.mozilla.org/en-US/docs/Web/HTML/Element/ol</a:t>
+            </a:r>
+            <a:endParaRPr lang="en-US">
+              <a:solidFill>
+                <a:srgbClr val="00B0F0"/>
+              </a:solidFill>
+            </a:endParaRPr>
+          </a:p>
+          <a:p>
+            <a:endParaRPr lang="en-US"/>
+          </a:p>
+        </p:txBody>
+      </p:sp>
+      <p:sp>
+        <p:nvSpPr>
+          <p:cNvPr id="4" name="Slide Number Placeholder 3"/>
+          <p:cNvSpPr>
+            <a:spLocks noGrp="1"/>
+          </p:cNvSpPr>
+          <p:nvPr>
+            <p:ph type="sldNum" sz="quarter" idx="5"/>
+          </p:nvPr>
+        </p:nvSpPr>
+        <p:spPr/>
+        <p:txBody>
+          <a:bodyPr/>
+          <a:lstStyle/>
+          <a:p>
+            <a:fld id="{913AAEB1-1BB9-43BA-8E44-621D6A53A2EE}" type="slidenum">
+              <a:rPr lang="en-US" smtClean="0"/>
+              <a:t>20</a:t>
+            </a:fld>
+            <a:endParaRPr lang="en-US"/>
+          </a:p>
+        </p:txBody>
+      </p:sp>
+    </p:spTree>
+    <p:extLst>
+      <p:ext uri="{BB962C8B-B14F-4D97-AF65-F5344CB8AC3E}">
+        <p14:creationId xmlns:p14="http://schemas.microsoft.com/office/powerpoint/2010/main" val="3254986036"/>
+      </p:ext>
+    </p:extLst>
+  </p:cSld>
+  <p:clrMapOvr>
+    <a:masterClrMapping/>
+  </p:clrMapOvr>
+</p:notes>
+</file>
+
+<file path=ppt/notesSlides/notesSlide16.xml><?xml version="1.0" encoding="utf-8"?>
+<p:notes xmlns:a="http://schemas.openxmlformats.org/drawingml/2006/main" xmlns:r="http://schemas.openxmlformats.org/officeDocument/2006/relationships" xmlns:p="http://schemas.openxmlformats.org/presentationml/2006/main">
+  <p:cSld>
+    <p:spTree>
+      <p:nvGrpSpPr>
+        <p:cNvPr id="1" name=""/>
+        <p:cNvGrpSpPr/>
+        <p:nvPr/>
+      </p:nvGrpSpPr>
+      <p:grpSpPr>
+        <a:xfrm>
+          <a:off x="0" y="0"/>
+          <a:ext cx="0" cy="0"/>
+          <a:chOff x="0" y="0"/>
+          <a:chExt cx="0" cy="0"/>
+        </a:xfrm>
+      </p:grpSpPr>
+      <p:sp>
+        <p:nvSpPr>
+          <p:cNvPr id="2" name="Slide Image Placeholder 1"/>
+          <p:cNvSpPr>
+            <a:spLocks noGrp="1" noRot="1" noChangeAspect="1"/>
+          </p:cNvSpPr>
+          <p:nvPr>
+            <p:ph type="sldImg"/>
+          </p:nvPr>
+        </p:nvSpPr>
+        <p:spPr/>
+      </p:sp>
+      <p:sp>
+        <p:nvSpPr>
+          <p:cNvPr id="3" name="Notes Placeholder 2"/>
+          <p:cNvSpPr>
+            <a:spLocks noGrp="1"/>
+          </p:cNvSpPr>
+          <p:nvPr>
+            <p:ph type="body" idx="1"/>
+          </p:nvPr>
+        </p:nvSpPr>
+        <p:spPr/>
+        <p:txBody>
+          <a:bodyPr/>
+          <a:lstStyle/>
+          <a:p>
+            <a:pPr marL="0" marR="0" lvl="0" indent="0" algn="l" defTabSz="914400" rtl="0" eaLnBrk="1" fontAlgn="auto" latinLnBrk="0" hangingPunct="1">
+              <a:lnSpc>
+                <a:spcPct val="100000"/>
+              </a:lnSpc>
+              <a:spcBef>
+                <a:spcPts val="0"/>
+              </a:spcBef>
+              <a:spcAft>
+                <a:spcPts val="0"/>
+              </a:spcAft>
+              <a:buClrTx/>
+              <a:buSzTx/>
+              <a:buFontTx/>
+              <a:buNone/>
+              <a:tabLst/>
+              <a:defRPr/>
+            </a:pPr>
+            <a:r>
+              <a:rPr lang="en-US">
+                <a:solidFill>
+                  <a:srgbClr val="00B0F0"/>
+                </a:solidFill>
+                <a:hlinkClick r:id="rId3">
+                  <a:extLst>
+                    <a:ext uri="{A12FA001-AC4F-418D-AE19-62706E023703}">
+                      <ahyp:hlinkClr xmlns:ahyp="http://schemas.microsoft.com/office/drawing/2018/hyperlinkcolor" val="tx"/>
+                    </a:ext>
+                  </a:extLst>
+                </a:hlinkClick>
+              </a:rPr>
+              <a:t>https://developer.mozilla.org/en-US/docs/Web/HTML/Element/ul</a:t>
+            </a:r>
+            <a:endParaRPr lang="en-US">
+              <a:solidFill>
+                <a:srgbClr val="00B0F0"/>
+              </a:solidFill>
+            </a:endParaRPr>
+          </a:p>
+          <a:p>
+            <a:endParaRPr lang="en-US"/>
+          </a:p>
+        </p:txBody>
+      </p:sp>
+      <p:sp>
+        <p:nvSpPr>
+          <p:cNvPr id="4" name="Slide Number Placeholder 3"/>
+          <p:cNvSpPr>
+            <a:spLocks noGrp="1"/>
+          </p:cNvSpPr>
+          <p:nvPr>
+            <p:ph type="sldNum" sz="quarter" idx="5"/>
+          </p:nvPr>
+        </p:nvSpPr>
+        <p:spPr/>
+        <p:txBody>
+          <a:bodyPr/>
+          <a:lstStyle/>
+          <a:p>
+            <a:fld id="{913AAEB1-1BB9-43BA-8E44-621D6A53A2EE}" type="slidenum">
+              <a:rPr lang="en-US" smtClean="0"/>
+              <a:t>21</a:t>
+            </a:fld>
+            <a:endParaRPr lang="en-US"/>
+          </a:p>
+        </p:txBody>
+      </p:sp>
+    </p:spTree>
+    <p:extLst>
+      <p:ext uri="{BB962C8B-B14F-4D97-AF65-F5344CB8AC3E}">
+        <p14:creationId xmlns:p14="http://schemas.microsoft.com/office/powerpoint/2010/main" val="1256548344"/>
+      </p:ext>
+    </p:extLst>
+  </p:cSld>
+  <p:clrMapOvr>
+    <a:masterClrMapping/>
+  </p:clrMapOvr>
+</p:notes>
+</file>
+
+<file path=ppt/notesSlides/notesSlide17.xml><?xml version="1.0" encoding="utf-8"?>
+<p:notes xmlns:a="http://schemas.openxmlformats.org/drawingml/2006/main" xmlns:r="http://schemas.openxmlformats.org/officeDocument/2006/relationships" xmlns:p="http://schemas.openxmlformats.org/presentationml/2006/main">
+  <p:cSld>
+    <p:spTree>
+      <p:nvGrpSpPr>
+        <p:cNvPr id="1" name=""/>
+        <p:cNvGrpSpPr/>
+        <p:nvPr/>
+      </p:nvGrpSpPr>
+      <p:grpSpPr>
+        <a:xfrm>
+          <a:off x="0" y="0"/>
+          <a:ext cx="0" cy="0"/>
+          <a:chOff x="0" y="0"/>
+          <a:chExt cx="0" cy="0"/>
+        </a:xfrm>
+      </p:grpSpPr>
+      <p:sp>
+        <p:nvSpPr>
+          <p:cNvPr id="2" name="Slide Image Placeholder 1"/>
+          <p:cNvSpPr>
+            <a:spLocks noGrp="1" noRot="1" noChangeAspect="1"/>
+          </p:cNvSpPr>
+          <p:nvPr>
+            <p:ph type="sldImg"/>
+          </p:nvPr>
+        </p:nvSpPr>
+        <p:spPr/>
+      </p:sp>
+      <p:sp>
+        <p:nvSpPr>
+          <p:cNvPr id="3" name="Notes Placeholder 2"/>
+          <p:cNvSpPr>
+            <a:spLocks noGrp="1"/>
+          </p:cNvSpPr>
+          <p:nvPr>
+            <p:ph type="body" idx="1"/>
+          </p:nvPr>
+        </p:nvSpPr>
+        <p:spPr/>
+        <p:txBody>
+          <a:bodyPr/>
+          <a:lstStyle/>
+          <a:p>
+            <a:pPr marL="0" marR="0" lvl="0" indent="0" algn="l" defTabSz="914400" rtl="0" eaLnBrk="1" fontAlgn="auto" latinLnBrk="0" hangingPunct="1">
+              <a:lnSpc>
+                <a:spcPct val="100000"/>
+              </a:lnSpc>
+              <a:spcBef>
+                <a:spcPts val="0"/>
+              </a:spcBef>
+              <a:spcAft>
+                <a:spcPts val="0"/>
+              </a:spcAft>
+              <a:buClrTx/>
+              <a:buSzTx/>
+              <a:buFontTx/>
+              <a:buNone/>
+              <a:tabLst/>
+              <a:defRPr/>
+            </a:pPr>
+            <a:r>
+              <a:rPr lang="en-US">
+                <a:solidFill>
+                  <a:srgbClr val="00B0F0"/>
+                </a:solidFill>
+                <a:hlinkClick r:id="rId3">
+                  <a:extLst>
+                    <a:ext uri="{A12FA001-AC4F-418D-AE19-62706E023703}">
+                      <ahyp:hlinkClr xmlns:ahyp="http://schemas.microsoft.com/office/drawing/2018/hyperlinkcolor" val="tx"/>
+                    </a:ext>
+                  </a:extLst>
+                </a:hlinkClick>
+              </a:rPr>
+              <a:t>https://developer.mozilla.org/en-US/docs/Web/HTML/Element/form</a:t>
+            </a:r>
+            <a:endParaRPr lang="en-US">
+              <a:solidFill>
+                <a:srgbClr val="00B0F0"/>
+              </a:solidFill>
+            </a:endParaRPr>
+          </a:p>
+          <a:p>
+            <a:endParaRPr lang="en-US"/>
+          </a:p>
+        </p:txBody>
+      </p:sp>
+      <p:sp>
+        <p:nvSpPr>
+          <p:cNvPr id="4" name="Slide Number Placeholder 3"/>
+          <p:cNvSpPr>
+            <a:spLocks noGrp="1"/>
+          </p:cNvSpPr>
+          <p:nvPr>
+            <p:ph type="sldNum" sz="quarter" idx="5"/>
+          </p:nvPr>
+        </p:nvSpPr>
+        <p:spPr/>
+        <p:txBody>
+          <a:bodyPr/>
+          <a:lstStyle/>
+          <a:p>
+            <a:fld id="{913AAEB1-1BB9-43BA-8E44-621D6A53A2EE}" type="slidenum">
+              <a:rPr lang="en-US" smtClean="0"/>
+              <a:t>23</a:t>
+            </a:fld>
+            <a:endParaRPr lang="en-US"/>
+          </a:p>
+        </p:txBody>
+      </p:sp>
+    </p:spTree>
+    <p:extLst>
+      <p:ext uri="{BB962C8B-B14F-4D97-AF65-F5344CB8AC3E}">
+        <p14:creationId xmlns:p14="http://schemas.microsoft.com/office/powerpoint/2010/main" val="2976847427"/>
+      </p:ext>
+    </p:extLst>
+  </p:cSld>
+  <p:clrMapOvr>
+    <a:masterClrMapping/>
+  </p:clrMapOvr>
+</p:notes>
+</file>
+
+<file path=ppt/notesSlides/notesSlide18.xml><?xml version="1.0" encoding="utf-8"?>
+<p:notes xmlns:a="http://schemas.openxmlformats.org/drawingml/2006/main" xmlns:r="http://schemas.openxmlformats.org/officeDocument/2006/relationships" xmlns:p="http://schemas.openxmlformats.org/presentationml/2006/main">
+  <p:cSld>
+    <p:spTree>
+      <p:nvGrpSpPr>
+        <p:cNvPr id="1" name=""/>
+        <p:cNvGrpSpPr/>
+        <p:nvPr/>
+      </p:nvGrpSpPr>
+      <p:grpSpPr>
+        <a:xfrm>
+          <a:off x="0" y="0"/>
+          <a:ext cx="0" cy="0"/>
+          <a:chOff x="0" y="0"/>
+          <a:chExt cx="0" cy="0"/>
+        </a:xfrm>
+      </p:grpSpPr>
+      <p:sp>
+        <p:nvSpPr>
+          <p:cNvPr id="2" name="Slide Image Placeholder 1"/>
+          <p:cNvSpPr>
+            <a:spLocks noGrp="1" noRot="1" noChangeAspect="1"/>
+          </p:cNvSpPr>
+          <p:nvPr>
+            <p:ph type="sldImg"/>
+          </p:nvPr>
+        </p:nvSpPr>
+        <p:spPr/>
+      </p:sp>
+      <p:sp>
+        <p:nvSpPr>
+          <p:cNvPr id="3" name="Notes Placeholder 2"/>
+          <p:cNvSpPr>
+            <a:spLocks noGrp="1"/>
+          </p:cNvSpPr>
+          <p:nvPr>
+            <p:ph type="body" idx="1"/>
+          </p:nvPr>
+        </p:nvSpPr>
+        <p:spPr/>
+        <p:txBody>
+          <a:bodyPr/>
+          <a:lstStyle/>
+          <a:p>
+            <a:endParaRPr lang="en-US"/>
+          </a:p>
+        </p:txBody>
+      </p:sp>
+      <p:sp>
+        <p:nvSpPr>
+          <p:cNvPr id="4" name="Slide Number Placeholder 3"/>
+          <p:cNvSpPr>
+            <a:spLocks noGrp="1"/>
+          </p:cNvSpPr>
+          <p:nvPr>
+            <p:ph type="sldNum" sz="quarter" idx="10"/>
+          </p:nvPr>
+        </p:nvSpPr>
+        <p:spPr/>
+        <p:txBody>
+          <a:bodyPr/>
+          <a:lstStyle/>
+          <a:p>
+            <a:fld id="{913AAEB1-1BB9-43BA-8E44-621D6A53A2EE}" type="slidenum">
+              <a:rPr lang="en-US" smtClean="0"/>
+              <a:t>29</a:t>
+            </a:fld>
+            <a:endParaRPr lang="en-US"/>
+          </a:p>
+        </p:txBody>
+      </p:sp>
+    </p:spTree>
+    <p:extLst>
+      <p:ext uri="{BB962C8B-B14F-4D97-AF65-F5344CB8AC3E}">
+        <p14:creationId xmlns:p14="http://schemas.microsoft.com/office/powerpoint/2010/main" val="2309939056"/>
       </p:ext>
     </p:extLst>
   </p:cSld>
@@ -626,13 +1661,43 @@
           <a:bodyPr/>
           <a:lstStyle/>
           <a:p>
+            <a:pPr marL="0" marR="0" lvl="0" indent="0" algn="l" defTabSz="914400" rtl="0" eaLnBrk="1" fontAlgn="auto" latinLnBrk="0" hangingPunct="1">
+              <a:lnSpc>
+                <a:spcPct val="100000"/>
+              </a:lnSpc>
+              <a:spcBef>
+                <a:spcPts val="0"/>
+              </a:spcBef>
+              <a:spcAft>
+                <a:spcPts val="0"/>
+              </a:spcAft>
+              <a:buClrTx/>
+              <a:buSzTx/>
+              <a:buFontTx/>
+              <a:buNone/>
+              <a:tabLst/>
+              <a:defRPr/>
+            </a:pPr>
             <a:r>
               <a:rPr lang="en-US">
-                <a:hlinkClick r:id="rId3"/>
-              </a:rPr>
-              <a:t>https://developer.mozilla.org/en-US/docs/Web/HTML/Inline_elements</a:t>
-            </a:r>
-            <a:endParaRPr lang="en-US"/>
+                <a:solidFill>
+                  <a:srgbClr val="00B0F0"/>
+                </a:solidFill>
+                <a:hlinkClick r:id="rId3">
+                  <a:extLst>
+                    <a:ext uri="{A12FA001-AC4F-418D-AE19-62706E023703}">
+                      <ahyp:hlinkClr xmlns:ahyp="http://schemas.microsoft.com/office/drawing/2018/hyperlinkcolor" val="tx"/>
+                    </a:ext>
+                  </a:extLst>
+                </a:hlinkClick>
+              </a:rPr>
+              <a:t>https://developer.mozilla.org/en-US/docs/Glossary/Doctype</a:t>
+            </a:r>
+            <a:endParaRPr lang="en-US">
+              <a:solidFill>
+                <a:srgbClr val="00B0F0"/>
+              </a:solidFill>
+            </a:endParaRPr>
           </a:p>
         </p:txBody>
       </p:sp>
@@ -653,7 +1718,7 @@
           <a:p>
             <a:fld id="{913AAEB1-1BB9-43BA-8E44-621D6A53A2EE}" type="slidenum">
               <a:rPr lang="en-US" smtClean="0"/>
-              <a:t>17</a:t>
+              <a:t>6</a:t>
             </a:fld>
             <a:endParaRPr lang="en-US"/>
           </a:p>
@@ -662,7 +1727,7 @@
     </p:spTree>
     <p:extLst>
       <p:ext uri="{BB962C8B-B14F-4D97-AF65-F5344CB8AC3E}">
-        <p14:creationId xmlns:p14="http://schemas.microsoft.com/office/powerpoint/2010/main" val="1069080471"/>
+        <p14:creationId xmlns:p14="http://schemas.microsoft.com/office/powerpoint/2010/main" val="2597189784"/>
       </p:ext>
     </p:extLst>
   </p:cSld>
@@ -716,6 +1781,50 @@
           <a:bodyPr/>
           <a:lstStyle/>
           <a:p>
+            <a:r>
+              <a:rPr lang="en-US">
+                <a:solidFill>
+                  <a:srgbClr val="00B0F0"/>
+                </a:solidFill>
+                <a:hlinkClick r:id="rId3">
+                  <a:extLst>
+                    <a:ext uri="{A12FA001-AC4F-418D-AE19-62706E023703}">
+                      <ahyp:hlinkClr xmlns:ahyp="http://schemas.microsoft.com/office/drawing/2018/hyperlinkcolor" val="tx"/>
+                    </a:ext>
+                  </a:extLst>
+                </a:hlinkClick>
+              </a:rPr>
+              <a:t>https://developer.mozilla.org/en-US/docs/Web/HTML/Element/html</a:t>
+            </a:r>
+            <a:endParaRPr lang="en-US" b="1">
+              <a:solidFill>
+                <a:srgbClr val="00B0F0"/>
+              </a:solidFill>
+            </a:endParaRPr>
+          </a:p>
+          <a:p>
+            <a:r>
+              <a:rPr lang="en-US">
+                <a:solidFill>
+                  <a:srgbClr val="00B0F0"/>
+                </a:solidFill>
+                <a:hlinkClick r:id="rId4">
+                  <a:extLst>
+                    <a:ext uri="{A12FA001-AC4F-418D-AE19-62706E023703}">
+                      <ahyp:hlinkClr xmlns:ahyp="http://schemas.microsoft.com/office/drawing/2018/hyperlinkcolor" val="tx"/>
+                    </a:ext>
+                  </a:extLst>
+                </a:hlinkClick>
+              </a:rPr>
+              <a:t>https://www.w3schools.com/Tags/tag_html.asp</a:t>
+            </a:r>
+            <a:endParaRPr lang="en-US">
+              <a:solidFill>
+                <a:srgbClr val="00B0F0"/>
+              </a:solidFill>
+            </a:endParaRPr>
+          </a:p>
+          <a:p>
             <a:endParaRPr lang="en-US"/>
           </a:p>
         </p:txBody>
@@ -727,7 +1836,7 @@
             <a:spLocks noGrp="1"/>
           </p:cNvSpPr>
           <p:nvPr>
-            <p:ph type="sldNum" sz="quarter" idx="10"/>
+            <p:ph type="sldNum" sz="quarter" idx="5"/>
           </p:nvPr>
         </p:nvSpPr>
         <p:spPr/>
@@ -737,7 +1846,7 @@
           <a:p>
             <a:fld id="{913AAEB1-1BB9-43BA-8E44-621D6A53A2EE}" type="slidenum">
               <a:rPr lang="en-US" smtClean="0"/>
-              <a:t>29</a:t>
+              <a:t>7</a:t>
             </a:fld>
             <a:endParaRPr lang="en-US"/>
           </a:p>
@@ -746,7 +1855,724 @@
     </p:spTree>
     <p:extLst>
       <p:ext uri="{BB962C8B-B14F-4D97-AF65-F5344CB8AC3E}">
-        <p14:creationId xmlns:p14="http://schemas.microsoft.com/office/powerpoint/2010/main" val="2309939056"/>
+        <p14:creationId xmlns:p14="http://schemas.microsoft.com/office/powerpoint/2010/main" val="2836367760"/>
+      </p:ext>
+    </p:extLst>
+  </p:cSld>
+  <p:clrMapOvr>
+    <a:masterClrMapping/>
+  </p:clrMapOvr>
+</p:notes>
+</file>
+
+<file path=ppt/notesSlides/notesSlide4.xml><?xml version="1.0" encoding="utf-8"?>
+<p:notes xmlns:a="http://schemas.openxmlformats.org/drawingml/2006/main" xmlns:r="http://schemas.openxmlformats.org/officeDocument/2006/relationships" xmlns:p="http://schemas.openxmlformats.org/presentationml/2006/main">
+  <p:cSld>
+    <p:spTree>
+      <p:nvGrpSpPr>
+        <p:cNvPr id="1" name=""/>
+        <p:cNvGrpSpPr/>
+        <p:nvPr/>
+      </p:nvGrpSpPr>
+      <p:grpSpPr>
+        <a:xfrm>
+          <a:off x="0" y="0"/>
+          <a:ext cx="0" cy="0"/>
+          <a:chOff x="0" y="0"/>
+          <a:chExt cx="0" cy="0"/>
+        </a:xfrm>
+      </p:grpSpPr>
+      <p:sp>
+        <p:nvSpPr>
+          <p:cNvPr id="2" name="Slide Image Placeholder 1"/>
+          <p:cNvSpPr>
+            <a:spLocks noGrp="1" noRot="1" noChangeAspect="1"/>
+          </p:cNvSpPr>
+          <p:nvPr>
+            <p:ph type="sldImg"/>
+          </p:nvPr>
+        </p:nvSpPr>
+        <p:spPr/>
+      </p:sp>
+      <p:sp>
+        <p:nvSpPr>
+          <p:cNvPr id="3" name="Notes Placeholder 2"/>
+          <p:cNvSpPr>
+            <a:spLocks noGrp="1"/>
+          </p:cNvSpPr>
+          <p:nvPr>
+            <p:ph type="body" idx="1"/>
+          </p:nvPr>
+        </p:nvSpPr>
+        <p:spPr/>
+        <p:txBody>
+          <a:bodyPr/>
+          <a:lstStyle/>
+          <a:p>
+            <a:pPr marL="0" marR="0" lvl="0" indent="0" algn="l" defTabSz="914400" rtl="0" eaLnBrk="1" fontAlgn="auto" latinLnBrk="0" hangingPunct="1">
+              <a:lnSpc>
+                <a:spcPct val="100000"/>
+              </a:lnSpc>
+              <a:spcBef>
+                <a:spcPts val="0"/>
+              </a:spcBef>
+              <a:spcAft>
+                <a:spcPts val="0"/>
+              </a:spcAft>
+              <a:buClrTx/>
+              <a:buSzTx/>
+              <a:buFontTx/>
+              <a:buNone/>
+              <a:tabLst/>
+              <a:defRPr/>
+            </a:pPr>
+            <a:r>
+              <a:rPr lang="en-US">
+                <a:solidFill>
+                  <a:srgbClr val="00B0F0"/>
+                </a:solidFill>
+                <a:hlinkClick r:id="rId3"/>
+              </a:rPr>
+              <a:t>https://developer.mozilla.org/en-US/docs/Web/HTML/Element/head</a:t>
+            </a:r>
+            <a:endParaRPr lang="en-US">
+              <a:solidFill>
+                <a:srgbClr val="00B0F0"/>
+              </a:solidFill>
+            </a:endParaRPr>
+          </a:p>
+          <a:p>
+            <a:endParaRPr lang="en-US"/>
+          </a:p>
+        </p:txBody>
+      </p:sp>
+      <p:sp>
+        <p:nvSpPr>
+          <p:cNvPr id="4" name="Slide Number Placeholder 3"/>
+          <p:cNvSpPr>
+            <a:spLocks noGrp="1"/>
+          </p:cNvSpPr>
+          <p:nvPr>
+            <p:ph type="sldNum" sz="quarter" idx="5"/>
+          </p:nvPr>
+        </p:nvSpPr>
+        <p:spPr/>
+        <p:txBody>
+          <a:bodyPr/>
+          <a:lstStyle/>
+          <a:p>
+            <a:fld id="{913AAEB1-1BB9-43BA-8E44-621D6A53A2EE}" type="slidenum">
+              <a:rPr lang="en-US" smtClean="0"/>
+              <a:t>8</a:t>
+            </a:fld>
+            <a:endParaRPr lang="en-US"/>
+          </a:p>
+        </p:txBody>
+      </p:sp>
+    </p:spTree>
+    <p:extLst>
+      <p:ext uri="{BB962C8B-B14F-4D97-AF65-F5344CB8AC3E}">
+        <p14:creationId xmlns:p14="http://schemas.microsoft.com/office/powerpoint/2010/main" val="1728053353"/>
+      </p:ext>
+    </p:extLst>
+  </p:cSld>
+  <p:clrMapOvr>
+    <a:masterClrMapping/>
+  </p:clrMapOvr>
+</p:notes>
+</file>
+
+<file path=ppt/notesSlides/notesSlide5.xml><?xml version="1.0" encoding="utf-8"?>
+<p:notes xmlns:a="http://schemas.openxmlformats.org/drawingml/2006/main" xmlns:r="http://schemas.openxmlformats.org/officeDocument/2006/relationships" xmlns:p="http://schemas.openxmlformats.org/presentationml/2006/main">
+  <p:cSld>
+    <p:spTree>
+      <p:nvGrpSpPr>
+        <p:cNvPr id="1" name=""/>
+        <p:cNvGrpSpPr/>
+        <p:nvPr/>
+      </p:nvGrpSpPr>
+      <p:grpSpPr>
+        <a:xfrm>
+          <a:off x="0" y="0"/>
+          <a:ext cx="0" cy="0"/>
+          <a:chOff x="0" y="0"/>
+          <a:chExt cx="0" cy="0"/>
+        </a:xfrm>
+      </p:grpSpPr>
+      <p:sp>
+        <p:nvSpPr>
+          <p:cNvPr id="2" name="Slide Image Placeholder 1"/>
+          <p:cNvSpPr>
+            <a:spLocks noGrp="1" noRot="1" noChangeAspect="1"/>
+          </p:cNvSpPr>
+          <p:nvPr>
+            <p:ph type="sldImg"/>
+          </p:nvPr>
+        </p:nvSpPr>
+        <p:spPr/>
+      </p:sp>
+      <p:sp>
+        <p:nvSpPr>
+          <p:cNvPr id="3" name="Notes Placeholder 2"/>
+          <p:cNvSpPr>
+            <a:spLocks noGrp="1"/>
+          </p:cNvSpPr>
+          <p:nvPr>
+            <p:ph type="body" idx="1"/>
+          </p:nvPr>
+        </p:nvSpPr>
+        <p:spPr/>
+        <p:txBody>
+          <a:bodyPr/>
+          <a:lstStyle/>
+          <a:p>
+            <a:pPr marL="0" marR="0" lvl="0" indent="0" algn="l" defTabSz="914400" rtl="0" eaLnBrk="1" fontAlgn="auto" latinLnBrk="0" hangingPunct="1">
+              <a:lnSpc>
+                <a:spcPct val="100000"/>
+              </a:lnSpc>
+              <a:spcBef>
+                <a:spcPts val="0"/>
+              </a:spcBef>
+              <a:spcAft>
+                <a:spcPts val="0"/>
+              </a:spcAft>
+              <a:buClrTx/>
+              <a:buSzTx/>
+              <a:buFontTx/>
+              <a:buNone/>
+              <a:tabLst/>
+              <a:defRPr/>
+            </a:pPr>
+            <a:r>
+              <a:rPr lang="en-US">
+                <a:hlinkClick r:id="rId3"/>
+              </a:rPr>
+              <a:t>https://developer.mozilla.org/en-US/docs/Web/HTML/Element/meta</a:t>
+            </a:r>
+            <a:endParaRPr lang="en-US">
+              <a:solidFill>
+                <a:srgbClr val="00B0F0"/>
+              </a:solidFill>
+            </a:endParaRPr>
+          </a:p>
+          <a:p>
+            <a:endParaRPr lang="en-US"/>
+          </a:p>
+        </p:txBody>
+      </p:sp>
+      <p:sp>
+        <p:nvSpPr>
+          <p:cNvPr id="4" name="Slide Number Placeholder 3"/>
+          <p:cNvSpPr>
+            <a:spLocks noGrp="1"/>
+          </p:cNvSpPr>
+          <p:nvPr>
+            <p:ph type="sldNum" sz="quarter" idx="5"/>
+          </p:nvPr>
+        </p:nvSpPr>
+        <p:spPr/>
+        <p:txBody>
+          <a:bodyPr/>
+          <a:lstStyle/>
+          <a:p>
+            <a:fld id="{913AAEB1-1BB9-43BA-8E44-621D6A53A2EE}" type="slidenum">
+              <a:rPr lang="en-US" smtClean="0"/>
+              <a:t>9</a:t>
+            </a:fld>
+            <a:endParaRPr lang="en-US"/>
+          </a:p>
+        </p:txBody>
+      </p:sp>
+    </p:spTree>
+    <p:extLst>
+      <p:ext uri="{BB962C8B-B14F-4D97-AF65-F5344CB8AC3E}">
+        <p14:creationId xmlns:p14="http://schemas.microsoft.com/office/powerpoint/2010/main" val="1963735165"/>
+      </p:ext>
+    </p:extLst>
+  </p:cSld>
+  <p:clrMapOvr>
+    <a:masterClrMapping/>
+  </p:clrMapOvr>
+</p:notes>
+</file>
+
+<file path=ppt/notesSlides/notesSlide6.xml><?xml version="1.0" encoding="utf-8"?>
+<p:notes xmlns:a="http://schemas.openxmlformats.org/drawingml/2006/main" xmlns:r="http://schemas.openxmlformats.org/officeDocument/2006/relationships" xmlns:p="http://schemas.openxmlformats.org/presentationml/2006/main">
+  <p:cSld>
+    <p:spTree>
+      <p:nvGrpSpPr>
+        <p:cNvPr id="1" name=""/>
+        <p:cNvGrpSpPr/>
+        <p:nvPr/>
+      </p:nvGrpSpPr>
+      <p:grpSpPr>
+        <a:xfrm>
+          <a:off x="0" y="0"/>
+          <a:ext cx="0" cy="0"/>
+          <a:chOff x="0" y="0"/>
+          <a:chExt cx="0" cy="0"/>
+        </a:xfrm>
+      </p:grpSpPr>
+      <p:sp>
+        <p:nvSpPr>
+          <p:cNvPr id="2" name="Slide Image Placeholder 1"/>
+          <p:cNvSpPr>
+            <a:spLocks noGrp="1" noRot="1" noChangeAspect="1"/>
+          </p:cNvSpPr>
+          <p:nvPr>
+            <p:ph type="sldImg"/>
+          </p:nvPr>
+        </p:nvSpPr>
+        <p:spPr/>
+      </p:sp>
+      <p:sp>
+        <p:nvSpPr>
+          <p:cNvPr id="3" name="Notes Placeholder 2"/>
+          <p:cNvSpPr>
+            <a:spLocks noGrp="1"/>
+          </p:cNvSpPr>
+          <p:nvPr>
+            <p:ph type="body" idx="1"/>
+          </p:nvPr>
+        </p:nvSpPr>
+        <p:spPr/>
+        <p:txBody>
+          <a:bodyPr/>
+          <a:lstStyle/>
+          <a:p>
+            <a:pPr marL="0" marR="0" lvl="0" indent="0" algn="l" defTabSz="914400" rtl="0" eaLnBrk="1" fontAlgn="auto" latinLnBrk="0" hangingPunct="1">
+              <a:lnSpc>
+                <a:spcPct val="100000"/>
+              </a:lnSpc>
+              <a:spcBef>
+                <a:spcPts val="0"/>
+              </a:spcBef>
+              <a:spcAft>
+                <a:spcPts val="0"/>
+              </a:spcAft>
+              <a:buClrTx/>
+              <a:buSzTx/>
+              <a:buFontTx/>
+              <a:buNone/>
+              <a:tabLst/>
+              <a:defRPr/>
+            </a:pPr>
+            <a:r>
+              <a:rPr lang="en-US">
+                <a:solidFill>
+                  <a:srgbClr val="00B0F0"/>
+                </a:solidFill>
+                <a:hlinkClick r:id="rId3">
+                  <a:extLst>
+                    <a:ext uri="{A12FA001-AC4F-418D-AE19-62706E023703}">
+                      <ahyp:hlinkClr xmlns:ahyp="http://schemas.microsoft.com/office/drawing/2018/hyperlinkcolor" val="tx"/>
+                    </a:ext>
+                  </a:extLst>
+                </a:hlinkClick>
+              </a:rPr>
+              <a:t>https://developer.mozilla.org/en-US/docs/Web/HTML/Element/title</a:t>
+            </a:r>
+            <a:endParaRPr lang="en-US">
+              <a:solidFill>
+                <a:srgbClr val="00B0F0"/>
+              </a:solidFill>
+            </a:endParaRPr>
+          </a:p>
+          <a:p>
+            <a:endParaRPr lang="en-US"/>
+          </a:p>
+        </p:txBody>
+      </p:sp>
+      <p:sp>
+        <p:nvSpPr>
+          <p:cNvPr id="4" name="Slide Number Placeholder 3"/>
+          <p:cNvSpPr>
+            <a:spLocks noGrp="1"/>
+          </p:cNvSpPr>
+          <p:nvPr>
+            <p:ph type="sldNum" sz="quarter" idx="5"/>
+          </p:nvPr>
+        </p:nvSpPr>
+        <p:spPr/>
+        <p:txBody>
+          <a:bodyPr/>
+          <a:lstStyle/>
+          <a:p>
+            <a:fld id="{913AAEB1-1BB9-43BA-8E44-621D6A53A2EE}" type="slidenum">
+              <a:rPr lang="en-US" smtClean="0"/>
+              <a:t>10</a:t>
+            </a:fld>
+            <a:endParaRPr lang="en-US"/>
+          </a:p>
+        </p:txBody>
+      </p:sp>
+    </p:spTree>
+    <p:extLst>
+      <p:ext uri="{BB962C8B-B14F-4D97-AF65-F5344CB8AC3E}">
+        <p14:creationId xmlns:p14="http://schemas.microsoft.com/office/powerpoint/2010/main" val="3732344039"/>
+      </p:ext>
+    </p:extLst>
+  </p:cSld>
+  <p:clrMapOvr>
+    <a:masterClrMapping/>
+  </p:clrMapOvr>
+</p:notes>
+</file>
+
+<file path=ppt/notesSlides/notesSlide7.xml><?xml version="1.0" encoding="utf-8"?>
+<p:notes xmlns:a="http://schemas.openxmlformats.org/drawingml/2006/main" xmlns:r="http://schemas.openxmlformats.org/officeDocument/2006/relationships" xmlns:p="http://schemas.openxmlformats.org/presentationml/2006/main">
+  <p:cSld>
+    <p:spTree>
+      <p:nvGrpSpPr>
+        <p:cNvPr id="1" name=""/>
+        <p:cNvGrpSpPr/>
+        <p:nvPr/>
+      </p:nvGrpSpPr>
+      <p:grpSpPr>
+        <a:xfrm>
+          <a:off x="0" y="0"/>
+          <a:ext cx="0" cy="0"/>
+          <a:chOff x="0" y="0"/>
+          <a:chExt cx="0" cy="0"/>
+        </a:xfrm>
+      </p:grpSpPr>
+      <p:sp>
+        <p:nvSpPr>
+          <p:cNvPr id="2" name="Slide Image Placeholder 1"/>
+          <p:cNvSpPr>
+            <a:spLocks noGrp="1" noRot="1" noChangeAspect="1"/>
+          </p:cNvSpPr>
+          <p:nvPr>
+            <p:ph type="sldImg"/>
+          </p:nvPr>
+        </p:nvSpPr>
+        <p:spPr/>
+      </p:sp>
+      <p:sp>
+        <p:nvSpPr>
+          <p:cNvPr id="3" name="Notes Placeholder 2"/>
+          <p:cNvSpPr>
+            <a:spLocks noGrp="1"/>
+          </p:cNvSpPr>
+          <p:nvPr>
+            <p:ph type="body" idx="1"/>
+          </p:nvPr>
+        </p:nvSpPr>
+        <p:spPr/>
+        <p:txBody>
+          <a:bodyPr/>
+          <a:lstStyle/>
+          <a:p>
+            <a:pPr marL="0" marR="0" lvl="0" indent="0" algn="l" defTabSz="914400" rtl="0" eaLnBrk="1" fontAlgn="auto" latinLnBrk="0" hangingPunct="1">
+              <a:lnSpc>
+                <a:spcPct val="100000"/>
+              </a:lnSpc>
+              <a:spcBef>
+                <a:spcPts val="0"/>
+              </a:spcBef>
+              <a:spcAft>
+                <a:spcPts val="0"/>
+              </a:spcAft>
+              <a:buClrTx/>
+              <a:buSzTx/>
+              <a:buFontTx/>
+              <a:buNone/>
+              <a:tabLst/>
+              <a:defRPr/>
+            </a:pPr>
+            <a:r>
+              <a:rPr lang="en-US">
+                <a:solidFill>
+                  <a:srgbClr val="00B0F0"/>
+                </a:solidFill>
+                <a:hlinkClick r:id="rId3"/>
+              </a:rPr>
+              <a:t>https://developer.mozilla.org/en-US/docs/Web/HTML/Element/link</a:t>
+            </a:r>
+            <a:endParaRPr lang="en-US">
+              <a:solidFill>
+                <a:srgbClr val="00B0F0"/>
+              </a:solidFill>
+            </a:endParaRPr>
+          </a:p>
+          <a:p>
+            <a:endParaRPr lang="en-US"/>
+          </a:p>
+        </p:txBody>
+      </p:sp>
+      <p:sp>
+        <p:nvSpPr>
+          <p:cNvPr id="4" name="Slide Number Placeholder 3"/>
+          <p:cNvSpPr>
+            <a:spLocks noGrp="1"/>
+          </p:cNvSpPr>
+          <p:nvPr>
+            <p:ph type="sldNum" sz="quarter" idx="5"/>
+          </p:nvPr>
+        </p:nvSpPr>
+        <p:spPr/>
+        <p:txBody>
+          <a:bodyPr/>
+          <a:lstStyle/>
+          <a:p>
+            <a:fld id="{913AAEB1-1BB9-43BA-8E44-621D6A53A2EE}" type="slidenum">
+              <a:rPr lang="en-US" smtClean="0"/>
+              <a:t>11</a:t>
+            </a:fld>
+            <a:endParaRPr lang="en-US"/>
+          </a:p>
+        </p:txBody>
+      </p:sp>
+    </p:spTree>
+    <p:extLst>
+      <p:ext uri="{BB962C8B-B14F-4D97-AF65-F5344CB8AC3E}">
+        <p14:creationId xmlns:p14="http://schemas.microsoft.com/office/powerpoint/2010/main" val="3735210607"/>
+      </p:ext>
+    </p:extLst>
+  </p:cSld>
+  <p:clrMapOvr>
+    <a:masterClrMapping/>
+  </p:clrMapOvr>
+</p:notes>
+</file>
+
+<file path=ppt/notesSlides/notesSlide8.xml><?xml version="1.0" encoding="utf-8"?>
+<p:notes xmlns:a="http://schemas.openxmlformats.org/drawingml/2006/main" xmlns:r="http://schemas.openxmlformats.org/officeDocument/2006/relationships" xmlns:p="http://schemas.openxmlformats.org/presentationml/2006/main">
+  <p:cSld>
+    <p:spTree>
+      <p:nvGrpSpPr>
+        <p:cNvPr id="1" name=""/>
+        <p:cNvGrpSpPr/>
+        <p:nvPr/>
+      </p:nvGrpSpPr>
+      <p:grpSpPr>
+        <a:xfrm>
+          <a:off x="0" y="0"/>
+          <a:ext cx="0" cy="0"/>
+          <a:chOff x="0" y="0"/>
+          <a:chExt cx="0" cy="0"/>
+        </a:xfrm>
+      </p:grpSpPr>
+      <p:sp>
+        <p:nvSpPr>
+          <p:cNvPr id="2" name="Slide Image Placeholder 1"/>
+          <p:cNvSpPr>
+            <a:spLocks noGrp="1" noRot="1" noChangeAspect="1"/>
+          </p:cNvSpPr>
+          <p:nvPr>
+            <p:ph type="sldImg"/>
+          </p:nvPr>
+        </p:nvSpPr>
+        <p:spPr/>
+      </p:sp>
+      <p:sp>
+        <p:nvSpPr>
+          <p:cNvPr id="3" name="Notes Placeholder 2"/>
+          <p:cNvSpPr>
+            <a:spLocks noGrp="1"/>
+          </p:cNvSpPr>
+          <p:nvPr>
+            <p:ph type="body" idx="1"/>
+          </p:nvPr>
+        </p:nvSpPr>
+        <p:spPr/>
+        <p:txBody>
+          <a:bodyPr/>
+          <a:lstStyle/>
+          <a:p>
+            <a:pPr marL="0" marR="0" lvl="0" indent="0" algn="l" defTabSz="914400" rtl="0" eaLnBrk="1" fontAlgn="auto" latinLnBrk="0" hangingPunct="1">
+              <a:lnSpc>
+                <a:spcPct val="100000"/>
+              </a:lnSpc>
+              <a:spcBef>
+                <a:spcPts val="0"/>
+              </a:spcBef>
+              <a:spcAft>
+                <a:spcPts val="0"/>
+              </a:spcAft>
+              <a:buClrTx/>
+              <a:buSzTx/>
+              <a:buFontTx/>
+              <a:buNone/>
+              <a:tabLst/>
+              <a:defRPr/>
+            </a:pPr>
+            <a:r>
+              <a:rPr lang="en-US" sz="1200">
+                <a:solidFill>
+                  <a:srgbClr val="00B0F0"/>
+                </a:solidFill>
+                <a:hlinkClick r:id="rId3">
+                  <a:extLst>
+                    <a:ext uri="{A12FA001-AC4F-418D-AE19-62706E023703}">
+                      <ahyp:hlinkClr xmlns:ahyp="http://schemas.microsoft.com/office/drawing/2018/hyperlinkcolor" val="tx"/>
+                    </a:ext>
+                  </a:extLst>
+                </a:hlinkClick>
+              </a:rPr>
+              <a:t>https://developer.mozilla.org/en-US/docs/Web/HTML/Element#Content_sectioning</a:t>
+            </a:r>
+            <a:endParaRPr lang="en-US" sz="1200">
+              <a:solidFill>
+                <a:srgbClr val="00B0F0"/>
+              </a:solidFill>
+            </a:endParaRPr>
+          </a:p>
+          <a:p>
+            <a:endParaRPr lang="en-US"/>
+          </a:p>
+        </p:txBody>
+      </p:sp>
+      <p:sp>
+        <p:nvSpPr>
+          <p:cNvPr id="4" name="Slide Number Placeholder 3"/>
+          <p:cNvSpPr>
+            <a:spLocks noGrp="1"/>
+          </p:cNvSpPr>
+          <p:nvPr>
+            <p:ph type="sldNum" sz="quarter" idx="5"/>
+          </p:nvPr>
+        </p:nvSpPr>
+        <p:spPr/>
+        <p:txBody>
+          <a:bodyPr/>
+          <a:lstStyle/>
+          <a:p>
+            <a:fld id="{913AAEB1-1BB9-43BA-8E44-621D6A53A2EE}" type="slidenum">
+              <a:rPr lang="en-US" smtClean="0"/>
+              <a:t>13</a:t>
+            </a:fld>
+            <a:endParaRPr lang="en-US"/>
+          </a:p>
+        </p:txBody>
+      </p:sp>
+    </p:spTree>
+    <p:extLst>
+      <p:ext uri="{BB962C8B-B14F-4D97-AF65-F5344CB8AC3E}">
+        <p14:creationId xmlns:p14="http://schemas.microsoft.com/office/powerpoint/2010/main" val="3636892330"/>
+      </p:ext>
+    </p:extLst>
+  </p:cSld>
+  <p:clrMapOvr>
+    <a:masterClrMapping/>
+  </p:clrMapOvr>
+</p:notes>
+</file>
+
+<file path=ppt/notesSlides/notesSlide9.xml><?xml version="1.0" encoding="utf-8"?>
+<p:notes xmlns:a="http://schemas.openxmlformats.org/drawingml/2006/main" xmlns:r="http://schemas.openxmlformats.org/officeDocument/2006/relationships" xmlns:p="http://schemas.openxmlformats.org/presentationml/2006/main">
+  <p:cSld>
+    <p:spTree>
+      <p:nvGrpSpPr>
+        <p:cNvPr id="1" name=""/>
+        <p:cNvGrpSpPr/>
+        <p:nvPr/>
+      </p:nvGrpSpPr>
+      <p:grpSpPr>
+        <a:xfrm>
+          <a:off x="0" y="0"/>
+          <a:ext cx="0" cy="0"/>
+          <a:chOff x="0" y="0"/>
+          <a:chExt cx="0" cy="0"/>
+        </a:xfrm>
+      </p:grpSpPr>
+      <p:sp>
+        <p:nvSpPr>
+          <p:cNvPr id="2" name="Slide Image Placeholder 1"/>
+          <p:cNvSpPr>
+            <a:spLocks noGrp="1" noRot="1" noChangeAspect="1"/>
+          </p:cNvSpPr>
+          <p:nvPr>
+            <p:ph type="sldImg"/>
+          </p:nvPr>
+        </p:nvSpPr>
+        <p:spPr/>
+      </p:sp>
+      <p:sp>
+        <p:nvSpPr>
+          <p:cNvPr id="3" name="Notes Placeholder 2"/>
+          <p:cNvSpPr>
+            <a:spLocks noGrp="1"/>
+          </p:cNvSpPr>
+          <p:nvPr>
+            <p:ph type="body" idx="1"/>
+          </p:nvPr>
+        </p:nvSpPr>
+        <p:spPr/>
+        <p:txBody>
+          <a:bodyPr/>
+          <a:lstStyle/>
+          <a:p>
+            <a:pPr marL="0" marR="0" lvl="0" indent="0" algn="l" defTabSz="914400" rtl="0" eaLnBrk="1" fontAlgn="auto" latinLnBrk="0" hangingPunct="1">
+              <a:lnSpc>
+                <a:spcPct val="100000"/>
+              </a:lnSpc>
+              <a:spcBef>
+                <a:spcPts val="0"/>
+              </a:spcBef>
+              <a:spcAft>
+                <a:spcPts val="0"/>
+              </a:spcAft>
+              <a:buClrTx/>
+              <a:buSzTx/>
+              <a:buFontTx/>
+              <a:buNone/>
+              <a:tabLst/>
+              <a:defRPr/>
+            </a:pPr>
+            <a:r>
+              <a:rPr lang="en-US">
+                <a:solidFill>
+                  <a:srgbClr val="00B0F0"/>
+                </a:solidFill>
+                <a:hlinkClick r:id="rId3">
+                  <a:extLst>
+                    <a:ext uri="{A12FA001-AC4F-418D-AE19-62706E023703}">
+                      <ahyp:hlinkClr xmlns:ahyp="http://schemas.microsoft.com/office/drawing/2018/hyperlinkcolor" val="tx"/>
+                    </a:ext>
+                  </a:extLst>
+                </a:hlinkClick>
+              </a:rPr>
+              <a:t>https://developer.mozilla.org/en-US/docs/Web/HTML/Element/div</a:t>
+            </a:r>
+            <a:endParaRPr lang="en-US">
+              <a:solidFill>
+                <a:srgbClr val="00B0F0"/>
+              </a:solidFill>
+            </a:endParaRPr>
+          </a:p>
+          <a:p>
+            <a:endParaRPr lang="en-US"/>
+          </a:p>
+        </p:txBody>
+      </p:sp>
+      <p:sp>
+        <p:nvSpPr>
+          <p:cNvPr id="4" name="Slide Number Placeholder 3"/>
+          <p:cNvSpPr>
+            <a:spLocks noGrp="1"/>
+          </p:cNvSpPr>
+          <p:nvPr>
+            <p:ph type="sldNum" sz="quarter" idx="5"/>
+          </p:nvPr>
+        </p:nvSpPr>
+        <p:spPr/>
+        <p:txBody>
+          <a:bodyPr/>
+          <a:lstStyle/>
+          <a:p>
+            <a:fld id="{913AAEB1-1BB9-43BA-8E44-621D6A53A2EE}" type="slidenum">
+              <a:rPr lang="en-US" smtClean="0"/>
+              <a:t>14</a:t>
+            </a:fld>
+            <a:endParaRPr lang="en-US"/>
+          </a:p>
+        </p:txBody>
+      </p:sp>
+    </p:spTree>
+    <p:extLst>
+      <p:ext uri="{BB962C8B-B14F-4D97-AF65-F5344CB8AC3E}">
+        <p14:creationId xmlns:p14="http://schemas.microsoft.com/office/powerpoint/2010/main" val="2099904848"/>
       </p:ext>
     </p:extLst>
   </p:cSld>
@@ -1225,7 +3051,7 @@
           <a:p>
             <a:fld id="{E9F25E47-8026-47FD-8FD6-2C7B55A6BE4F}" type="datetime1">
               <a:rPr lang="en-US" smtClean="0"/>
-              <a:t>7/28/2020</a:t>
+              <a:t>7/29/2020</a:t>
             </a:fld>
             <a:endParaRPr lang="en-US" dirty="0"/>
           </a:p>
@@ -1427,7 +3253,7 @@
           <a:p>
             <a:fld id="{49F0A7AA-AB30-4D36-B646-A02FA5DCCA55}" type="datetime1">
               <a:rPr lang="en-US" smtClean="0"/>
-              <a:t>7/28/2020</a:t>
+              <a:t>7/29/2020</a:t>
             </a:fld>
             <a:endParaRPr lang="en-US" dirty="0"/>
           </a:p>
@@ -2026,7 +3852,7 @@
           <a:p>
             <a:fld id="{CFA4D178-B71E-4B10-AF0F-C5E0B7294A7C}" type="datetime1">
               <a:rPr lang="en-US" smtClean="0"/>
-              <a:t>7/28/2020</a:t>
+              <a:t>7/29/2020</a:t>
             </a:fld>
             <a:endParaRPr lang="en-US" dirty="0"/>
           </a:p>
@@ -2346,7 +4172,7 @@
           <a:p>
             <a:fld id="{27E6D853-85C2-4120-A6B2-2EAC4467BF8B}" type="datetime1">
               <a:rPr lang="en-US" smtClean="0"/>
-              <a:t>7/28/2020</a:t>
+              <a:t>7/29/2020</a:t>
             </a:fld>
             <a:endParaRPr lang="en-US" dirty="0"/>
           </a:p>
@@ -2783,7 +4609,7 @@
           <a:p>
             <a:fld id="{CA3AECF5-4644-4878-B4B4-3AC946C4B252}" type="datetime1">
               <a:rPr lang="en-US" smtClean="0"/>
-              <a:t>7/28/2020</a:t>
+              <a:t>7/29/2020</a:t>
             </a:fld>
             <a:endParaRPr lang="en-US" dirty="0"/>
           </a:p>
@@ -2901,7 +4727,7 @@
           <a:p>
             <a:fld id="{B8E389F8-4EAE-4B22-8731-40270585493B}" type="datetime1">
               <a:rPr lang="en-US" smtClean="0"/>
-              <a:t>7/28/2020</a:t>
+              <a:t>7/29/2020</a:t>
             </a:fld>
             <a:endParaRPr lang="en-US" dirty="0"/>
           </a:p>
@@ -2996,7 +4822,7 @@
           <a:p>
             <a:fld id="{772F4F3F-699B-4D10-AAB9-00C2579C25F8}" type="datetime1">
               <a:rPr lang="en-US" smtClean="0"/>
-              <a:t>7/28/2020</a:t>
+              <a:t>7/29/2020</a:t>
             </a:fld>
             <a:endParaRPr lang="en-US" dirty="0"/>
           </a:p>
@@ -3413,7 +5239,7 @@
           <a:p>
             <a:fld id="{E51BA90F-EE6C-42F5-8961-2F52EE18037D}" type="datetime1">
               <a:rPr lang="en-US" smtClean="0"/>
-              <a:t>7/28/2020</a:t>
+              <a:t>7/29/2020</a:t>
             </a:fld>
             <a:endParaRPr lang="en-US" dirty="0"/>
           </a:p>
@@ -3674,7 +5500,7 @@
           <a:p>
             <a:fld id="{FB6292F5-AD2B-47F4-B460-BF55BF34C27D}" type="datetime1">
               <a:rPr lang="en-US" smtClean="0"/>
-              <a:t>7/28/2020</a:t>
+              <a:t>7/29/2020</a:t>
             </a:fld>
             <a:endParaRPr lang="en-US" dirty="0"/>
           </a:p>
@@ -4190,7 +6016,7 @@
           <a:p>
             <a:fld id="{8B88B800-945A-43B0-8EA5-8657D67FD7E1}" type="datetime1">
               <a:rPr lang="en-US" smtClean="0"/>
-              <a:t>7/28/2020</a:t>
+              <a:t>7/29/2020</a:t>
             </a:fld>
             <a:endParaRPr lang="en-US" dirty="0"/>
           </a:p>
@@ -4996,7 +6822,7 @@
                 </a:solidFill>
                 <a:latin typeface="Consolas" panose="020B0609020204030204" pitchFamily="49" charset="0"/>
                 <a:cs typeface="Arial" panose="020B0604020202020204" pitchFamily="34" charset="0"/>
-                <a:hlinkClick r:id="rId2">
+                <a:hlinkClick r:id="rId3">
                   <a:extLst>
                     <a:ext uri="{A12FA001-AC4F-418D-AE19-62706E023703}">
                       <ahyp:hlinkClr xmlns:ahyp="http://schemas.microsoft.com/office/drawing/2018/hyperlinkcolor" val="tx"/>
@@ -5210,7 +7036,7 @@
                 <a:solidFill>
                   <a:srgbClr val="00B0F0"/>
                 </a:solidFill>
-                <a:hlinkClick r:id="rId2">
+                <a:hlinkClick r:id="rId3">
                   <a:extLst>
                     <a:ext uri="{A12FA001-AC4F-418D-AE19-62706E023703}">
                       <ahyp:hlinkClr xmlns:ahyp="http://schemas.microsoft.com/office/drawing/2018/hyperlinkcolor" val="tx"/>
@@ -5225,7 +7051,7 @@
                 <a:solidFill>
                   <a:srgbClr val="00B0F0"/>
                 </a:solidFill>
-                <a:hlinkClick r:id="rId2">
+                <a:hlinkClick r:id="rId3">
                   <a:extLst>
                     <a:ext uri="{A12FA001-AC4F-418D-AE19-62706E023703}">
                       <ahyp:hlinkClr xmlns:ahyp="http://schemas.microsoft.com/office/drawing/2018/hyperlinkcolor" val="tx"/>
@@ -5346,7 +7172,7 @@
             <a:r>
               <a:rPr lang="en-US" sz="1800" b="1">
                 <a:latin typeface="Consolas" panose="020B0609020204030204" pitchFamily="49" charset="0"/>
-                <a:hlinkClick r:id="rId2"/>
+                <a:hlinkClick r:id="rId3"/>
               </a:rPr>
               <a:t>&lt;link&gt;</a:t>
             </a:r>
@@ -5516,7 +7342,7 @@
                 <a:solidFill>
                   <a:srgbClr val="00B0F0"/>
                 </a:solidFill>
-                <a:hlinkClick r:id="rId2"/>
+                <a:hlinkClick r:id="rId3"/>
               </a:rPr>
               <a:t>https://developer.mozilla.org/en-US/docs/Web/HTML/Element</a:t>
             </a:r>
@@ -5525,7 +7351,7 @@
                 <a:solidFill>
                   <a:srgbClr val="00B0F0"/>
                 </a:solidFill>
-                <a:hlinkClick r:id="rId2"/>
+                <a:hlinkClick r:id="rId3"/>
               </a:rPr>
               <a:t>/link</a:t>
             </a:r>
@@ -5754,7 +7580,7 @@
               <a:rPr lang="fr-FR" sz="1800" b="1">
                 <a:latin typeface="Consolas" panose="020B0609020204030204" pitchFamily="49" charset="0"/>
                 <a:cs typeface="Arial" panose="020B0604020202020204" pitchFamily="34" charset="0"/>
-                <a:hlinkClick r:id="rId2"/>
+                <a:hlinkClick r:id="rId3"/>
               </a:rPr>
               <a:t>&lt;header&gt;</a:t>
             </a:r>
@@ -5777,7 +7603,7 @@
               <a:rPr lang="fr-FR" sz="1800" b="1">
                 <a:latin typeface="Consolas" panose="020B0609020204030204" pitchFamily="49" charset="0"/>
                 <a:cs typeface="Arial" panose="020B0604020202020204" pitchFamily="34" charset="0"/>
-                <a:hlinkClick r:id="rId3"/>
+                <a:hlinkClick r:id="rId4"/>
               </a:rPr>
               <a:t>&lt;nav&gt;</a:t>
             </a:r>
@@ -5800,7 +7626,7 @@
               <a:rPr lang="fr-FR" sz="1800" b="1">
                 <a:latin typeface="Consolas" panose="020B0609020204030204" pitchFamily="49" charset="0"/>
                 <a:cs typeface="Arial" panose="020B0604020202020204" pitchFamily="34" charset="0"/>
-                <a:hlinkClick r:id="rId4"/>
+                <a:hlinkClick r:id="rId5"/>
               </a:rPr>
               <a:t>&lt;main&gt;</a:t>
             </a:r>
@@ -5823,7 +7649,7 @@
               <a:rPr lang="fr-FR" sz="1800" b="1">
                 <a:latin typeface="Consolas" panose="020B0609020204030204" pitchFamily="49" charset="0"/>
                 <a:cs typeface="Arial" panose="020B0604020202020204" pitchFamily="34" charset="0"/>
-                <a:hlinkClick r:id="rId5"/>
+                <a:hlinkClick r:id="rId6"/>
               </a:rPr>
               <a:t>&lt;section&gt;</a:t>
             </a:r>
@@ -5846,7 +7672,7 @@
               <a:rPr lang="fr-FR" sz="1800" b="1">
                 <a:latin typeface="Consolas" panose="020B0609020204030204" pitchFamily="49" charset="0"/>
                 <a:cs typeface="Arial" panose="020B0604020202020204" pitchFamily="34" charset="0"/>
-                <a:hlinkClick r:id="rId6"/>
+                <a:hlinkClick r:id="rId7"/>
               </a:rPr>
               <a:t>&lt;article&gt;</a:t>
             </a:r>
@@ -5869,7 +7695,7 @@
               <a:rPr lang="fr-FR" sz="1800" b="1">
                 <a:latin typeface="Consolas" panose="020B0609020204030204" pitchFamily="49" charset="0"/>
                 <a:cs typeface="Arial" panose="020B0604020202020204" pitchFamily="34" charset="0"/>
-                <a:hlinkClick r:id="rId7"/>
+                <a:hlinkClick r:id="rId8"/>
               </a:rPr>
               <a:t>&lt;aside&gt;</a:t>
             </a:r>
@@ -5892,7 +7718,7 @@
               <a:rPr lang="fr-FR" sz="1800" b="1">
                 <a:latin typeface="Consolas" panose="020B0609020204030204" pitchFamily="49" charset="0"/>
                 <a:cs typeface="Arial" panose="020B0604020202020204" pitchFamily="34" charset="0"/>
-                <a:hlinkClick r:id="rId8"/>
+                <a:hlinkClick r:id="rId9"/>
               </a:rPr>
               <a:t>&lt;footer&gt;</a:t>
             </a:r>
@@ -5980,7 +7806,7 @@
                 <a:solidFill>
                   <a:srgbClr val="00B0F0"/>
                 </a:solidFill>
-                <a:hlinkClick r:id="rId9">
+                <a:hlinkClick r:id="rId10">
                   <a:extLst>
                     <a:ext uri="{A12FA001-AC4F-418D-AE19-62706E023703}">
                       <ahyp:hlinkClr xmlns:ahyp="http://schemas.microsoft.com/office/drawing/2018/hyperlinkcolor" val="tx"/>
@@ -6013,7 +7839,7 @@
           <p:nvPr>
             <p:extLst>
               <p:ext uri="{D42A27DB-BD31-4B8C-83A1-F6EECF244321}">
-                <p14:modId xmlns:p14="http://schemas.microsoft.com/office/powerpoint/2010/main" val="1414465819"/>
+                <p14:modId xmlns:p14="http://schemas.microsoft.com/office/powerpoint/2010/main" val="4098374469"/>
               </p:ext>
             </p:extLst>
           </p:nvPr>
@@ -6643,7 +8469,7 @@
                 </a:solidFill>
                 <a:latin typeface="Consolas" panose="020B0609020204030204" pitchFamily="49" charset="0"/>
                 <a:cs typeface="Arial" panose="020B0604020202020204" pitchFamily="34" charset="0"/>
-                <a:hlinkClick r:id="rId2">
+                <a:hlinkClick r:id="rId3">
                   <a:extLst>
                     <a:ext uri="{A12FA001-AC4F-418D-AE19-62706E023703}">
                       <ahyp:hlinkClr xmlns:ahyp="http://schemas.microsoft.com/office/drawing/2018/hyperlinkcolor" val="tx"/>
@@ -6660,7 +8486,7 @@
                 </a:solidFill>
                 <a:latin typeface="Consolas" panose="020B0609020204030204" pitchFamily="49" charset="0"/>
                 <a:cs typeface="Arial" panose="020B0604020202020204" pitchFamily="34" charset="0"/>
-                <a:hlinkClick r:id="rId2">
+                <a:hlinkClick r:id="rId3">
                   <a:extLst>
                     <a:ext uri="{A12FA001-AC4F-418D-AE19-62706E023703}">
                       <ahyp:hlinkClr xmlns:ahyp="http://schemas.microsoft.com/office/drawing/2018/hyperlinkcolor" val="tx"/>
@@ -6677,7 +8503,7 @@
                 </a:solidFill>
                 <a:latin typeface="Consolas" panose="020B0609020204030204" pitchFamily="49" charset="0"/>
                 <a:cs typeface="Arial" panose="020B0604020202020204" pitchFamily="34" charset="0"/>
-                <a:hlinkClick r:id="rId2">
+                <a:hlinkClick r:id="rId3">
                   <a:extLst>
                     <a:ext uri="{A12FA001-AC4F-418D-AE19-62706E023703}">
                       <ahyp:hlinkClr xmlns:ahyp="http://schemas.microsoft.com/office/drawing/2018/hyperlinkcolor" val="tx"/>
@@ -6763,7 +8589,7 @@
                 <a:solidFill>
                   <a:srgbClr val="00B0F0"/>
                 </a:solidFill>
-                <a:hlinkClick r:id="rId2">
+                <a:hlinkClick r:id="rId3">
                   <a:extLst>
                     <a:ext uri="{A12FA001-AC4F-418D-AE19-62706E023703}">
                       <ahyp:hlinkClr xmlns:ahyp="http://schemas.microsoft.com/office/drawing/2018/hyperlinkcolor" val="tx"/>
@@ -6778,7 +8604,7 @@
                 <a:solidFill>
                   <a:srgbClr val="00B0F0"/>
                 </a:solidFill>
-                <a:hlinkClick r:id="rId2">
+                <a:hlinkClick r:id="rId3">
                   <a:extLst>
                     <a:ext uri="{A12FA001-AC4F-418D-AE19-62706E023703}">
                       <ahyp:hlinkClr xmlns:ahyp="http://schemas.microsoft.com/office/drawing/2018/hyperlinkcolor" val="tx"/>
@@ -6912,7 +8738,7 @@
                 </a:solidFill>
                 <a:latin typeface="Consolas" panose="020B0609020204030204" pitchFamily="49" charset="0"/>
                 <a:cs typeface="Arial" panose="020B0604020202020204" pitchFamily="34" charset="0"/>
-                <a:hlinkClick r:id="rId2">
+                <a:hlinkClick r:id="rId3">
                   <a:extLst>
                     <a:ext uri="{A12FA001-AC4F-418D-AE19-62706E023703}">
                       <ahyp:hlinkClr xmlns:ahyp="http://schemas.microsoft.com/office/drawing/2018/hyperlinkcolor" val="tx"/>
@@ -7007,7 +8833,7 @@
                 <a:solidFill>
                   <a:srgbClr val="00B0F0"/>
                 </a:solidFill>
-                <a:hlinkClick r:id="rId2">
+                <a:hlinkClick r:id="rId3">
                   <a:extLst>
                     <a:ext uri="{A12FA001-AC4F-418D-AE19-62706E023703}">
                       <ahyp:hlinkClr xmlns:ahyp="http://schemas.microsoft.com/office/drawing/2018/hyperlinkcolor" val="tx"/>
@@ -7022,7 +8848,7 @@
                 <a:solidFill>
                   <a:srgbClr val="00B0F0"/>
                 </a:solidFill>
-                <a:hlinkClick r:id="rId2">
+                <a:hlinkClick r:id="rId3">
                   <a:extLst>
                     <a:ext uri="{A12FA001-AC4F-418D-AE19-62706E023703}">
                       <ahyp:hlinkClr xmlns:ahyp="http://schemas.microsoft.com/office/drawing/2018/hyperlinkcolor" val="tx"/>
@@ -7131,10 +8957,17 @@
               <a:t>By default, a </a:t>
             </a:r>
             <a:r>
+              <a:rPr lang="en-US" sz="2400" b="1" dirty="0">
+                <a:cs typeface="Arial" panose="020B0604020202020204" pitchFamily="34" charset="0"/>
+                <a:hlinkClick r:id="rId3"/>
+              </a:rPr>
+              <a:t>block-level element</a:t>
+            </a:r>
+            <a:r>
               <a:rPr lang="en-US" sz="2400" dirty="0">
                 <a:cs typeface="Arial" panose="020B0604020202020204" pitchFamily="34" charset="0"/>
               </a:rPr>
-              <a:t>block-level element occupies the </a:t>
+              <a:t> occupies the </a:t>
             </a:r>
             <a:r>
               <a:rPr lang="en-US" sz="2400">
@@ -7243,6 +9076,49 @@
               <a:t>16</a:t>
             </a:fld>
             <a:endParaRPr lang="en-US" dirty="0"/>
+          </a:p>
+        </p:txBody>
+      </p:sp>
+      <p:sp>
+        <p:nvSpPr>
+          <p:cNvPr id="6" name="Rectangle 5">
+            <a:extLst>
+              <a:ext uri="{FF2B5EF4-FFF2-40B4-BE49-F238E27FC236}">
+                <a16:creationId xmlns:a16="http://schemas.microsoft.com/office/drawing/2014/main" id="{9B0CA9D6-D2B3-4227-894C-B365F259EA79}"/>
+              </a:ext>
+            </a:extLst>
+          </p:cNvPr>
+          <p:cNvSpPr/>
+          <p:nvPr/>
+        </p:nvSpPr>
+        <p:spPr>
+          <a:xfrm>
+            <a:off x="1066799" y="5753741"/>
+            <a:ext cx="10058399" cy="646331"/>
+          </a:xfrm>
+          <a:prstGeom prst="rect">
+            <a:avLst/>
+          </a:prstGeom>
+        </p:spPr>
+        <p:txBody>
+          <a:bodyPr wrap="square">
+            <a:spAutoFit/>
+          </a:bodyPr>
+          <a:lstStyle/>
+          <a:p>
+            <a:r>
+              <a:rPr lang="en-US" b="1" dirty="0"/>
+              <a:t>Source</a:t>
+            </a:r>
+          </a:p>
+          <a:p>
+            <a:r>
+              <a:rPr lang="en-US">
+                <a:hlinkClick r:id="rId3"/>
+              </a:rPr>
+              <a:t>https://developer.mozilla.org/en-US/docs/Web/HTML/Block-level_elements</a:t>
+            </a:r>
+            <a:endParaRPr lang="en-US"/>
           </a:p>
         </p:txBody>
       </p:sp>
@@ -7331,10 +9207,17 @@
           <a:p>
             <a:pPr marL="468630" indent="-285750"/>
             <a:r>
+              <a:rPr lang="en-US" sz="2400" b="1" dirty="0">
+                <a:cs typeface="Arial" panose="020B0604020202020204" pitchFamily="34" charset="0"/>
+                <a:hlinkClick r:id="rId3"/>
+              </a:rPr>
+              <a:t>Inline elements</a:t>
+            </a:r>
+            <a:r>
               <a:rPr lang="en-US" sz="2400" dirty="0">
                 <a:cs typeface="Arial" panose="020B0604020202020204" pitchFamily="34" charset="0"/>
               </a:rPr>
-              <a:t>Inline elements are those which only occupy the space bounded by the tags defining the element, instead of breaking the flow of the content</a:t>
+              <a:t> are those which only occupy the space bounded by the tags defining the element, instead of breaking the flow of the content</a:t>
             </a:r>
             <a:r>
               <a:rPr lang="en-US" sz="2400">
@@ -7439,6 +9322,49 @@
               <a:t>17</a:t>
             </a:fld>
             <a:endParaRPr lang="en-US" dirty="0"/>
+          </a:p>
+        </p:txBody>
+      </p:sp>
+      <p:sp>
+        <p:nvSpPr>
+          <p:cNvPr id="5" name="Rectangle 4">
+            <a:extLst>
+              <a:ext uri="{FF2B5EF4-FFF2-40B4-BE49-F238E27FC236}">
+                <a16:creationId xmlns:a16="http://schemas.microsoft.com/office/drawing/2014/main" id="{C74CA859-7B65-460E-8A50-0BD94A6016EE}"/>
+              </a:ext>
+            </a:extLst>
+          </p:cNvPr>
+          <p:cNvSpPr/>
+          <p:nvPr/>
+        </p:nvSpPr>
+        <p:spPr>
+          <a:xfrm>
+            <a:off x="1066799" y="5753741"/>
+            <a:ext cx="10058399" cy="646331"/>
+          </a:xfrm>
+          <a:prstGeom prst="rect">
+            <a:avLst/>
+          </a:prstGeom>
+        </p:spPr>
+        <p:txBody>
+          <a:bodyPr wrap="square">
+            <a:spAutoFit/>
+          </a:bodyPr>
+          <a:lstStyle/>
+          <a:p>
+            <a:r>
+              <a:rPr lang="en-US" b="1"/>
+              <a:t>Source</a:t>
+            </a:r>
+          </a:p>
+          <a:p>
+            <a:r>
+              <a:rPr lang="en-US">
+                <a:hlinkClick r:id="rId3"/>
+              </a:rPr>
+              <a:t>https://developer.mozilla.org/en-US/docs/Web/HTML/Inline_elements</a:t>
+            </a:r>
+            <a:endParaRPr lang="en-US"/>
           </a:p>
         </p:txBody>
       </p:sp>
@@ -7558,7 +9484,7 @@
                 </a:solidFill>
                 <a:latin typeface="Consolas" panose="020B0609020204030204" pitchFamily="49" charset="0"/>
                 <a:cs typeface="Arial" panose="020B0604020202020204" pitchFamily="34" charset="0"/>
-                <a:hlinkClick r:id="rId2">
+                <a:hlinkClick r:id="rId3">
                   <a:extLst>
                     <a:ext uri="{A12FA001-AC4F-418D-AE19-62706E023703}">
                       <ahyp:hlinkClr xmlns:ahyp="http://schemas.microsoft.com/office/drawing/2018/hyperlinkcolor" val="tx"/>
@@ -7711,7 +9637,7 @@
                 <a:solidFill>
                   <a:srgbClr val="00B0F0"/>
                 </a:solidFill>
-                <a:hlinkClick r:id="rId2">
+                <a:hlinkClick r:id="rId3">
                   <a:extLst>
                     <a:ext uri="{A12FA001-AC4F-418D-AE19-62706E023703}">
                       <ahyp:hlinkClr xmlns:ahyp="http://schemas.microsoft.com/office/drawing/2018/hyperlinkcolor" val="tx"/>
@@ -7837,7 +9763,7 @@
               <a:rPr lang="en-US" sz="2000" b="1">
                 <a:latin typeface="Consolas" panose="020B0609020204030204" pitchFamily="49" charset="0"/>
                 <a:cs typeface="Arial" panose="020B0604020202020204" pitchFamily="34" charset="0"/>
-                <a:hlinkClick r:id="rId2"/>
+                <a:hlinkClick r:id="rId3"/>
               </a:rPr>
               <a:t>&lt;p&gt;</a:t>
             </a:r>
@@ -8093,7 +10019,7 @@
                 <a:solidFill>
                   <a:srgbClr val="00B0F0"/>
                 </a:solidFill>
-                <a:hlinkClick r:id="rId3">
+                <a:hlinkClick r:id="rId4">
                   <a:extLst>
                     <a:ext uri="{A12FA001-AC4F-418D-AE19-62706E023703}">
                       <ahyp:hlinkClr xmlns:ahyp="http://schemas.microsoft.com/office/drawing/2018/hyperlinkcolor" val="tx"/>
@@ -8389,7 +10315,7 @@
               <a:rPr lang="en-US" sz="1800" b="1" dirty="0">
                 <a:latin typeface="Consolas" panose="020B0609020204030204" pitchFamily="49" charset="0"/>
                 <a:cs typeface="Arial" panose="020B0604020202020204" pitchFamily="34" charset="0"/>
-                <a:hlinkClick r:id="rId2"/>
+                <a:hlinkClick r:id="rId3"/>
               </a:rPr>
               <a:t>&lt;ol&gt;</a:t>
             </a:r>
@@ -8576,7 +10502,7 @@
                 <a:solidFill>
                   <a:srgbClr val="00B0F0"/>
                 </a:solidFill>
-                <a:hlinkClick r:id="rId2">
+                <a:hlinkClick r:id="rId3">
                   <a:extLst>
                     <a:ext uri="{A12FA001-AC4F-418D-AE19-62706E023703}">
                       <ahyp:hlinkClr xmlns:ahyp="http://schemas.microsoft.com/office/drawing/2018/hyperlinkcolor" val="tx"/>
@@ -8591,7 +10517,7 @@
                 <a:solidFill>
                   <a:srgbClr val="00B0F0"/>
                 </a:solidFill>
-                <a:hlinkClick r:id="rId2">
+                <a:hlinkClick r:id="rId3">
                   <a:extLst>
                     <a:ext uri="{A12FA001-AC4F-418D-AE19-62706E023703}">
                       <ahyp:hlinkClr xmlns:ahyp="http://schemas.microsoft.com/office/drawing/2018/hyperlinkcolor" val="tx"/>
@@ -8706,7 +10632,7 @@
               <a:rPr lang="en-US" sz="1800" b="1" dirty="0">
                 <a:latin typeface="Consolas" panose="020B0609020204030204" pitchFamily="49" charset="0"/>
                 <a:cs typeface="Arial" panose="020B0604020202020204" pitchFamily="34" charset="0"/>
-                <a:hlinkClick r:id="rId2"/>
+                <a:hlinkClick r:id="rId3"/>
               </a:rPr>
               <a:t>&lt;ul&gt;</a:t>
             </a:r>
@@ -8861,7 +10787,7 @@
                 <a:solidFill>
                   <a:srgbClr val="00B0F0"/>
                 </a:solidFill>
-                <a:hlinkClick r:id="rId2">
+                <a:hlinkClick r:id="rId3">
                   <a:extLst>
                     <a:ext uri="{A12FA001-AC4F-418D-AE19-62706E023703}">
                       <ahyp:hlinkClr xmlns:ahyp="http://schemas.microsoft.com/office/drawing/2018/hyperlinkcolor" val="tx"/>
@@ -8876,7 +10802,7 @@
                 <a:solidFill>
                   <a:srgbClr val="00B0F0"/>
                 </a:solidFill>
-                <a:hlinkClick r:id="rId2">
+                <a:hlinkClick r:id="rId3">
                   <a:extLst>
                     <a:ext uri="{A12FA001-AC4F-418D-AE19-62706E023703}">
                       <ahyp:hlinkClr xmlns:ahyp="http://schemas.microsoft.com/office/drawing/2018/hyperlinkcolor" val="tx"/>
@@ -9134,7 +11060,7 @@
               <a:rPr lang="en-US" sz="1800" b="1" dirty="0">
                 <a:latin typeface="Consolas" panose="020B0609020204030204" pitchFamily="49" charset="0"/>
                 <a:cs typeface="Arial" panose="020B0604020202020204" pitchFamily="34" charset="0"/>
-                <a:hlinkClick r:id="rId2"/>
+                <a:hlinkClick r:id="rId3"/>
               </a:rPr>
               <a:t>&lt;form&gt;</a:t>
             </a:r>
@@ -9317,7 +11243,7 @@
                 <a:solidFill>
                   <a:srgbClr val="00B0F0"/>
                 </a:solidFill>
-                <a:hlinkClick r:id="rId2">
+                <a:hlinkClick r:id="rId3">
                   <a:extLst>
                     <a:ext uri="{A12FA001-AC4F-418D-AE19-62706E023703}">
                       <ahyp:hlinkClr xmlns:ahyp="http://schemas.microsoft.com/office/drawing/2018/hyperlinkcolor" val="tx"/>
@@ -9332,7 +11258,7 @@
                 <a:solidFill>
                   <a:srgbClr val="00B0F0"/>
                 </a:solidFill>
-                <a:hlinkClick r:id="rId2">
+                <a:hlinkClick r:id="rId3">
                   <a:extLst>
                     <a:ext uri="{A12FA001-AC4F-418D-AE19-62706E023703}">
                       <ahyp:hlinkClr xmlns:ahyp="http://schemas.microsoft.com/office/drawing/2018/hyperlinkcolor" val="tx"/>
@@ -10824,7 +12750,7 @@
                 <a:solidFill>
                   <a:srgbClr val="00B0F0"/>
                 </a:solidFill>
-                <a:hlinkClick r:id="rId2">
+                <a:hlinkClick r:id="rId3">
                   <a:extLst>
                     <a:ext uri="{A12FA001-AC4F-418D-AE19-62706E023703}">
                       <ahyp:hlinkClr xmlns:ahyp="http://schemas.microsoft.com/office/drawing/2018/hyperlinkcolor" val="tx"/>
@@ -11383,7 +13309,7 @@
                 </a:solidFill>
                 <a:latin typeface="Consolas" panose="020B0609020204030204" pitchFamily="49" charset="0"/>
                 <a:cs typeface="Arial" panose="020B0604020202020204" pitchFamily="34" charset="0"/>
-                <a:hlinkClick r:id="rId2">
+                <a:hlinkClick r:id="rId3">
                   <a:extLst>
                     <a:ext uri="{A12FA001-AC4F-418D-AE19-62706E023703}">
                       <ahyp:hlinkClr xmlns:ahyp="http://schemas.microsoft.com/office/drawing/2018/hyperlinkcolor" val="tx"/>
@@ -11516,7 +13442,7 @@
                 <a:solidFill>
                   <a:srgbClr val="00B0F0"/>
                 </a:solidFill>
-                <a:hlinkClick r:id="rId2">
+                <a:hlinkClick r:id="rId3">
                   <a:extLst>
                     <a:ext uri="{A12FA001-AC4F-418D-AE19-62706E023703}">
                       <ahyp:hlinkClr xmlns:ahyp="http://schemas.microsoft.com/office/drawing/2018/hyperlinkcolor" val="tx"/>
@@ -11531,7 +13457,7 @@
                 <a:solidFill>
                   <a:srgbClr val="00B0F0"/>
                 </a:solidFill>
-                <a:hlinkClick r:id="rId2">
+                <a:hlinkClick r:id="rId3">
                   <a:extLst>
                     <a:ext uri="{A12FA001-AC4F-418D-AE19-62706E023703}">
                       <ahyp:hlinkClr xmlns:ahyp="http://schemas.microsoft.com/office/drawing/2018/hyperlinkcolor" val="tx"/>
@@ -11664,7 +13590,7 @@
                   <a:srgbClr val="00B0F0"/>
                 </a:solidFill>
                 <a:latin typeface="Consolas" panose="020B0609020204030204" pitchFamily="49" charset="0"/>
-                <a:hlinkClick r:id="rId2">
+                <a:hlinkClick r:id="rId3">
                   <a:extLst>
                     <a:ext uri="{A12FA001-AC4F-418D-AE19-62706E023703}">
                       <ahyp:hlinkClr xmlns:ahyp="http://schemas.microsoft.com/office/drawing/2018/hyperlinkcolor" val="tx"/>
@@ -11776,28 +13702,6 @@
           <a:p>
             <a:r>
               <a:rPr lang="en-US">
-                <a:solidFill>
-                  <a:srgbClr val="00B0F0"/>
-                </a:solidFill>
-                <a:hlinkClick r:id="rId2">
-                  <a:extLst>
-                    <a:ext uri="{A12FA001-AC4F-418D-AE19-62706E023703}">
-                      <ahyp:hlinkClr xmlns:ahyp="http://schemas.microsoft.com/office/drawing/2018/hyperlinkcolor" val="tx"/>
-                    </a:ext>
-                  </a:extLst>
-                </a:hlinkClick>
-              </a:rPr>
-              <a:t>https://developer.mozilla.org/en-US/docs/Web/HTML/Element/html</a:t>
-            </a:r>
-            <a:endParaRPr lang="en-US" b="1" dirty="0">
-              <a:solidFill>
-                <a:srgbClr val="00B0F0"/>
-              </a:solidFill>
-            </a:endParaRPr>
-          </a:p>
-          <a:p>
-            <a:r>
-              <a:rPr lang="en-US" dirty="0">
                 <a:solidFill>
                   <a:srgbClr val="00B0F0"/>
                 </a:solidFill>
@@ -11809,6 +13713,28 @@
                   </a:extLst>
                 </a:hlinkClick>
               </a:rPr>
+              <a:t>https://developer.mozilla.org/en-US/docs/Web/HTML/Element/html</a:t>
+            </a:r>
+            <a:endParaRPr lang="en-US" b="1" dirty="0">
+              <a:solidFill>
+                <a:srgbClr val="00B0F0"/>
+              </a:solidFill>
+            </a:endParaRPr>
+          </a:p>
+          <a:p>
+            <a:r>
+              <a:rPr lang="en-US" dirty="0">
+                <a:solidFill>
+                  <a:srgbClr val="00B0F0"/>
+                </a:solidFill>
+                <a:hlinkClick r:id="rId4">
+                  <a:extLst>
+                    <a:ext uri="{A12FA001-AC4F-418D-AE19-62706E023703}">
+                      <ahyp:hlinkClr xmlns:ahyp="http://schemas.microsoft.com/office/drawing/2018/hyperlinkcolor" val="tx"/>
+                    </a:ext>
+                  </a:extLst>
+                </a:hlinkClick>
+              </a:rPr>
               <a:t>https://www.w3schools.com/Tags/tag_html</a:t>
             </a:r>
             <a:r>
@@ -11816,7 +13742,7 @@
                 <a:solidFill>
                   <a:srgbClr val="00B0F0"/>
                 </a:solidFill>
-                <a:hlinkClick r:id="rId3">
+                <a:hlinkClick r:id="rId4">
                   <a:extLst>
                     <a:ext uri="{A12FA001-AC4F-418D-AE19-62706E023703}">
                       <ahyp:hlinkClr xmlns:ahyp="http://schemas.microsoft.com/office/drawing/2018/hyperlinkcolor" val="tx"/>
@@ -11946,7 +13872,7 @@
                   <a:srgbClr val="00B0F0"/>
                 </a:solidFill>
                 <a:latin typeface="Consolas" panose="020B0609020204030204" pitchFamily="49" charset="0"/>
-                <a:hlinkClick r:id="rId2">
+                <a:hlinkClick r:id="rId3">
                   <a:extLst>
                     <a:ext uri="{A12FA001-AC4F-418D-AE19-62706E023703}">
                       <ahyp:hlinkClr xmlns:ahyp="http://schemas.microsoft.com/office/drawing/2018/hyperlinkcolor" val="tx"/>
@@ -12019,7 +13945,7 @@
                 <a:solidFill>
                   <a:srgbClr val="00B0F0"/>
                 </a:solidFill>
-                <a:hlinkClick r:id="rId2"/>
+                <a:hlinkClick r:id="rId3"/>
               </a:rPr>
               <a:t>https://developer.mozilla.org/en-US/docs/Web/HTML/Element</a:t>
             </a:r>
@@ -12028,7 +13954,7 @@
                 <a:solidFill>
                   <a:srgbClr val="00B0F0"/>
                 </a:solidFill>
-                <a:hlinkClick r:id="rId2"/>
+                <a:hlinkClick r:id="rId3"/>
               </a:rPr>
               <a:t>/head</a:t>
             </a:r>
@@ -12145,7 +14071,7 @@
             <a:r>
               <a:rPr lang="en-US" sz="1900" b="1">
                 <a:cs typeface="Arial" panose="020B0604020202020204" pitchFamily="34" charset="0"/>
-                <a:hlinkClick r:id="rId2"/>
+                <a:hlinkClick r:id="rId3"/>
               </a:rPr>
               <a:t>&lt;meta&gt;</a:t>
             </a:r>
@@ -12367,7 +14293,7 @@
           <a:p>
             <a:r>
               <a:rPr lang="en-US">
-                <a:hlinkClick r:id="rId2"/>
+                <a:hlinkClick r:id="rId3"/>
               </a:rPr>
               <a:t>https://developer.mozilla.org/en-US/docs/Web/HTML/Element/meta</a:t>
             </a:r>
@@ -12930,15 +14856,6 @@
 </file>
 
 <file path=customXml/item1.xml><?xml version="1.0" encoding="utf-8"?>
-<?mso-contentType ?>
-<FormTemplates xmlns="http://schemas.microsoft.com/sharepoint/v3/contenttype/forms">
-  <Display>DocumentLibraryForm</Display>
-  <Edit>DocumentLibraryForm</Edit>
-  <New>DocumentLibraryForm</New>
-</FormTemplates>
-</file>
-
-<file path=customXml/item2.xml><?xml version="1.0" encoding="utf-8"?>
 <ct:contentTypeSchema xmlns:ct="http://schemas.microsoft.com/office/2006/metadata/contentType" xmlns:ma="http://schemas.microsoft.com/office/2006/metadata/properties/metaAttributes" ct:_="" ma:_="" ma:contentTypeName="Document" ma:contentTypeID="0x01010079F111ED35F8CC479449609E8A0923A6" ma:contentTypeVersion="12" ma:contentTypeDescription="Create a new document." ma:contentTypeScope="" ma:versionID="a410dd7f93c95333ffa1b60ed6adedd1">
   <xsd:schema xmlns:xsd="http://www.w3.org/2001/XMLSchema" xmlns:xs="http://www.w3.org/2001/XMLSchema" xmlns:p="http://schemas.microsoft.com/office/2006/metadata/properties" xmlns:ns2="71af3243-3dd4-4a8d-8c0d-dd76da1f02a5" xmlns:ns3="16c05727-aa75-4e4a-9b5f-8a80a1165891" targetNamespace="http://schemas.microsoft.com/office/2006/metadata/properties" ma:root="true" ma:fieldsID="a936d9baba76aa3866493feff160faab" ns2:_="" ns3:_="">
     <xsd:import namespace="71af3243-3dd4-4a8d-8c0d-dd76da1f02a5"/>
@@ -13159,6 +15076,15 @@
 </ct:contentTypeSchema>
 </file>
 
+<file path=customXml/item2.xml><?xml version="1.0" encoding="utf-8"?>
+<?mso-contentType ?>
+<FormTemplates xmlns="http://schemas.microsoft.com/sharepoint/v3/contenttype/forms">
+  <Display>DocumentLibraryForm</Display>
+  <Edit>DocumentLibraryForm</Edit>
+  <New>DocumentLibraryForm</New>
+</FormTemplates>
+</file>
+
 <file path=customXml/item3.xml><?xml version="1.0" encoding="utf-8"?>
 <p:properties xmlns:p="http://schemas.microsoft.com/office/2006/metadata/properties" xmlns:xsi="http://www.w3.org/2001/XMLSchema-instance" xmlns:pc="http://schemas.microsoft.com/office/infopath/2007/PartnerControls">
   <documentManagement>
@@ -13169,14 +15095,6 @@
 </file>
 
 <file path=customXml/itemProps1.xml><?xml version="1.0" encoding="utf-8"?>
-<ds:datastoreItem xmlns:ds="http://schemas.openxmlformats.org/officeDocument/2006/customXml" ds:itemID="{CDB58277-F8DF-46FF-84EC-EF41B835E69F}">
-  <ds:schemaRefs>
-    <ds:schemaRef ds:uri="http://schemas.microsoft.com/sharepoint/v3/contenttype/forms"/>
-  </ds:schemaRefs>
-</ds:datastoreItem>
-</file>
-
-<file path=customXml/itemProps2.xml><?xml version="1.0" encoding="utf-8"?>
 <ds:datastoreItem xmlns:ds="http://schemas.openxmlformats.org/officeDocument/2006/customXml" ds:itemID="{2D276E62-80A3-44DD-9BCC-97ED2B99B57F}">
   <ds:schemaRefs>
     <ds:schemaRef ds:uri="http://schemas.microsoft.com/office/2006/metadata/contentType"/>
@@ -13191,6 +15109,14 @@
     <ds:schemaRef ds:uri="http://purl.org/dc/elements/1.1/"/>
     <ds:schemaRef ds:uri="http://purl.org/dc/terms/"/>
     <ds:schemaRef ds:uri="http://schemas.microsoft.com/internal/obd"/>
+  </ds:schemaRefs>
+</ds:datastoreItem>
+</file>
+
+<file path=customXml/itemProps2.xml><?xml version="1.0" encoding="utf-8"?>
+<ds:datastoreItem xmlns:ds="http://schemas.openxmlformats.org/officeDocument/2006/customXml" ds:itemID="{CDB58277-F8DF-46FF-84EC-EF41B835E69F}">
+  <ds:schemaRefs>
+    <ds:schemaRef ds:uri="http://schemas.microsoft.com/sharepoint/v3/contenttype/forms"/>
   </ds:schemaRefs>
 </ds:datastoreItem>
 </file>

--- a/unit_00/html_review/01 HTML.pptx
+++ b/unit_00/html_review/01 HTML.pptx
@@ -225,7 +225,7 @@
           <a:p>
             <a:fld id="{3F839238-B565-4611-A910-43B731DECEC1}" type="datetimeFigureOut">
               <a:rPr lang="en-US" smtClean="0"/>
-              <a:t>7/29/2020</a:t>
+              <a:t>7/31/2020</a:t>
             </a:fld>
             <a:endParaRPr lang="en-US"/>
           </a:p>
@@ -3051,7 +3051,7 @@
           <a:p>
             <a:fld id="{E9F25E47-8026-47FD-8FD6-2C7B55A6BE4F}" type="datetime1">
               <a:rPr lang="en-US" smtClean="0"/>
-              <a:t>7/29/2020</a:t>
+              <a:t>7/31/2020</a:t>
             </a:fld>
             <a:endParaRPr lang="en-US" dirty="0"/>
           </a:p>
@@ -3253,7 +3253,7 @@
           <a:p>
             <a:fld id="{49F0A7AA-AB30-4D36-B646-A02FA5DCCA55}" type="datetime1">
               <a:rPr lang="en-US" smtClean="0"/>
-              <a:t>7/29/2020</a:t>
+              <a:t>7/31/2020</a:t>
             </a:fld>
             <a:endParaRPr lang="en-US" dirty="0"/>
           </a:p>
@@ -3852,7 +3852,7 @@
           <a:p>
             <a:fld id="{CFA4D178-B71E-4B10-AF0F-C5E0B7294A7C}" type="datetime1">
               <a:rPr lang="en-US" smtClean="0"/>
-              <a:t>7/29/2020</a:t>
+              <a:t>7/31/2020</a:t>
             </a:fld>
             <a:endParaRPr lang="en-US" dirty="0"/>
           </a:p>
@@ -4172,7 +4172,7 @@
           <a:p>
             <a:fld id="{27E6D853-85C2-4120-A6B2-2EAC4467BF8B}" type="datetime1">
               <a:rPr lang="en-US" smtClean="0"/>
-              <a:t>7/29/2020</a:t>
+              <a:t>7/31/2020</a:t>
             </a:fld>
             <a:endParaRPr lang="en-US" dirty="0"/>
           </a:p>
@@ -4609,7 +4609,7 @@
           <a:p>
             <a:fld id="{CA3AECF5-4644-4878-B4B4-3AC946C4B252}" type="datetime1">
               <a:rPr lang="en-US" smtClean="0"/>
-              <a:t>7/29/2020</a:t>
+              <a:t>7/31/2020</a:t>
             </a:fld>
             <a:endParaRPr lang="en-US" dirty="0"/>
           </a:p>
@@ -4727,7 +4727,7 @@
           <a:p>
             <a:fld id="{B8E389F8-4EAE-4B22-8731-40270585493B}" type="datetime1">
               <a:rPr lang="en-US" smtClean="0"/>
-              <a:t>7/29/2020</a:t>
+              <a:t>7/31/2020</a:t>
             </a:fld>
             <a:endParaRPr lang="en-US" dirty="0"/>
           </a:p>
@@ -4822,7 +4822,7 @@
           <a:p>
             <a:fld id="{772F4F3F-699B-4D10-AAB9-00C2579C25F8}" type="datetime1">
               <a:rPr lang="en-US" smtClean="0"/>
-              <a:t>7/29/2020</a:t>
+              <a:t>7/31/2020</a:t>
             </a:fld>
             <a:endParaRPr lang="en-US" dirty="0"/>
           </a:p>
@@ -5239,7 +5239,7 @@
           <a:p>
             <a:fld id="{E51BA90F-EE6C-42F5-8961-2F52EE18037D}" type="datetime1">
               <a:rPr lang="en-US" smtClean="0"/>
-              <a:t>7/29/2020</a:t>
+              <a:t>7/31/2020</a:t>
             </a:fld>
             <a:endParaRPr lang="en-US" dirty="0"/>
           </a:p>
@@ -5500,7 +5500,7 @@
           <a:p>
             <a:fld id="{FB6292F5-AD2B-47F4-B460-BF55BF34C27D}" type="datetime1">
               <a:rPr lang="en-US" smtClean="0"/>
-              <a:t>7/29/2020</a:t>
+              <a:t>7/31/2020</a:t>
             </a:fld>
             <a:endParaRPr lang="en-US" dirty="0"/>
           </a:p>
@@ -6016,7 +6016,7 @@
           <a:p>
             <a:fld id="{8B88B800-945A-43B0-8EA5-8657D67FD7E1}" type="datetime1">
               <a:rPr lang="en-US" smtClean="0"/>
-              <a:t>7/29/2020</a:t>
+              <a:t>7/31/2020</a:t>
             </a:fld>
             <a:endParaRPr lang="en-US" dirty="0"/>
           </a:p>
@@ -12491,16 +12491,69 @@
           <a:p>
             <a:r>
               <a:rPr lang="en-US" sz="1800">
-                <a:hlinkClick r:id="rId3"/>
-              </a:rPr>
-              <a:t>https://developer.mozilla.org/en-US/docs/Glossary/HTML</a:t>
+                <a:solidFill>
+                  <a:srgbClr val="00B0F0"/>
+                </a:solidFill>
+                <a:hlinkClick r:id="rId3">
+                  <a:extLst>
+                    <a:ext uri="{A12FA001-AC4F-418D-AE19-62706E023703}">
+                      <ahyp:hlinkClr xmlns:ahyp="http://schemas.microsoft.com/office/drawing/2018/hyperlinkcolor" val="tx"/>
+                    </a:ext>
+                  </a:extLst>
+                </a:hlinkClick>
+              </a:rPr>
+              <a:t>MDN Glossary: HTML</a:t>
             </a:r>
             <a:endParaRPr lang="en-US" sz="1800">
               <a:solidFill>
                 <a:srgbClr val="00B0F0"/>
               </a:solidFill>
-              <a:cs typeface="Arial" panose="020B0604020202020204" pitchFamily="34" charset="0"/>
-              <a:hlinkClick r:id="rId4">
+            </a:endParaRPr>
+          </a:p>
+          <a:p>
+            <a:r>
+              <a:rPr lang="en-US" sz="1800">
+                <a:solidFill>
+                  <a:srgbClr val="00B0F0"/>
+                </a:solidFill>
+                <a:cs typeface="Arial" panose="020B0604020202020204" pitchFamily="34" charset="0"/>
+                <a:hlinkClick r:id="rId4">
+                  <a:extLst>
+                    <a:ext uri="{A12FA001-AC4F-418D-AE19-62706E023703}">
+                      <ahyp:hlinkClr xmlns:ahyp="http://schemas.microsoft.com/office/drawing/2018/hyperlinkcolor" val="tx"/>
+                    </a:ext>
+                  </a:extLst>
+                </a:hlinkClick>
+              </a:rPr>
+              <a:t>MDN Learn: Getting started with the Web</a:t>
+            </a:r>
+            <a:endParaRPr lang="en-US" sz="1800">
+              <a:solidFill>
+                <a:srgbClr val="00B0F0"/>
+              </a:solidFill>
+            </a:endParaRPr>
+          </a:p>
+          <a:p>
+            <a:r>
+              <a:rPr lang="en-US" sz="1800">
+                <a:solidFill>
+                  <a:srgbClr val="00B0F0"/>
+                </a:solidFill>
+                <a:hlinkClick r:id="rId5">
+                  <a:extLst>
+                    <a:ext uri="{A12FA001-AC4F-418D-AE19-62706E023703}">
+                      <ahyp:hlinkClr xmlns:ahyp="http://schemas.microsoft.com/office/drawing/2018/hyperlinkcolor" val="tx"/>
+                    </a:ext>
+                  </a:extLst>
+                </a:hlinkClick>
+              </a:rPr>
+              <a:t>MDN Learn: Structuring the web with HTML</a:t>
+            </a:r>
+            <a:endParaRPr lang="en-US" sz="1800">
+              <a:solidFill>
+                <a:srgbClr val="00B0F0"/>
+              </a:solidFill>
+              <a:hlinkClick r:id="rId5">
                 <a:extLst>
                   <a:ext uri="{A12FA001-AC4F-418D-AE19-62706E023703}">
                     <ahyp:hlinkClr xmlns:ahyp="http://schemas.microsoft.com/office/drawing/2018/hyperlinkcolor" val="tx"/>
@@ -12512,38 +12565,39 @@
           <a:p>
             <a:r>
               <a:rPr lang="en-US" sz="1800">
-                <a:hlinkClick r:id="rId5"/>
-              </a:rPr>
-              <a:t>https://developer.mozilla.org/en-US/docs/Learn/HTML</a:t>
+                <a:solidFill>
+                  <a:srgbClr val="00B0F0"/>
+                </a:solidFill>
+                <a:hlinkClick r:id="rId5">
+                  <a:extLst>
+                    <a:ext uri="{A12FA001-AC4F-418D-AE19-62706E023703}">
+                      <ahyp:hlinkClr xmlns:ahyp="http://schemas.microsoft.com/office/drawing/2018/hyperlinkcolor" val="tx"/>
+                    </a:ext>
+                  </a:extLst>
+                </a:hlinkClick>
+              </a:rPr>
+              <a:t>MDN Learn: Use HTML to solve common problems</a:t>
             </a:r>
             <a:endParaRPr lang="en-US" sz="1800">
               <a:solidFill>
                 <a:srgbClr val="00B0F0"/>
               </a:solidFill>
-              <a:cs typeface="Arial" panose="020B0604020202020204" pitchFamily="34" charset="0"/>
             </a:endParaRPr>
           </a:p>
           <a:p>
             <a:r>
               <a:rPr lang="en-US" sz="1800">
+                <a:solidFill>
+                  <a:srgbClr val="00B0F0"/>
+                </a:solidFill>
                 <a:hlinkClick r:id="rId6"/>
               </a:rPr>
-              <a:t>https://developer.mozilla.org/en-US/docs/Learn/HTML/Howto</a:t>
-            </a:r>
-            <a:endParaRPr lang="en-US" sz="1800"/>
-          </a:p>
-          <a:p>
-            <a:r>
-              <a:rPr lang="en-US" sz="1800">
-                <a:hlinkClick r:id="rId4"/>
-              </a:rPr>
-              <a:t>https://developer.mozilla.org/en-US/docs/Learn/Getting_started_with_the_web</a:t>
-            </a:r>
-            <a:endParaRPr lang="en-US" sz="1800" dirty="0">
+              <a:t>MDN Docs: HTML5 Elements for Content Sectioning</a:t>
+            </a:r>
+            <a:endParaRPr lang="en-US" sz="1800">
               <a:solidFill>
                 <a:srgbClr val="00B0F0"/>
               </a:solidFill>
-              <a:cs typeface="Arial" panose="020B0604020202020204" pitchFamily="34" charset="0"/>
             </a:endParaRPr>
           </a:p>
         </p:txBody>
@@ -14856,6 +14910,15 @@
 </file>
 
 <file path=customXml/item1.xml><?xml version="1.0" encoding="utf-8"?>
+<?mso-contentType ?>
+<FormTemplates xmlns="http://schemas.microsoft.com/sharepoint/v3/contenttype/forms">
+  <Display>DocumentLibraryForm</Display>
+  <Edit>DocumentLibraryForm</Edit>
+  <New>DocumentLibraryForm</New>
+</FormTemplates>
+</file>
+
+<file path=customXml/item2.xml><?xml version="1.0" encoding="utf-8"?>
 <ct:contentTypeSchema xmlns:ct="http://schemas.microsoft.com/office/2006/metadata/contentType" xmlns:ma="http://schemas.microsoft.com/office/2006/metadata/properties/metaAttributes" ct:_="" ma:_="" ma:contentTypeName="Document" ma:contentTypeID="0x01010079F111ED35F8CC479449609E8A0923A6" ma:contentTypeVersion="12" ma:contentTypeDescription="Create a new document." ma:contentTypeScope="" ma:versionID="a410dd7f93c95333ffa1b60ed6adedd1">
   <xsd:schema xmlns:xsd="http://www.w3.org/2001/XMLSchema" xmlns:xs="http://www.w3.org/2001/XMLSchema" xmlns:p="http://schemas.microsoft.com/office/2006/metadata/properties" xmlns:ns2="71af3243-3dd4-4a8d-8c0d-dd76da1f02a5" xmlns:ns3="16c05727-aa75-4e4a-9b5f-8a80a1165891" targetNamespace="http://schemas.microsoft.com/office/2006/metadata/properties" ma:root="true" ma:fieldsID="a936d9baba76aa3866493feff160faab" ns2:_="" ns3:_="">
     <xsd:import namespace="71af3243-3dd4-4a8d-8c0d-dd76da1f02a5"/>
@@ -15076,15 +15139,6 @@
 </ct:contentTypeSchema>
 </file>
 
-<file path=customXml/item2.xml><?xml version="1.0" encoding="utf-8"?>
-<?mso-contentType ?>
-<FormTemplates xmlns="http://schemas.microsoft.com/sharepoint/v3/contenttype/forms">
-  <Display>DocumentLibraryForm</Display>
-  <Edit>DocumentLibraryForm</Edit>
-  <New>DocumentLibraryForm</New>
-</FormTemplates>
-</file>
-
 <file path=customXml/item3.xml><?xml version="1.0" encoding="utf-8"?>
 <p:properties xmlns:p="http://schemas.microsoft.com/office/2006/metadata/properties" xmlns:xsi="http://www.w3.org/2001/XMLSchema-instance" xmlns:pc="http://schemas.microsoft.com/office/infopath/2007/PartnerControls">
   <documentManagement>
@@ -15095,6 +15149,14 @@
 </file>
 
 <file path=customXml/itemProps1.xml><?xml version="1.0" encoding="utf-8"?>
+<ds:datastoreItem xmlns:ds="http://schemas.openxmlformats.org/officeDocument/2006/customXml" ds:itemID="{CDB58277-F8DF-46FF-84EC-EF41B835E69F}">
+  <ds:schemaRefs>
+    <ds:schemaRef ds:uri="http://schemas.microsoft.com/sharepoint/v3/contenttype/forms"/>
+  </ds:schemaRefs>
+</ds:datastoreItem>
+</file>
+
+<file path=customXml/itemProps2.xml><?xml version="1.0" encoding="utf-8"?>
 <ds:datastoreItem xmlns:ds="http://schemas.openxmlformats.org/officeDocument/2006/customXml" ds:itemID="{2D276E62-80A3-44DD-9BCC-97ED2B99B57F}">
   <ds:schemaRefs>
     <ds:schemaRef ds:uri="http://schemas.microsoft.com/office/2006/metadata/contentType"/>
@@ -15109,14 +15171,6 @@
     <ds:schemaRef ds:uri="http://purl.org/dc/elements/1.1/"/>
     <ds:schemaRef ds:uri="http://purl.org/dc/terms/"/>
     <ds:schemaRef ds:uri="http://schemas.microsoft.com/internal/obd"/>
-  </ds:schemaRefs>
-</ds:datastoreItem>
-</file>
-
-<file path=customXml/itemProps2.xml><?xml version="1.0" encoding="utf-8"?>
-<ds:datastoreItem xmlns:ds="http://schemas.openxmlformats.org/officeDocument/2006/customXml" ds:itemID="{CDB58277-F8DF-46FF-84EC-EF41B835E69F}">
-  <ds:schemaRefs>
-    <ds:schemaRef ds:uri="http://schemas.microsoft.com/sharepoint/v3/contenttype/forms"/>
   </ds:schemaRefs>
 </ds:datastoreItem>
 </file>

--- a/unit_00/html_review/01 HTML.pptx
+++ b/unit_00/html_review/01 HTML.pptx
@@ -137,7 +137,18 @@
   </p:defaultTextStyle>
   <p:extLst>
     <p:ext uri="{EFAFB233-063F-42B5-8137-9DF3F51BA10A}">
-      <p15:sldGuideLst xmlns:p15="http://schemas.microsoft.com/office/powerpoint/2012/main"/>
+      <p15:sldGuideLst xmlns:p15="http://schemas.microsoft.com/office/powerpoint/2012/main">
+        <p15:guide id="1" orient="horz" pos="2160" userDrawn="1">
+          <p15:clr>
+            <a:srgbClr val="A4A3A4"/>
+          </p15:clr>
+        </p15:guide>
+        <p15:guide id="2" pos="3840" userDrawn="1">
+          <p15:clr>
+            <a:srgbClr val="A4A3A4"/>
+          </p15:clr>
+        </p15:guide>
+      </p15:sldGuideLst>
     </p:ext>
   </p:extLst>
 </p:presentation>
@@ -225,7 +236,7 @@
           <a:p>
             <a:fld id="{3F839238-B565-4611-A910-43B731DECEC1}" type="datetimeFigureOut">
               <a:rPr lang="en-US" smtClean="0"/>
-              <a:t>7/31/2020</a:t>
+              <a:t>8/18/2020</a:t>
             </a:fld>
             <a:endParaRPr lang="en-US"/>
           </a:p>
@@ -2902,7 +2913,7 @@
             <a:spLocks noGrp="1"/>
           </p:cNvSpPr>
           <p:nvPr>
-            <p:ph type="ctrTitle"/>
+            <p:ph type="ctrTitle" hasCustomPrompt="1"/>
           </p:nvPr>
         </p:nvSpPr>
         <p:spPr>
@@ -2920,7 +2931,7 @@
               <a:lnSpc>
                 <a:spcPct val="83000"/>
               </a:lnSpc>
-              <a:defRPr lang="en-US" sz="6800" b="0" kern="1200" cap="all" spc="-100" baseline="0" dirty="0">
+              <a:defRPr lang="en-US" sz="6800" b="0" kern="1200" cap="none" spc="-100" baseline="0" dirty="0">
                 <a:solidFill>
                   <a:schemeClr val="tx1">
                     <a:lumMod val="85000"/>
@@ -2937,7 +2948,7 @@
           <a:p>
             <a:r>
               <a:rPr lang="en-US"/>
-              <a:t>Click to edit Master title style</a:t>
+              <a:t>Click to edit master title style</a:t>
             </a:r>
             <a:endParaRPr lang="en-US" dirty="0"/>
           </a:p>
@@ -3022,62 +3033,25 @@
       </p:sp>
       <p:sp>
         <p:nvSpPr>
-          <p:cNvPr id="20" name="Date Placeholder 19"/>
-          <p:cNvSpPr>
-            <a:spLocks noGrp="1"/>
-          </p:cNvSpPr>
-          <p:nvPr>
-            <p:ph type="dt" sz="half" idx="10"/>
+          <p:cNvPr id="22" name="Slide Number Placeholder 21"/>
+          <p:cNvSpPr>
+            <a:spLocks noGrp="1"/>
+          </p:cNvSpPr>
+          <p:nvPr>
+            <p:ph type="sldNum" sz="quarter" idx="12"/>
           </p:nvPr>
         </p:nvSpPr>
         <p:spPr>
           <a:xfrm>
-            <a:off x="5318760" y="1341256"/>
-            <a:ext cx="1554480" cy="485546"/>
+            <a:off x="8606920" y="5177408"/>
+            <a:ext cx="1955980" cy="228600"/>
           </a:xfrm>
         </p:spPr>
         <p:txBody>
           <a:bodyPr/>
           <a:lstStyle>
-            <a:lvl1pPr algn="ctr">
-              <a:defRPr sz="1300" spc="0" baseline="0">
-                <a:solidFill>
-                  <a:srgbClr val="FFFFFF"/>
-                </a:solidFill>
-                <a:latin typeface="+mn-lt"/>
-              </a:defRPr>
-            </a:lvl1pPr>
-          </a:lstStyle>
-          <a:p>
-            <a:fld id="{E9F25E47-8026-47FD-8FD6-2C7B55A6BE4F}" type="datetime1">
-              <a:rPr lang="en-US" smtClean="0"/>
-              <a:t>7/31/2020</a:t>
-            </a:fld>
-            <a:endParaRPr lang="en-US" dirty="0"/>
-          </a:p>
-        </p:txBody>
-      </p:sp>
-      <p:sp>
-        <p:nvSpPr>
-          <p:cNvPr id="21" name="Footer Placeholder 20"/>
-          <p:cNvSpPr>
-            <a:spLocks noGrp="1"/>
-          </p:cNvSpPr>
-          <p:nvPr>
-            <p:ph type="ftr" sz="quarter" idx="11"/>
-          </p:nvPr>
-        </p:nvSpPr>
-        <p:spPr>
-          <a:xfrm>
-            <a:off x="1629100" y="5177408"/>
-            <a:ext cx="5730295" cy="228600"/>
-          </a:xfrm>
-        </p:spPr>
-        <p:txBody>
-          <a:bodyPr/>
-          <a:lstStyle>
-            <a:lvl1pPr algn="l">
-              <a:defRPr>
+            <a:lvl1pPr>
+              <a:defRPr sz="1400" b="1">
                 <a:solidFill>
                   <a:schemeClr val="tx1">
                     <a:lumMod val="85000"/>
@@ -3088,43 +3062,9 @@
             </a:lvl1pPr>
           </a:lstStyle>
           <a:p>
-            <a:endParaRPr lang="en-US" dirty="0"/>
-          </a:p>
-        </p:txBody>
-      </p:sp>
-      <p:sp>
-        <p:nvSpPr>
-          <p:cNvPr id="22" name="Slide Number Placeholder 21"/>
-          <p:cNvSpPr>
-            <a:spLocks noGrp="1"/>
-          </p:cNvSpPr>
-          <p:nvPr>
-            <p:ph type="sldNum" sz="quarter" idx="12"/>
-          </p:nvPr>
-        </p:nvSpPr>
-        <p:spPr>
-          <a:xfrm>
-            <a:off x="8606920" y="5177408"/>
-            <a:ext cx="1955980" cy="228600"/>
-          </a:xfrm>
-        </p:spPr>
-        <p:txBody>
-          <a:bodyPr/>
-          <a:lstStyle>
-            <a:lvl1pPr>
-              <a:defRPr>
-                <a:solidFill>
-                  <a:schemeClr val="tx1">
-                    <a:lumMod val="85000"/>
-                    <a:lumOff val="15000"/>
-                  </a:schemeClr>
-                </a:solidFill>
-              </a:defRPr>
-            </a:lvl1pPr>
-          </a:lstStyle>
-          <a:p>
             <a:fld id="{34B7E4EF-A1BD-40F4-AB7B-04F084DD991D}" type="slidenum">
               <a:rPr lang="en-US" smtClean="0"/>
+              <a:pPr/>
               <a:t>‹#›</a:t>
             </a:fld>
             <a:endParaRPr lang="en-US" dirty="0"/>
@@ -3145,176 +3085,6 @@
 </file>
 
 <file path=ppt/slideLayouts/slideLayout2.xml><?xml version="1.0" encoding="utf-8"?>
-<p:sldLayout xmlns:a="http://schemas.openxmlformats.org/drawingml/2006/main" xmlns:r="http://schemas.openxmlformats.org/officeDocument/2006/relationships" xmlns:p="http://schemas.openxmlformats.org/presentationml/2006/main" type="obj" preserve="1">
-  <p:cSld name="Title and Content">
-    <p:spTree>
-      <p:nvGrpSpPr>
-        <p:cNvPr id="1" name=""/>
-        <p:cNvGrpSpPr/>
-        <p:nvPr/>
-      </p:nvGrpSpPr>
-      <p:grpSpPr>
-        <a:xfrm>
-          <a:off x="0" y="0"/>
-          <a:ext cx="0" cy="0"/>
-          <a:chOff x="0" y="0"/>
-          <a:chExt cx="0" cy="0"/>
-        </a:xfrm>
-      </p:grpSpPr>
-      <p:sp>
-        <p:nvSpPr>
-          <p:cNvPr id="2" name="Title 1"/>
-          <p:cNvSpPr>
-            <a:spLocks noGrp="1"/>
-          </p:cNvSpPr>
-          <p:nvPr>
-            <p:ph type="title"/>
-          </p:nvPr>
-        </p:nvSpPr>
-        <p:spPr/>
-        <p:txBody>
-          <a:bodyPr/>
-          <a:lstStyle/>
-          <a:p>
-            <a:r>
-              <a:rPr lang="en-US"/>
-              <a:t>Click to edit Master title style</a:t>
-            </a:r>
-            <a:endParaRPr lang="en-US" dirty="0"/>
-          </a:p>
-        </p:txBody>
-      </p:sp>
-      <p:sp>
-        <p:nvSpPr>
-          <p:cNvPr id="3" name="Content Placeholder 2"/>
-          <p:cNvSpPr>
-            <a:spLocks noGrp="1"/>
-          </p:cNvSpPr>
-          <p:nvPr>
-            <p:ph idx="1"/>
-          </p:nvPr>
-        </p:nvSpPr>
-        <p:spPr/>
-        <p:txBody>
-          <a:bodyPr/>
-          <a:lstStyle/>
-          <a:p>
-            <a:pPr lvl="0"/>
-            <a:r>
-              <a:rPr lang="en-US"/>
-              <a:t>Click to edit Master text styles</a:t>
-            </a:r>
-          </a:p>
-          <a:p>
-            <a:pPr lvl="1"/>
-            <a:r>
-              <a:rPr lang="en-US"/>
-              <a:t>Second level</a:t>
-            </a:r>
-          </a:p>
-          <a:p>
-            <a:pPr lvl="2"/>
-            <a:r>
-              <a:rPr lang="en-US"/>
-              <a:t>Third level</a:t>
-            </a:r>
-          </a:p>
-          <a:p>
-            <a:pPr lvl="3"/>
-            <a:r>
-              <a:rPr lang="en-US"/>
-              <a:t>Fourth level</a:t>
-            </a:r>
-          </a:p>
-          <a:p>
-            <a:pPr lvl="4"/>
-            <a:r>
-              <a:rPr lang="en-US"/>
-              <a:t>Fifth level</a:t>
-            </a:r>
-            <a:endParaRPr lang="en-US" dirty="0"/>
-          </a:p>
-        </p:txBody>
-      </p:sp>
-      <p:sp>
-        <p:nvSpPr>
-          <p:cNvPr id="4" name="Date Placeholder 3"/>
-          <p:cNvSpPr>
-            <a:spLocks noGrp="1"/>
-          </p:cNvSpPr>
-          <p:nvPr>
-            <p:ph type="dt" sz="half" idx="10"/>
-          </p:nvPr>
-        </p:nvSpPr>
-        <p:spPr/>
-        <p:txBody>
-          <a:bodyPr/>
-          <a:lstStyle/>
-          <a:p>
-            <a:fld id="{49F0A7AA-AB30-4D36-B646-A02FA5DCCA55}" type="datetime1">
-              <a:rPr lang="en-US" smtClean="0"/>
-              <a:t>7/31/2020</a:t>
-            </a:fld>
-            <a:endParaRPr lang="en-US" dirty="0"/>
-          </a:p>
-        </p:txBody>
-      </p:sp>
-      <p:sp>
-        <p:nvSpPr>
-          <p:cNvPr id="5" name="Footer Placeholder 4"/>
-          <p:cNvSpPr>
-            <a:spLocks noGrp="1"/>
-          </p:cNvSpPr>
-          <p:nvPr>
-            <p:ph type="ftr" sz="quarter" idx="11"/>
-          </p:nvPr>
-        </p:nvSpPr>
-        <p:spPr/>
-        <p:txBody>
-          <a:bodyPr/>
-          <a:lstStyle/>
-          <a:p>
-            <a:endParaRPr lang="en-US" dirty="0"/>
-          </a:p>
-        </p:txBody>
-      </p:sp>
-      <p:sp>
-        <p:nvSpPr>
-          <p:cNvPr id="6" name="Slide Number Placeholder 5"/>
-          <p:cNvSpPr>
-            <a:spLocks noGrp="1"/>
-          </p:cNvSpPr>
-          <p:nvPr>
-            <p:ph type="sldNum" sz="quarter" idx="12"/>
-          </p:nvPr>
-        </p:nvSpPr>
-        <p:spPr/>
-        <p:txBody>
-          <a:bodyPr/>
-          <a:lstStyle/>
-          <a:p>
-            <a:fld id="{34B7E4EF-A1BD-40F4-AB7B-04F084DD991D}" type="slidenum">
-              <a:rPr lang="en-US" smtClean="0"/>
-              <a:t>‹#›</a:t>
-            </a:fld>
-            <a:endParaRPr lang="en-US" dirty="0"/>
-          </a:p>
-        </p:txBody>
-      </p:sp>
-    </p:spTree>
-    <p:extLst>
-      <p:ext uri="{BB962C8B-B14F-4D97-AF65-F5344CB8AC3E}">
-        <p14:creationId xmlns:p14="http://schemas.microsoft.com/office/powerpoint/2010/main" val="2153708790"/>
-      </p:ext>
-    </p:extLst>
-  </p:cSld>
-  <p:clrMapOvr>
-    <a:masterClrMapping/>
-  </p:clrMapOvr>
-</p:sldLayout>
-</file>
-
-<file path=ppt/slideLayouts/slideLayout3.xml><?xml version="1.0" encoding="utf-8"?>
 <p:sldLayout xmlns:a="http://schemas.openxmlformats.org/drawingml/2006/main" xmlns:r="http://schemas.openxmlformats.org/officeDocument/2006/relationships" xmlns:p="http://schemas.openxmlformats.org/presentationml/2006/main" showMasterSp="0" type="secHead" preserve="1">
   <p:cSld name="Section Header">
     <p:spTree>
@@ -3487,7 +3257,7 @@
             <a:spLocks noGrp="1"/>
           </p:cNvSpPr>
           <p:nvPr>
-            <p:ph type="title"/>
+            <p:ph type="title" hasCustomPrompt="1"/>
           </p:nvPr>
         </p:nvSpPr>
         <p:spPr>
@@ -3505,7 +3275,7 @@
               <a:lnSpc>
                 <a:spcPct val="83000"/>
               </a:lnSpc>
-              <a:defRPr lang="en-US" sz="6800" kern="1200" cap="all" spc="-100" baseline="0" dirty="0">
+              <a:defRPr lang="en-US" sz="6800" kern="1200" cap="none" spc="-100" baseline="0" dirty="0">
                 <a:solidFill>
                   <a:schemeClr val="tx1">
                     <a:lumMod val="85000"/>
@@ -3522,7 +3292,7 @@
           <a:p>
             <a:r>
               <a:rPr lang="en-US"/>
-              <a:t>Click to edit Master title style</a:t>
+              <a:t>Click to edit master title style</a:t>
             </a:r>
             <a:endParaRPr lang="en-US" dirty="0"/>
           </a:p>
@@ -3821,64 +3591,25 @@
       </p:sp>
       <p:sp>
         <p:nvSpPr>
-          <p:cNvPr id="4" name="Date Placeholder 3"/>
-          <p:cNvSpPr>
-            <a:spLocks noGrp="1"/>
-          </p:cNvSpPr>
-          <p:nvPr>
-            <p:ph type="dt" sz="half" idx="10"/>
+          <p:cNvPr id="6" name="Slide Number Placeholder 5"/>
+          <p:cNvSpPr>
+            <a:spLocks noGrp="1"/>
+          </p:cNvSpPr>
+          <p:nvPr>
+            <p:ph type="sldNum" sz="quarter" idx="12"/>
           </p:nvPr>
         </p:nvSpPr>
         <p:spPr>
           <a:xfrm>
-            <a:off x="5318760" y="1344502"/>
-            <a:ext cx="1554480" cy="498781"/>
+            <a:off x="8604504" y="5177408"/>
+            <a:ext cx="1958339" cy="228600"/>
           </a:xfrm>
         </p:spPr>
         <p:txBody>
           <a:bodyPr/>
           <a:lstStyle>
-            <a:lvl1pPr algn="ctr">
-              <a:defRPr lang="en-US" sz="1300" kern="1200" spc="0" baseline="0">
-                <a:solidFill>
-                  <a:srgbClr val="FFFFFF"/>
-                </a:solidFill>
-                <a:latin typeface="+mn-lt"/>
-                <a:ea typeface="+mn-ea"/>
-                <a:cs typeface="+mn-cs"/>
-              </a:defRPr>
-            </a:lvl1pPr>
-          </a:lstStyle>
-          <a:p>
-            <a:fld id="{CFA4D178-B71E-4B10-AF0F-C5E0B7294A7C}" type="datetime1">
-              <a:rPr lang="en-US" smtClean="0"/>
-              <a:t>7/31/2020</a:t>
-            </a:fld>
-            <a:endParaRPr lang="en-US" dirty="0"/>
-          </a:p>
-        </p:txBody>
-      </p:sp>
-      <p:sp>
-        <p:nvSpPr>
-          <p:cNvPr id="5" name="Footer Placeholder 4"/>
-          <p:cNvSpPr>
-            <a:spLocks noGrp="1"/>
-          </p:cNvSpPr>
-          <p:nvPr>
-            <p:ph type="ftr" sz="quarter" idx="11"/>
-          </p:nvPr>
-        </p:nvSpPr>
-        <p:spPr>
-          <a:xfrm>
-            <a:off x="1629157" y="5177408"/>
-            <a:ext cx="5660134" cy="228600"/>
-          </a:xfrm>
-        </p:spPr>
-        <p:txBody>
-          <a:bodyPr/>
-          <a:lstStyle>
-            <a:lvl1pPr algn="l">
-              <a:defRPr>
+            <a:lvl1pPr>
+              <a:defRPr sz="1400" b="1">
                 <a:solidFill>
                   <a:schemeClr val="tx1">
                     <a:lumMod val="85000"/>
@@ -3889,43 +3620,9 @@
             </a:lvl1pPr>
           </a:lstStyle>
           <a:p>
-            <a:endParaRPr lang="en-US" dirty="0"/>
-          </a:p>
-        </p:txBody>
-      </p:sp>
-      <p:sp>
-        <p:nvSpPr>
-          <p:cNvPr id="6" name="Slide Number Placeholder 5"/>
-          <p:cNvSpPr>
-            <a:spLocks noGrp="1"/>
-          </p:cNvSpPr>
-          <p:nvPr>
-            <p:ph type="sldNum" sz="quarter" idx="12"/>
-          </p:nvPr>
-        </p:nvSpPr>
-        <p:spPr>
-          <a:xfrm>
-            <a:off x="8604504" y="5177408"/>
-            <a:ext cx="1958339" cy="228600"/>
-          </a:xfrm>
-        </p:spPr>
-        <p:txBody>
-          <a:bodyPr/>
-          <a:lstStyle>
-            <a:lvl1pPr>
-              <a:defRPr>
-                <a:solidFill>
-                  <a:schemeClr val="tx1">
-                    <a:lumMod val="85000"/>
-                    <a:lumOff val="15000"/>
-                  </a:schemeClr>
-                </a:solidFill>
-              </a:defRPr>
-            </a:lvl1pPr>
-          </a:lstStyle>
-          <a:p>
             <a:fld id="{34B7E4EF-A1BD-40F4-AB7B-04F084DD991D}" type="slidenum">
               <a:rPr lang="en-US" smtClean="0"/>
+              <a:pPr/>
               <a:t>‹#›</a:t>
             </a:fld>
             <a:endParaRPr lang="en-US" dirty="0"/>
@@ -3945,9 +3642,9 @@
 </p:sldLayout>
 </file>
 
-<file path=ppt/slideLayouts/slideLayout4.xml><?xml version="1.0" encoding="utf-8"?>
-<p:sldLayout xmlns:a="http://schemas.openxmlformats.org/drawingml/2006/main" xmlns:r="http://schemas.openxmlformats.org/officeDocument/2006/relationships" xmlns:p="http://schemas.openxmlformats.org/presentationml/2006/main" type="twoObj" preserve="1">
-  <p:cSld name="Two Content">
+<file path=ppt/slideLayouts/slideLayout3.xml><?xml version="1.0" encoding="utf-8"?>
+<p:sldLayout xmlns:a="http://schemas.openxmlformats.org/drawingml/2006/main" xmlns:r="http://schemas.openxmlformats.org/officeDocument/2006/relationships" xmlns:p="http://schemas.openxmlformats.org/presentationml/2006/main" type="obj" preserve="1">
+  <p:cSld name="Title and Content">
     <p:spTree>
       <p:nvGrpSpPr>
         <p:cNvPr id="1" name=""/>
@@ -3964,74 +3661,55 @@
       </p:grpSpPr>
       <p:sp>
         <p:nvSpPr>
-          <p:cNvPr id="8" name="Title 7"/>
+          <p:cNvPr id="2" name="Title 1"/>
           <p:cNvSpPr>
             <a:spLocks noGrp="1"/>
           </p:cNvSpPr>
           <p:nvPr>
             <p:ph type="title"/>
-          </p:nvPr>
-        </p:nvSpPr>
-        <p:spPr/>
-        <p:txBody>
-          <a:bodyPr/>
-          <a:lstStyle/>
-          <a:p>
-            <a:r>
-              <a:rPr lang="en-US"/>
-              <a:t>Click to edit Master title style</a:t>
-            </a:r>
-            <a:endParaRPr lang="en-US" dirty="0"/>
-          </a:p>
-        </p:txBody>
-      </p:sp>
-      <p:sp>
-        <p:nvSpPr>
-          <p:cNvPr id="3" name="Content Placeholder 2"/>
-          <p:cNvSpPr>
-            <a:spLocks noGrp="1"/>
-          </p:cNvSpPr>
-          <p:nvPr>
-            <p:ph sz="half" idx="1"/>
           </p:nvPr>
         </p:nvSpPr>
         <p:spPr>
           <a:xfrm>
-            <a:off x="1066800" y="2103120"/>
-            <a:ext cx="4663440" cy="3749040"/>
+            <a:off x="1066800" y="642594"/>
+            <a:ext cx="10058400" cy="1144642"/>
           </a:xfrm>
         </p:spPr>
         <p:txBody>
           <a:bodyPr/>
           <a:lstStyle>
             <a:lvl1pPr>
-              <a:defRPr sz="1800"/>
+              <a:defRPr u="sng"/>
             </a:lvl1pPr>
-            <a:lvl2pPr>
-              <a:defRPr sz="1600"/>
-            </a:lvl2pPr>
-            <a:lvl3pPr>
-              <a:defRPr sz="1400"/>
-            </a:lvl3pPr>
-            <a:lvl4pPr>
-              <a:defRPr sz="1400"/>
-            </a:lvl4pPr>
-            <a:lvl5pPr>
-              <a:defRPr sz="1400"/>
-            </a:lvl5pPr>
-            <a:lvl6pPr>
-              <a:defRPr sz="1400"/>
-            </a:lvl6pPr>
-            <a:lvl7pPr>
-              <a:defRPr sz="1400"/>
-            </a:lvl7pPr>
-            <a:lvl8pPr>
-              <a:defRPr sz="1400"/>
-            </a:lvl8pPr>
-            <a:lvl9pPr>
-              <a:defRPr sz="1400"/>
-            </a:lvl9pPr>
           </a:lstStyle>
+          <a:p>
+            <a:r>
+              <a:rPr lang="en-US"/>
+              <a:t>Click to edit Master title style</a:t>
+            </a:r>
+            <a:endParaRPr lang="en-US" dirty="0"/>
+          </a:p>
+        </p:txBody>
+      </p:sp>
+      <p:sp>
+        <p:nvSpPr>
+          <p:cNvPr id="3" name="Content Placeholder 2"/>
+          <p:cNvSpPr>
+            <a:spLocks noGrp="1"/>
+          </p:cNvSpPr>
+          <p:nvPr>
+            <p:ph idx="1"/>
+          </p:nvPr>
+        </p:nvSpPr>
+        <p:spPr>
+          <a:xfrm>
+            <a:off x="1066800" y="1787236"/>
+            <a:ext cx="10058400" cy="4106488"/>
+          </a:xfrm>
+        </p:spPr>
+        <p:txBody>
+          <a:bodyPr/>
+          <a:lstStyle/>
           <a:p>
             <a:pPr lvl="0"/>
             <a:r>
@@ -4072,148 +3750,62 @@
       </p:sp>
       <p:sp>
         <p:nvSpPr>
-          <p:cNvPr id="4" name="Content Placeholder 3"/>
-          <p:cNvSpPr>
-            <a:spLocks noGrp="1"/>
-          </p:cNvSpPr>
-          <p:nvPr>
-            <p:ph sz="half" idx="2"/>
+          <p:cNvPr id="5" name="Footer Placeholder 4"/>
+          <p:cNvSpPr>
+            <a:spLocks noGrp="1"/>
+          </p:cNvSpPr>
+          <p:nvPr>
+            <p:ph type="ftr" sz="quarter" idx="11"/>
           </p:nvPr>
         </p:nvSpPr>
         <p:spPr>
           <a:xfrm>
-            <a:off x="6461760" y="2103120"/>
-            <a:ext cx="4663440" cy="3749040"/>
+            <a:off x="1066798" y="5893724"/>
+            <a:ext cx="10058400" cy="507076"/>
+          </a:xfrm>
+        </p:spPr>
+        <p:txBody>
+          <a:bodyPr/>
+          <a:lstStyle>
+            <a:lvl1pPr algn="l">
+              <a:defRPr sz="1400" b="0"/>
+            </a:lvl1pPr>
+          </a:lstStyle>
+          <a:p>
+            <a:r>
+              <a:rPr lang="en-US"/>
+              <a:t>Source</a:t>
+            </a:r>
+          </a:p>
+        </p:txBody>
+      </p:sp>
+      <p:sp>
+        <p:nvSpPr>
+          <p:cNvPr id="6" name="Slide Number Placeholder 5"/>
+          <p:cNvSpPr>
+            <a:spLocks noGrp="1"/>
+          </p:cNvSpPr>
+          <p:nvPr>
+            <p:ph type="sldNum" sz="quarter" idx="12"/>
+          </p:nvPr>
+        </p:nvSpPr>
+        <p:spPr>
+          <a:xfrm>
+            <a:off x="11125200" y="5893724"/>
+            <a:ext cx="694944" cy="507076"/>
           </a:xfrm>
         </p:spPr>
         <p:txBody>
           <a:bodyPr/>
           <a:lstStyle>
             <a:lvl1pPr>
-              <a:defRPr sz="1800"/>
+              <a:defRPr sz="1400" b="0"/>
             </a:lvl1pPr>
-            <a:lvl2pPr>
-              <a:defRPr sz="1600"/>
-            </a:lvl2pPr>
-            <a:lvl3pPr>
-              <a:defRPr sz="1400"/>
-            </a:lvl3pPr>
-            <a:lvl4pPr>
-              <a:defRPr sz="1400"/>
-            </a:lvl4pPr>
-            <a:lvl5pPr>
-              <a:defRPr sz="1400"/>
-            </a:lvl5pPr>
-            <a:lvl6pPr>
-              <a:defRPr sz="1400"/>
-            </a:lvl6pPr>
-            <a:lvl7pPr>
-              <a:defRPr sz="1400"/>
-            </a:lvl7pPr>
-            <a:lvl8pPr>
-              <a:defRPr sz="1400"/>
-            </a:lvl8pPr>
-            <a:lvl9pPr>
-              <a:defRPr sz="1400"/>
-            </a:lvl9pPr>
           </a:lstStyle>
-          <a:p>
-            <a:pPr lvl="0"/>
-            <a:r>
-              <a:rPr lang="en-US"/>
-              <a:t>Click to edit Master text styles</a:t>
-            </a:r>
-          </a:p>
-          <a:p>
-            <a:pPr lvl="1"/>
-            <a:r>
-              <a:rPr lang="en-US"/>
-              <a:t>Second level</a:t>
-            </a:r>
-          </a:p>
-          <a:p>
-            <a:pPr lvl="2"/>
-            <a:r>
-              <a:rPr lang="en-US"/>
-              <a:t>Third level</a:t>
-            </a:r>
-          </a:p>
-          <a:p>
-            <a:pPr lvl="3"/>
-            <a:r>
-              <a:rPr lang="en-US"/>
-              <a:t>Fourth level</a:t>
-            </a:r>
-          </a:p>
-          <a:p>
-            <a:pPr lvl="4"/>
-            <a:r>
-              <a:rPr lang="en-US"/>
-              <a:t>Fifth level</a:t>
-            </a:r>
-            <a:endParaRPr lang="en-US" dirty="0"/>
-          </a:p>
-        </p:txBody>
-      </p:sp>
-      <p:sp>
-        <p:nvSpPr>
-          <p:cNvPr id="5" name="Date Placeholder 4"/>
-          <p:cNvSpPr>
-            <a:spLocks noGrp="1"/>
-          </p:cNvSpPr>
-          <p:nvPr>
-            <p:ph type="dt" sz="half" idx="10"/>
-          </p:nvPr>
-        </p:nvSpPr>
-        <p:spPr/>
-        <p:txBody>
-          <a:bodyPr/>
-          <a:lstStyle/>
-          <a:p>
-            <a:fld id="{27E6D853-85C2-4120-A6B2-2EAC4467BF8B}" type="datetime1">
-              <a:rPr lang="en-US" smtClean="0"/>
-              <a:t>7/31/2020</a:t>
-            </a:fld>
-            <a:endParaRPr lang="en-US" dirty="0"/>
-          </a:p>
-        </p:txBody>
-      </p:sp>
-      <p:sp>
-        <p:nvSpPr>
-          <p:cNvPr id="6" name="Footer Placeholder 5"/>
-          <p:cNvSpPr>
-            <a:spLocks noGrp="1"/>
-          </p:cNvSpPr>
-          <p:nvPr>
-            <p:ph type="ftr" sz="quarter" idx="11"/>
-          </p:nvPr>
-        </p:nvSpPr>
-        <p:spPr/>
-        <p:txBody>
-          <a:bodyPr/>
-          <a:lstStyle/>
-          <a:p>
-            <a:endParaRPr lang="en-US" dirty="0"/>
-          </a:p>
-        </p:txBody>
-      </p:sp>
-      <p:sp>
-        <p:nvSpPr>
-          <p:cNvPr id="7" name="Slide Number Placeholder 6"/>
-          <p:cNvSpPr>
-            <a:spLocks noGrp="1"/>
-          </p:cNvSpPr>
-          <p:nvPr>
-            <p:ph type="sldNum" sz="quarter" idx="12"/>
-          </p:nvPr>
-        </p:nvSpPr>
-        <p:spPr/>
-        <p:txBody>
-          <a:bodyPr/>
-          <a:lstStyle/>
           <a:p>
             <a:fld id="{34B7E4EF-A1BD-40F4-AB7B-04F084DD991D}" type="slidenum">
               <a:rPr lang="en-US" smtClean="0"/>
+              <a:pPr/>
               <a:t>‹#›</a:t>
             </a:fld>
             <a:endParaRPr lang="en-US" dirty="0"/>
@@ -4223,1531 +3815,7 @@
     </p:spTree>
     <p:extLst>
       <p:ext uri="{BB962C8B-B14F-4D97-AF65-F5344CB8AC3E}">
-        <p14:creationId xmlns:p14="http://schemas.microsoft.com/office/powerpoint/2010/main" val="2744672162"/>
-      </p:ext>
-    </p:extLst>
-  </p:cSld>
-  <p:clrMapOvr>
-    <a:masterClrMapping/>
-  </p:clrMapOvr>
-</p:sldLayout>
-</file>
-
-<file path=ppt/slideLayouts/slideLayout5.xml><?xml version="1.0" encoding="utf-8"?>
-<p:sldLayout xmlns:a="http://schemas.openxmlformats.org/drawingml/2006/main" xmlns:r="http://schemas.openxmlformats.org/officeDocument/2006/relationships" xmlns:p="http://schemas.openxmlformats.org/presentationml/2006/main" type="twoTxTwoObj" preserve="1">
-  <p:cSld name="Comparison">
-    <p:spTree>
-      <p:nvGrpSpPr>
-        <p:cNvPr id="1" name=""/>
-        <p:cNvGrpSpPr/>
-        <p:nvPr/>
-      </p:nvGrpSpPr>
-      <p:grpSpPr>
-        <a:xfrm>
-          <a:off x="0" y="0"/>
-          <a:ext cx="0" cy="0"/>
-          <a:chOff x="0" y="0"/>
-          <a:chExt cx="0" cy="0"/>
-        </a:xfrm>
-      </p:grpSpPr>
-      <p:sp>
-        <p:nvSpPr>
-          <p:cNvPr id="2" name="Title 1"/>
-          <p:cNvSpPr>
-            <a:spLocks noGrp="1"/>
-          </p:cNvSpPr>
-          <p:nvPr>
-            <p:ph type="title"/>
-          </p:nvPr>
-        </p:nvSpPr>
-        <p:spPr/>
-        <p:txBody>
-          <a:bodyPr/>
-          <a:lstStyle/>
-          <a:p>
-            <a:r>
-              <a:rPr lang="en-US"/>
-              <a:t>Click to edit Master title style</a:t>
-            </a:r>
-            <a:endParaRPr lang="en-US" dirty="0"/>
-          </a:p>
-        </p:txBody>
-      </p:sp>
-      <p:sp>
-        <p:nvSpPr>
-          <p:cNvPr id="3" name="Text Placeholder 2"/>
-          <p:cNvSpPr>
-            <a:spLocks noGrp="1"/>
-          </p:cNvSpPr>
-          <p:nvPr>
-            <p:ph type="body" idx="1"/>
-          </p:nvPr>
-        </p:nvSpPr>
-        <p:spPr>
-          <a:xfrm>
-            <a:off x="1069848" y="2074334"/>
-            <a:ext cx="4663440" cy="640080"/>
-          </a:xfrm>
-        </p:spPr>
-        <p:txBody>
-          <a:bodyPr anchor="ctr">
-            <a:normAutofit/>
-          </a:bodyPr>
-          <a:lstStyle>
-            <a:lvl1pPr marL="0" indent="0" algn="l">
-              <a:spcBef>
-                <a:spcPts val="0"/>
-              </a:spcBef>
-              <a:buNone/>
-              <a:defRPr sz="1900" b="1" i="0">
-                <a:solidFill>
-                  <a:schemeClr val="tx1"/>
-                </a:solidFill>
-                <a:latin typeface="+mn-lt"/>
-              </a:defRPr>
-            </a:lvl1pPr>
-            <a:lvl2pPr marL="457200" indent="0">
-              <a:buNone/>
-              <a:defRPr sz="1800" b="1"/>
-            </a:lvl2pPr>
-            <a:lvl3pPr marL="914400" indent="0">
-              <a:buNone/>
-              <a:defRPr sz="1800" b="1"/>
-            </a:lvl3pPr>
-            <a:lvl4pPr marL="1371600" indent="0">
-              <a:buNone/>
-              <a:defRPr sz="1600" b="1"/>
-            </a:lvl4pPr>
-            <a:lvl5pPr marL="1828800" indent="0">
-              <a:buNone/>
-              <a:defRPr sz="1600" b="1"/>
-            </a:lvl5pPr>
-            <a:lvl6pPr marL="2286000" indent="0">
-              <a:buNone/>
-              <a:defRPr sz="1600" b="1"/>
-            </a:lvl6pPr>
-            <a:lvl7pPr marL="2743200" indent="0">
-              <a:buNone/>
-              <a:defRPr sz="1600" b="1"/>
-            </a:lvl7pPr>
-            <a:lvl8pPr marL="3200400" indent="0">
-              <a:buNone/>
-              <a:defRPr sz="1600" b="1"/>
-            </a:lvl8pPr>
-            <a:lvl9pPr marL="3657600" indent="0">
-              <a:buNone/>
-              <a:defRPr sz="1600" b="1"/>
-            </a:lvl9pPr>
-          </a:lstStyle>
-          <a:p>
-            <a:pPr lvl="0"/>
-            <a:r>
-              <a:rPr lang="en-US"/>
-              <a:t>Click to edit Master text styles</a:t>
-            </a:r>
-          </a:p>
-        </p:txBody>
-      </p:sp>
-      <p:sp>
-        <p:nvSpPr>
-          <p:cNvPr id="4" name="Content Placeholder 3"/>
-          <p:cNvSpPr>
-            <a:spLocks noGrp="1"/>
-          </p:cNvSpPr>
-          <p:nvPr>
-            <p:ph sz="half" idx="2"/>
-          </p:nvPr>
-        </p:nvSpPr>
-        <p:spPr>
-          <a:xfrm>
-            <a:off x="1069848" y="2792472"/>
-            <a:ext cx="4663440" cy="3163825"/>
-          </a:xfrm>
-        </p:spPr>
-        <p:txBody>
-          <a:bodyPr/>
-          <a:lstStyle>
-            <a:lvl1pPr>
-              <a:defRPr sz="1800"/>
-            </a:lvl1pPr>
-            <a:lvl2pPr>
-              <a:defRPr sz="1600"/>
-            </a:lvl2pPr>
-            <a:lvl3pPr>
-              <a:defRPr sz="1400"/>
-            </a:lvl3pPr>
-            <a:lvl4pPr>
-              <a:defRPr sz="1400"/>
-            </a:lvl4pPr>
-            <a:lvl5pPr>
-              <a:defRPr sz="1400"/>
-            </a:lvl5pPr>
-            <a:lvl6pPr>
-              <a:defRPr sz="1400"/>
-            </a:lvl6pPr>
-            <a:lvl7pPr>
-              <a:defRPr sz="1400"/>
-            </a:lvl7pPr>
-            <a:lvl8pPr>
-              <a:defRPr sz="1400"/>
-            </a:lvl8pPr>
-            <a:lvl9pPr>
-              <a:defRPr sz="1400"/>
-            </a:lvl9pPr>
-          </a:lstStyle>
-          <a:p>
-            <a:pPr lvl="0"/>
-            <a:r>
-              <a:rPr lang="en-US"/>
-              <a:t>Click to edit Master text styles</a:t>
-            </a:r>
-          </a:p>
-          <a:p>
-            <a:pPr lvl="1"/>
-            <a:r>
-              <a:rPr lang="en-US"/>
-              <a:t>Second level</a:t>
-            </a:r>
-          </a:p>
-          <a:p>
-            <a:pPr lvl="2"/>
-            <a:r>
-              <a:rPr lang="en-US"/>
-              <a:t>Third level</a:t>
-            </a:r>
-          </a:p>
-          <a:p>
-            <a:pPr lvl="3"/>
-            <a:r>
-              <a:rPr lang="en-US"/>
-              <a:t>Fourth level</a:t>
-            </a:r>
-          </a:p>
-          <a:p>
-            <a:pPr lvl="4"/>
-            <a:r>
-              <a:rPr lang="en-US"/>
-              <a:t>Fifth level</a:t>
-            </a:r>
-            <a:endParaRPr lang="en-US" dirty="0"/>
-          </a:p>
-        </p:txBody>
-      </p:sp>
-      <p:sp>
-        <p:nvSpPr>
-          <p:cNvPr id="5" name="Text Placeholder 4"/>
-          <p:cNvSpPr>
-            <a:spLocks noGrp="1"/>
-          </p:cNvSpPr>
-          <p:nvPr>
-            <p:ph type="body" sz="quarter" idx="3"/>
-          </p:nvPr>
-        </p:nvSpPr>
-        <p:spPr>
-          <a:xfrm>
-            <a:off x="6458712" y="2074334"/>
-            <a:ext cx="4663440" cy="640080"/>
-          </a:xfrm>
-        </p:spPr>
-        <p:txBody>
-          <a:bodyPr anchor="ctr">
-            <a:normAutofit/>
-          </a:bodyPr>
-          <a:lstStyle>
-            <a:lvl1pPr marL="0" indent="0" algn="l">
-              <a:spcBef>
-                <a:spcPts val="0"/>
-              </a:spcBef>
-              <a:buNone/>
-              <a:defRPr sz="1900" b="1">
-                <a:solidFill>
-                  <a:schemeClr val="tx1"/>
-                </a:solidFill>
-              </a:defRPr>
-            </a:lvl1pPr>
-            <a:lvl2pPr marL="457200" indent="0">
-              <a:buNone/>
-              <a:defRPr sz="1800" b="1"/>
-            </a:lvl2pPr>
-            <a:lvl3pPr marL="914400" indent="0">
-              <a:buNone/>
-              <a:defRPr sz="1800" b="1"/>
-            </a:lvl3pPr>
-            <a:lvl4pPr marL="1371600" indent="0">
-              <a:buNone/>
-              <a:defRPr sz="1600" b="1"/>
-            </a:lvl4pPr>
-            <a:lvl5pPr marL="1828800" indent="0">
-              <a:buNone/>
-              <a:defRPr sz="1600" b="1"/>
-            </a:lvl5pPr>
-            <a:lvl6pPr marL="2286000" indent="0">
-              <a:buNone/>
-              <a:defRPr sz="1600" b="1"/>
-            </a:lvl6pPr>
-            <a:lvl7pPr marL="2743200" indent="0">
-              <a:buNone/>
-              <a:defRPr sz="1600" b="1"/>
-            </a:lvl7pPr>
-            <a:lvl8pPr marL="3200400" indent="0">
-              <a:buNone/>
-              <a:defRPr sz="1600" b="1"/>
-            </a:lvl8pPr>
-            <a:lvl9pPr marL="3657600" indent="0">
-              <a:buNone/>
-              <a:defRPr sz="1600" b="1"/>
-            </a:lvl9pPr>
-          </a:lstStyle>
-          <a:p>
-            <a:pPr lvl="0"/>
-            <a:r>
-              <a:rPr lang="en-US"/>
-              <a:t>Click to edit Master text styles</a:t>
-            </a:r>
-          </a:p>
-        </p:txBody>
-      </p:sp>
-      <p:sp>
-        <p:nvSpPr>
-          <p:cNvPr id="6" name="Content Placeholder 5"/>
-          <p:cNvSpPr>
-            <a:spLocks noGrp="1"/>
-          </p:cNvSpPr>
-          <p:nvPr>
-            <p:ph sz="quarter" idx="4"/>
-          </p:nvPr>
-        </p:nvSpPr>
-        <p:spPr>
-          <a:xfrm>
-            <a:off x="6458712" y="2792471"/>
-            <a:ext cx="4663440" cy="3164509"/>
-          </a:xfrm>
-        </p:spPr>
-        <p:txBody>
-          <a:bodyPr/>
-          <a:lstStyle>
-            <a:lvl1pPr>
-              <a:defRPr sz="1800"/>
-            </a:lvl1pPr>
-            <a:lvl2pPr>
-              <a:defRPr sz="1600"/>
-            </a:lvl2pPr>
-            <a:lvl3pPr>
-              <a:defRPr sz="1400"/>
-            </a:lvl3pPr>
-            <a:lvl4pPr>
-              <a:defRPr sz="1400"/>
-            </a:lvl4pPr>
-            <a:lvl5pPr>
-              <a:defRPr sz="1400"/>
-            </a:lvl5pPr>
-            <a:lvl6pPr>
-              <a:defRPr sz="1400"/>
-            </a:lvl6pPr>
-            <a:lvl7pPr>
-              <a:defRPr sz="1400"/>
-            </a:lvl7pPr>
-            <a:lvl8pPr>
-              <a:defRPr sz="1400"/>
-            </a:lvl8pPr>
-            <a:lvl9pPr>
-              <a:defRPr sz="1400"/>
-            </a:lvl9pPr>
-          </a:lstStyle>
-          <a:p>
-            <a:pPr lvl="0"/>
-            <a:r>
-              <a:rPr lang="en-US"/>
-              <a:t>Click to edit Master text styles</a:t>
-            </a:r>
-          </a:p>
-          <a:p>
-            <a:pPr lvl="1"/>
-            <a:r>
-              <a:rPr lang="en-US"/>
-              <a:t>Second level</a:t>
-            </a:r>
-          </a:p>
-          <a:p>
-            <a:pPr lvl="2"/>
-            <a:r>
-              <a:rPr lang="en-US"/>
-              <a:t>Third level</a:t>
-            </a:r>
-          </a:p>
-          <a:p>
-            <a:pPr lvl="3"/>
-            <a:r>
-              <a:rPr lang="en-US"/>
-              <a:t>Fourth level</a:t>
-            </a:r>
-          </a:p>
-          <a:p>
-            <a:pPr lvl="4"/>
-            <a:r>
-              <a:rPr lang="en-US"/>
-              <a:t>Fifth level</a:t>
-            </a:r>
-            <a:endParaRPr lang="en-US" dirty="0"/>
-          </a:p>
-        </p:txBody>
-      </p:sp>
-      <p:sp>
-        <p:nvSpPr>
-          <p:cNvPr id="7" name="Date Placeholder 6"/>
-          <p:cNvSpPr>
-            <a:spLocks noGrp="1"/>
-          </p:cNvSpPr>
-          <p:nvPr>
-            <p:ph type="dt" sz="half" idx="10"/>
-          </p:nvPr>
-        </p:nvSpPr>
-        <p:spPr/>
-        <p:txBody>
-          <a:bodyPr/>
-          <a:lstStyle/>
-          <a:p>
-            <a:fld id="{CA3AECF5-4644-4878-B4B4-3AC946C4B252}" type="datetime1">
-              <a:rPr lang="en-US" smtClean="0"/>
-              <a:t>7/31/2020</a:t>
-            </a:fld>
-            <a:endParaRPr lang="en-US" dirty="0"/>
-          </a:p>
-        </p:txBody>
-      </p:sp>
-      <p:sp>
-        <p:nvSpPr>
-          <p:cNvPr id="8" name="Footer Placeholder 7"/>
-          <p:cNvSpPr>
-            <a:spLocks noGrp="1"/>
-          </p:cNvSpPr>
-          <p:nvPr>
-            <p:ph type="ftr" sz="quarter" idx="11"/>
-          </p:nvPr>
-        </p:nvSpPr>
-        <p:spPr/>
-        <p:txBody>
-          <a:bodyPr/>
-          <a:lstStyle/>
-          <a:p>
-            <a:endParaRPr lang="en-US" dirty="0"/>
-          </a:p>
-        </p:txBody>
-      </p:sp>
-      <p:sp>
-        <p:nvSpPr>
-          <p:cNvPr id="9" name="Slide Number Placeholder 8"/>
-          <p:cNvSpPr>
-            <a:spLocks noGrp="1"/>
-          </p:cNvSpPr>
-          <p:nvPr>
-            <p:ph type="sldNum" sz="quarter" idx="12"/>
-          </p:nvPr>
-        </p:nvSpPr>
-        <p:spPr/>
-        <p:txBody>
-          <a:bodyPr/>
-          <a:lstStyle/>
-          <a:p>
-            <a:fld id="{34B7E4EF-A1BD-40F4-AB7B-04F084DD991D}" type="slidenum">
-              <a:rPr lang="en-US" smtClean="0"/>
-              <a:t>‹#›</a:t>
-            </a:fld>
-            <a:endParaRPr lang="en-US" dirty="0"/>
-          </a:p>
-        </p:txBody>
-      </p:sp>
-    </p:spTree>
-    <p:extLst>
-      <p:ext uri="{BB962C8B-B14F-4D97-AF65-F5344CB8AC3E}">
-        <p14:creationId xmlns:p14="http://schemas.microsoft.com/office/powerpoint/2010/main" val="2929960713"/>
-      </p:ext>
-    </p:extLst>
-  </p:cSld>
-  <p:clrMapOvr>
-    <a:masterClrMapping/>
-  </p:clrMapOvr>
-</p:sldLayout>
-</file>
-
-<file path=ppt/slideLayouts/slideLayout6.xml><?xml version="1.0" encoding="utf-8"?>
-<p:sldLayout xmlns:a="http://schemas.openxmlformats.org/drawingml/2006/main" xmlns:r="http://schemas.openxmlformats.org/officeDocument/2006/relationships" xmlns:p="http://schemas.openxmlformats.org/presentationml/2006/main" type="titleOnly" preserve="1">
-  <p:cSld name="Title Only">
-    <p:spTree>
-      <p:nvGrpSpPr>
-        <p:cNvPr id="1" name=""/>
-        <p:cNvGrpSpPr/>
-        <p:nvPr/>
-      </p:nvGrpSpPr>
-      <p:grpSpPr>
-        <a:xfrm>
-          <a:off x="0" y="0"/>
-          <a:ext cx="0" cy="0"/>
-          <a:chOff x="0" y="0"/>
-          <a:chExt cx="0" cy="0"/>
-        </a:xfrm>
-      </p:grpSpPr>
-      <p:sp>
-        <p:nvSpPr>
-          <p:cNvPr id="2" name="Title 1"/>
-          <p:cNvSpPr>
-            <a:spLocks noGrp="1"/>
-          </p:cNvSpPr>
-          <p:nvPr>
-            <p:ph type="title"/>
-          </p:nvPr>
-        </p:nvSpPr>
-        <p:spPr/>
-        <p:txBody>
-          <a:bodyPr/>
-          <a:lstStyle/>
-          <a:p>
-            <a:r>
-              <a:rPr lang="en-US"/>
-              <a:t>Click to edit Master title style</a:t>
-            </a:r>
-            <a:endParaRPr lang="en-US" dirty="0"/>
-          </a:p>
-        </p:txBody>
-      </p:sp>
-      <p:sp>
-        <p:nvSpPr>
-          <p:cNvPr id="3" name="Date Placeholder 2"/>
-          <p:cNvSpPr>
-            <a:spLocks noGrp="1"/>
-          </p:cNvSpPr>
-          <p:nvPr>
-            <p:ph type="dt" sz="half" idx="10"/>
-          </p:nvPr>
-        </p:nvSpPr>
-        <p:spPr/>
-        <p:txBody>
-          <a:bodyPr/>
-          <a:lstStyle/>
-          <a:p>
-            <a:fld id="{B8E389F8-4EAE-4B22-8731-40270585493B}" type="datetime1">
-              <a:rPr lang="en-US" smtClean="0"/>
-              <a:t>7/31/2020</a:t>
-            </a:fld>
-            <a:endParaRPr lang="en-US" dirty="0"/>
-          </a:p>
-        </p:txBody>
-      </p:sp>
-      <p:sp>
-        <p:nvSpPr>
-          <p:cNvPr id="4" name="Footer Placeholder 3"/>
-          <p:cNvSpPr>
-            <a:spLocks noGrp="1"/>
-          </p:cNvSpPr>
-          <p:nvPr>
-            <p:ph type="ftr" sz="quarter" idx="11"/>
-          </p:nvPr>
-        </p:nvSpPr>
-        <p:spPr/>
-        <p:txBody>
-          <a:bodyPr/>
-          <a:lstStyle/>
-          <a:p>
-            <a:endParaRPr lang="en-US" dirty="0"/>
-          </a:p>
-        </p:txBody>
-      </p:sp>
-      <p:sp>
-        <p:nvSpPr>
-          <p:cNvPr id="5" name="Slide Number Placeholder 4"/>
-          <p:cNvSpPr>
-            <a:spLocks noGrp="1"/>
-          </p:cNvSpPr>
-          <p:nvPr>
-            <p:ph type="sldNum" sz="quarter" idx="12"/>
-          </p:nvPr>
-        </p:nvSpPr>
-        <p:spPr/>
-        <p:txBody>
-          <a:bodyPr/>
-          <a:lstStyle/>
-          <a:p>
-            <a:fld id="{34B7E4EF-A1BD-40F4-AB7B-04F084DD991D}" type="slidenum">
-              <a:rPr lang="en-US" smtClean="0"/>
-              <a:t>‹#›</a:t>
-            </a:fld>
-            <a:endParaRPr lang="en-US" dirty="0"/>
-          </a:p>
-        </p:txBody>
-      </p:sp>
-    </p:spTree>
-    <p:extLst>
-      <p:ext uri="{BB962C8B-B14F-4D97-AF65-F5344CB8AC3E}">
-        <p14:creationId xmlns:p14="http://schemas.microsoft.com/office/powerpoint/2010/main" val="2667413146"/>
-      </p:ext>
-    </p:extLst>
-  </p:cSld>
-  <p:clrMapOvr>
-    <a:masterClrMapping/>
-  </p:clrMapOvr>
-</p:sldLayout>
-</file>
-
-<file path=ppt/slideLayouts/slideLayout7.xml><?xml version="1.0" encoding="utf-8"?>
-<p:sldLayout xmlns:a="http://schemas.openxmlformats.org/drawingml/2006/main" xmlns:r="http://schemas.openxmlformats.org/officeDocument/2006/relationships" xmlns:p="http://schemas.openxmlformats.org/presentationml/2006/main" type="blank" preserve="1">
-  <p:cSld name="Blank">
-    <p:spTree>
-      <p:nvGrpSpPr>
-        <p:cNvPr id="1" name=""/>
-        <p:cNvGrpSpPr/>
-        <p:nvPr/>
-      </p:nvGrpSpPr>
-      <p:grpSpPr>
-        <a:xfrm>
-          <a:off x="0" y="0"/>
-          <a:ext cx="0" cy="0"/>
-          <a:chOff x="0" y="0"/>
-          <a:chExt cx="0" cy="0"/>
-        </a:xfrm>
-      </p:grpSpPr>
-      <p:sp>
-        <p:nvSpPr>
-          <p:cNvPr id="2" name="Date Placeholder 1"/>
-          <p:cNvSpPr>
-            <a:spLocks noGrp="1"/>
-          </p:cNvSpPr>
-          <p:nvPr>
-            <p:ph type="dt" sz="half" idx="10"/>
-          </p:nvPr>
-        </p:nvSpPr>
-        <p:spPr/>
-        <p:txBody>
-          <a:bodyPr/>
-          <a:lstStyle/>
-          <a:p>
-            <a:fld id="{772F4F3F-699B-4D10-AAB9-00C2579C25F8}" type="datetime1">
-              <a:rPr lang="en-US" smtClean="0"/>
-              <a:t>7/31/2020</a:t>
-            </a:fld>
-            <a:endParaRPr lang="en-US" dirty="0"/>
-          </a:p>
-        </p:txBody>
-      </p:sp>
-      <p:sp>
-        <p:nvSpPr>
-          <p:cNvPr id="3" name="Footer Placeholder 2"/>
-          <p:cNvSpPr>
-            <a:spLocks noGrp="1"/>
-          </p:cNvSpPr>
-          <p:nvPr>
-            <p:ph type="ftr" sz="quarter" idx="11"/>
-          </p:nvPr>
-        </p:nvSpPr>
-        <p:spPr/>
-        <p:txBody>
-          <a:bodyPr/>
-          <a:lstStyle/>
-          <a:p>
-            <a:endParaRPr lang="en-US" dirty="0"/>
-          </a:p>
-        </p:txBody>
-      </p:sp>
-      <p:sp>
-        <p:nvSpPr>
-          <p:cNvPr id="4" name="Slide Number Placeholder 3"/>
-          <p:cNvSpPr>
-            <a:spLocks noGrp="1"/>
-          </p:cNvSpPr>
-          <p:nvPr>
-            <p:ph type="sldNum" sz="quarter" idx="12"/>
-          </p:nvPr>
-        </p:nvSpPr>
-        <p:spPr/>
-        <p:txBody>
-          <a:bodyPr/>
-          <a:lstStyle/>
-          <a:p>
-            <a:fld id="{34B7E4EF-A1BD-40F4-AB7B-04F084DD991D}" type="slidenum">
-              <a:rPr lang="en-US" smtClean="0"/>
-              <a:t>‹#›</a:t>
-            </a:fld>
-            <a:endParaRPr lang="en-US" dirty="0"/>
-          </a:p>
-        </p:txBody>
-      </p:sp>
-    </p:spTree>
-    <p:extLst>
-      <p:ext uri="{BB962C8B-B14F-4D97-AF65-F5344CB8AC3E}">
-        <p14:creationId xmlns:p14="http://schemas.microsoft.com/office/powerpoint/2010/main" val="907247122"/>
-      </p:ext>
-    </p:extLst>
-  </p:cSld>
-  <p:clrMapOvr>
-    <a:masterClrMapping/>
-  </p:clrMapOvr>
-</p:sldLayout>
-</file>
-
-<file path=ppt/slideLayouts/slideLayout8.xml><?xml version="1.0" encoding="utf-8"?>
-<p:sldLayout xmlns:a="http://schemas.openxmlformats.org/drawingml/2006/main" xmlns:r="http://schemas.openxmlformats.org/officeDocument/2006/relationships" xmlns:p="http://schemas.openxmlformats.org/presentationml/2006/main" showMasterSp="0" type="objTx" preserve="1">
-  <p:cSld name="Content with Caption">
-    <p:spTree>
-      <p:nvGrpSpPr>
-        <p:cNvPr id="1" name=""/>
-        <p:cNvGrpSpPr/>
-        <p:nvPr/>
-      </p:nvGrpSpPr>
-      <p:grpSpPr>
-        <a:xfrm>
-          <a:off x="0" y="0"/>
-          <a:ext cx="0" cy="0"/>
-          <a:chOff x="0" y="0"/>
-          <a:chExt cx="0" cy="0"/>
-        </a:xfrm>
-      </p:grpSpPr>
-      <p:sp>
-        <p:nvSpPr>
-          <p:cNvPr id="10" name="Rectangle 9">
-            <a:extLst>
-              <a:ext uri="{FF2B5EF4-FFF2-40B4-BE49-F238E27FC236}">
-                <a16:creationId xmlns:a16="http://schemas.microsoft.com/office/drawing/2014/main" id="{D5E1BBF9-8BEF-4353-BA68-30AAF9EBD8D8}"/>
-              </a:ext>
-            </a:extLst>
-          </p:cNvPr>
-          <p:cNvSpPr/>
-          <p:nvPr/>
-        </p:nvSpPr>
-        <p:spPr>
-          <a:xfrm>
-            <a:off x="8119870" y="237744"/>
-            <a:ext cx="3826596" cy="6382512"/>
-          </a:xfrm>
-          <a:prstGeom prst="rect">
-            <a:avLst/>
-          </a:prstGeom>
-          <a:solidFill>
-            <a:schemeClr val="bg1">
-              <a:lumMod val="85000"/>
-              <a:alpha val="60000"/>
-            </a:schemeClr>
-          </a:solidFill>
-          <a:ln>
-            <a:noFill/>
-          </a:ln>
-        </p:spPr>
-        <p:style>
-          <a:lnRef idx="2">
-            <a:schemeClr val="accent1">
-              <a:shade val="50000"/>
-            </a:schemeClr>
-          </a:lnRef>
-          <a:fillRef idx="1">
-            <a:schemeClr val="accent1"/>
-          </a:fillRef>
-          <a:effectRef idx="0">
-            <a:schemeClr val="accent1"/>
-          </a:effectRef>
-          <a:fontRef idx="minor">
-            <a:schemeClr val="lt1"/>
-          </a:fontRef>
-        </p:style>
-      </p:sp>
-      <p:sp>
-        <p:nvSpPr>
-          <p:cNvPr id="13" name="Rectangle 12">
-            <a:extLst>
-              <a:ext uri="{FF2B5EF4-FFF2-40B4-BE49-F238E27FC236}">
-                <a16:creationId xmlns:a16="http://schemas.microsoft.com/office/drawing/2014/main" id="{5B941C21-2A5D-4912-AB06-1BB0C0EB6AE1}"/>
-              </a:ext>
-            </a:extLst>
-          </p:cNvPr>
-          <p:cNvSpPr/>
-          <p:nvPr/>
-        </p:nvSpPr>
-        <p:spPr>
-          <a:xfrm>
-            <a:off x="8254660" y="374904"/>
-            <a:ext cx="3557016" cy="6108192"/>
-          </a:xfrm>
-          <a:prstGeom prst="rect">
-            <a:avLst/>
-          </a:prstGeom>
-          <a:noFill/>
-          <a:ln w="6350" cap="sq">
-            <a:solidFill>
-              <a:schemeClr val="tx1">
-                <a:lumMod val="75000"/>
-                <a:lumOff val="25000"/>
-              </a:schemeClr>
-            </a:solidFill>
-            <a:miter lim="800000"/>
-          </a:ln>
-        </p:spPr>
-        <p:style>
-          <a:lnRef idx="2">
-            <a:schemeClr val="accent1">
-              <a:shade val="50000"/>
-            </a:schemeClr>
-          </a:lnRef>
-          <a:fillRef idx="1">
-            <a:schemeClr val="accent1"/>
-          </a:fillRef>
-          <a:effectRef idx="0">
-            <a:schemeClr val="accent1"/>
-          </a:effectRef>
-          <a:fontRef idx="minor">
-            <a:schemeClr val="lt1"/>
-          </a:fontRef>
-        </p:style>
-      </p:sp>
-      <p:sp>
-        <p:nvSpPr>
-          <p:cNvPr id="2" name="Title 1"/>
-          <p:cNvSpPr>
-            <a:spLocks noGrp="1"/>
-          </p:cNvSpPr>
-          <p:nvPr>
-            <p:ph type="title"/>
-          </p:nvPr>
-        </p:nvSpPr>
-        <p:spPr>
-          <a:xfrm>
-            <a:off x="8458200" y="607392"/>
-            <a:ext cx="3161963" cy="1645920"/>
-          </a:xfrm>
-        </p:spPr>
-        <p:txBody>
-          <a:bodyPr anchor="b">
-            <a:normAutofit/>
-          </a:bodyPr>
-          <a:lstStyle>
-            <a:lvl1pPr algn="l" defTabSz="914400" rtl="0" eaLnBrk="1" latinLnBrk="0" hangingPunct="1">
-              <a:lnSpc>
-                <a:spcPct val="100000"/>
-              </a:lnSpc>
-              <a:spcBef>
-                <a:spcPct val="0"/>
-              </a:spcBef>
-              <a:buNone/>
-              <a:defRPr lang="en-US" sz="3200" b="0" kern="1200" cap="none" spc="0" baseline="0" dirty="0">
-                <a:solidFill>
-                  <a:schemeClr val="tx1"/>
-                </a:solidFill>
-                <a:effectLst/>
-                <a:latin typeface="+mj-lt"/>
-                <a:ea typeface="+mn-ea"/>
-                <a:cs typeface="+mn-cs"/>
-              </a:defRPr>
-            </a:lvl1pPr>
-          </a:lstStyle>
-          <a:p>
-            <a:r>
-              <a:rPr lang="en-US"/>
-              <a:t>Click to edit Master title style</a:t>
-            </a:r>
-            <a:endParaRPr lang="en-US" dirty="0"/>
-          </a:p>
-        </p:txBody>
-      </p:sp>
-      <p:sp>
-        <p:nvSpPr>
-          <p:cNvPr id="3" name="Content Placeholder 2"/>
-          <p:cNvSpPr>
-            <a:spLocks noGrp="1"/>
-          </p:cNvSpPr>
-          <p:nvPr>
-            <p:ph idx="1"/>
-          </p:nvPr>
-        </p:nvSpPr>
-        <p:spPr>
-          <a:xfrm>
-            <a:off x="685800" y="609600"/>
-            <a:ext cx="6858000" cy="5334000"/>
-          </a:xfrm>
-        </p:spPr>
-        <p:txBody>
-          <a:bodyPr/>
-          <a:lstStyle>
-            <a:lvl1pPr>
-              <a:defRPr sz="1900"/>
-            </a:lvl1pPr>
-            <a:lvl2pPr>
-              <a:defRPr sz="1600"/>
-            </a:lvl2pPr>
-            <a:lvl3pPr>
-              <a:defRPr sz="1400"/>
-            </a:lvl3pPr>
-            <a:lvl4pPr>
-              <a:defRPr sz="1400"/>
-            </a:lvl4pPr>
-            <a:lvl5pPr>
-              <a:defRPr sz="1400"/>
-            </a:lvl5pPr>
-            <a:lvl6pPr>
-              <a:defRPr sz="1400"/>
-            </a:lvl6pPr>
-            <a:lvl7pPr>
-              <a:defRPr sz="1400"/>
-            </a:lvl7pPr>
-            <a:lvl8pPr>
-              <a:defRPr sz="1400"/>
-            </a:lvl8pPr>
-            <a:lvl9pPr>
-              <a:defRPr sz="1400"/>
-            </a:lvl9pPr>
-          </a:lstStyle>
-          <a:p>
-            <a:pPr lvl="0"/>
-            <a:r>
-              <a:rPr lang="en-US"/>
-              <a:t>Click to edit Master text styles</a:t>
-            </a:r>
-          </a:p>
-          <a:p>
-            <a:pPr lvl="1"/>
-            <a:r>
-              <a:rPr lang="en-US"/>
-              <a:t>Second level</a:t>
-            </a:r>
-          </a:p>
-          <a:p>
-            <a:pPr lvl="2"/>
-            <a:r>
-              <a:rPr lang="en-US"/>
-              <a:t>Third level</a:t>
-            </a:r>
-          </a:p>
-          <a:p>
-            <a:pPr lvl="3"/>
-            <a:r>
-              <a:rPr lang="en-US"/>
-              <a:t>Fourth level</a:t>
-            </a:r>
-          </a:p>
-          <a:p>
-            <a:pPr lvl="4"/>
-            <a:r>
-              <a:rPr lang="en-US"/>
-              <a:t>Fifth level</a:t>
-            </a:r>
-            <a:endParaRPr lang="en-US" dirty="0"/>
-          </a:p>
-        </p:txBody>
-      </p:sp>
-      <p:sp>
-        <p:nvSpPr>
-          <p:cNvPr id="4" name="Text Placeholder 3"/>
-          <p:cNvSpPr>
-            <a:spLocks noGrp="1"/>
-          </p:cNvSpPr>
-          <p:nvPr>
-            <p:ph type="body" sz="half" idx="2"/>
-          </p:nvPr>
-        </p:nvSpPr>
-        <p:spPr>
-          <a:xfrm>
-            <a:off x="8458200" y="2336800"/>
-            <a:ext cx="3161963" cy="3606800"/>
-          </a:xfrm>
-        </p:spPr>
-        <p:txBody>
-          <a:bodyPr>
-            <a:normAutofit/>
-          </a:bodyPr>
-          <a:lstStyle>
-            <a:lvl1pPr marL="0" indent="0">
-              <a:lnSpc>
-                <a:spcPct val="110000"/>
-              </a:lnSpc>
-              <a:spcBef>
-                <a:spcPts val="800"/>
-              </a:spcBef>
-              <a:buNone/>
-              <a:defRPr sz="1800">
-                <a:solidFill>
-                  <a:schemeClr val="tx1"/>
-                </a:solidFill>
-              </a:defRPr>
-            </a:lvl1pPr>
-            <a:lvl2pPr marL="457200" indent="0">
-              <a:buNone/>
-              <a:defRPr sz="1200"/>
-            </a:lvl2pPr>
-            <a:lvl3pPr marL="914400" indent="0">
-              <a:buNone/>
-              <a:defRPr sz="1000"/>
-            </a:lvl3pPr>
-            <a:lvl4pPr marL="1371600" indent="0">
-              <a:buNone/>
-              <a:defRPr sz="900"/>
-            </a:lvl4pPr>
-            <a:lvl5pPr marL="1828800" indent="0">
-              <a:buNone/>
-              <a:defRPr sz="900"/>
-            </a:lvl5pPr>
-            <a:lvl6pPr marL="2286000" indent="0">
-              <a:buNone/>
-              <a:defRPr sz="900"/>
-            </a:lvl6pPr>
-            <a:lvl7pPr marL="2743200" indent="0">
-              <a:buNone/>
-              <a:defRPr sz="900"/>
-            </a:lvl7pPr>
-            <a:lvl8pPr marL="3200400" indent="0">
-              <a:buNone/>
-              <a:defRPr sz="900"/>
-            </a:lvl8pPr>
-            <a:lvl9pPr marL="3657600" indent="0">
-              <a:buNone/>
-              <a:defRPr sz="900"/>
-            </a:lvl9pPr>
-          </a:lstStyle>
-          <a:p>
-            <a:pPr lvl="0"/>
-            <a:r>
-              <a:rPr lang="en-US"/>
-              <a:t>Click to edit Master text styles</a:t>
-            </a:r>
-          </a:p>
-        </p:txBody>
-      </p:sp>
-      <p:sp>
-        <p:nvSpPr>
-          <p:cNvPr id="8" name="Date Placeholder 7"/>
-          <p:cNvSpPr>
-            <a:spLocks noGrp="1"/>
-          </p:cNvSpPr>
-          <p:nvPr>
-            <p:ph type="dt" sz="half" idx="10"/>
-          </p:nvPr>
-        </p:nvSpPr>
-        <p:spPr>
-          <a:xfrm>
-            <a:off x="5588000" y="6035040"/>
-            <a:ext cx="1955800" cy="365760"/>
-          </a:xfrm>
-        </p:spPr>
-        <p:txBody>
-          <a:bodyPr/>
-          <a:lstStyle>
-            <a:lvl1pPr>
-              <a:defRPr>
-                <a:solidFill>
-                  <a:schemeClr val="tx1">
-                    <a:lumMod val="85000"/>
-                    <a:lumOff val="15000"/>
-                  </a:schemeClr>
-                </a:solidFill>
-              </a:defRPr>
-            </a:lvl1pPr>
-          </a:lstStyle>
-          <a:p>
-            <a:fld id="{E51BA90F-EE6C-42F5-8961-2F52EE18037D}" type="datetime1">
-              <a:rPr lang="en-US" smtClean="0"/>
-              <a:t>7/31/2020</a:t>
-            </a:fld>
-            <a:endParaRPr lang="en-US" dirty="0"/>
-          </a:p>
-        </p:txBody>
-      </p:sp>
-      <p:sp>
-        <p:nvSpPr>
-          <p:cNvPr id="9" name="Footer Placeholder 8"/>
-          <p:cNvSpPr>
-            <a:spLocks noGrp="1"/>
-          </p:cNvSpPr>
-          <p:nvPr>
-            <p:ph type="ftr" sz="quarter" idx="11"/>
-          </p:nvPr>
-        </p:nvSpPr>
-        <p:spPr>
-          <a:xfrm>
-            <a:off x="685801" y="6035040"/>
-            <a:ext cx="4584700" cy="365760"/>
-          </a:xfrm>
-        </p:spPr>
-        <p:txBody>
-          <a:bodyPr/>
-          <a:lstStyle>
-            <a:lvl1pPr algn="l">
-              <a:defRPr/>
-            </a:lvl1pPr>
-          </a:lstStyle>
-          <a:p>
-            <a:endParaRPr lang="en-US" dirty="0"/>
-          </a:p>
-        </p:txBody>
-      </p:sp>
-      <p:sp>
-        <p:nvSpPr>
-          <p:cNvPr id="11" name="Slide Number Placeholder 10"/>
-          <p:cNvSpPr>
-            <a:spLocks noGrp="1"/>
-          </p:cNvSpPr>
-          <p:nvPr>
-            <p:ph type="sldNum" sz="quarter" idx="12"/>
-          </p:nvPr>
-        </p:nvSpPr>
-        <p:spPr>
-          <a:xfrm>
-            <a:off x="10396728" y="6035040"/>
-            <a:ext cx="1223435" cy="365760"/>
-          </a:xfrm>
-        </p:spPr>
-        <p:txBody>
-          <a:bodyPr/>
-          <a:lstStyle>
-            <a:lvl1pPr>
-              <a:defRPr>
-                <a:solidFill>
-                  <a:schemeClr val="tx1">
-                    <a:lumMod val="85000"/>
-                    <a:lumOff val="15000"/>
-                  </a:schemeClr>
-                </a:solidFill>
-              </a:defRPr>
-            </a:lvl1pPr>
-          </a:lstStyle>
-          <a:p>
-            <a:fld id="{34B7E4EF-A1BD-40F4-AB7B-04F084DD991D}" type="slidenum">
-              <a:rPr lang="en-US" smtClean="0"/>
-              <a:t>‹#›</a:t>
-            </a:fld>
-            <a:endParaRPr lang="en-US" dirty="0"/>
-          </a:p>
-        </p:txBody>
-      </p:sp>
-    </p:spTree>
-    <p:extLst>
-      <p:ext uri="{BB962C8B-B14F-4D97-AF65-F5344CB8AC3E}">
-        <p14:creationId xmlns:p14="http://schemas.microsoft.com/office/powerpoint/2010/main" val="2488602163"/>
-      </p:ext>
-    </p:extLst>
-  </p:cSld>
-  <p:clrMapOvr>
-    <a:masterClrMapping/>
-  </p:clrMapOvr>
-</p:sldLayout>
-</file>
-
-<file path=ppt/slideLayouts/slideLayout9.xml><?xml version="1.0" encoding="utf-8"?>
-<p:sldLayout xmlns:a="http://schemas.openxmlformats.org/drawingml/2006/main" xmlns:r="http://schemas.openxmlformats.org/officeDocument/2006/relationships" xmlns:p="http://schemas.openxmlformats.org/presentationml/2006/main" showMasterSp="0" type="picTx" preserve="1">
-  <p:cSld name="Picture with Caption">
-    <p:spTree>
-      <p:nvGrpSpPr>
-        <p:cNvPr id="1" name=""/>
-        <p:cNvGrpSpPr/>
-        <p:nvPr/>
-      </p:nvGrpSpPr>
-      <p:grpSpPr>
-        <a:xfrm>
-          <a:off x="0" y="0"/>
-          <a:ext cx="0" cy="0"/>
-          <a:chOff x="0" y="0"/>
-          <a:chExt cx="0" cy="0"/>
-        </a:xfrm>
-      </p:grpSpPr>
-      <p:sp>
-        <p:nvSpPr>
-          <p:cNvPr id="11" name="Rectangle 10">
-            <a:extLst>
-              <a:ext uri="{FF2B5EF4-FFF2-40B4-BE49-F238E27FC236}">
-                <a16:creationId xmlns:a16="http://schemas.microsoft.com/office/drawing/2014/main" id="{E687CA98-D9C7-497F-A1DA-7D22F8753BCE}"/>
-              </a:ext>
-            </a:extLst>
-          </p:cNvPr>
-          <p:cNvSpPr/>
-          <p:nvPr/>
-        </p:nvSpPr>
-        <p:spPr>
-          <a:xfrm>
-            <a:off x="8119870" y="237744"/>
-            <a:ext cx="3826596" cy="6382512"/>
-          </a:xfrm>
-          <a:prstGeom prst="rect">
-            <a:avLst/>
-          </a:prstGeom>
-          <a:solidFill>
-            <a:schemeClr val="bg1">
-              <a:lumMod val="85000"/>
-              <a:alpha val="60000"/>
-            </a:schemeClr>
-          </a:solidFill>
-          <a:ln>
-            <a:noFill/>
-          </a:ln>
-        </p:spPr>
-        <p:style>
-          <a:lnRef idx="2">
-            <a:schemeClr val="accent1">
-              <a:shade val="50000"/>
-            </a:schemeClr>
-          </a:lnRef>
-          <a:fillRef idx="1">
-            <a:schemeClr val="accent1"/>
-          </a:fillRef>
-          <a:effectRef idx="0">
-            <a:schemeClr val="accent1"/>
-          </a:effectRef>
-          <a:fontRef idx="minor">
-            <a:schemeClr val="lt1"/>
-          </a:fontRef>
-        </p:style>
-      </p:sp>
-      <p:sp>
-        <p:nvSpPr>
-          <p:cNvPr id="3" name="Picture Placeholder 2"/>
-          <p:cNvSpPr>
-            <a:spLocks noGrp="1" noChangeAspect="1"/>
-          </p:cNvSpPr>
-          <p:nvPr>
-            <p:ph type="pic" idx="1"/>
-          </p:nvPr>
-        </p:nvSpPr>
-        <p:spPr>
-          <a:xfrm>
-            <a:off x="228599" y="237744"/>
-            <a:ext cx="7696201" cy="6382512"/>
-          </a:xfrm>
-          <a:solidFill>
-            <a:schemeClr val="accent1">
-              <a:lumMod val="60000"/>
-              <a:lumOff val="40000"/>
-            </a:schemeClr>
-          </a:solidFill>
-          <a:ln>
-            <a:noFill/>
-          </a:ln>
-        </p:spPr>
-        <p:txBody>
-          <a:bodyPr anchor="t"/>
-          <a:lstStyle>
-            <a:lvl1pPr marL="0" indent="0">
-              <a:buNone/>
-              <a:defRPr sz="3200"/>
-            </a:lvl1pPr>
-            <a:lvl2pPr marL="457200" indent="0">
-              <a:buNone/>
-              <a:defRPr sz="2800"/>
-            </a:lvl2pPr>
-            <a:lvl3pPr marL="914400" indent="0">
-              <a:buNone/>
-              <a:defRPr sz="2400"/>
-            </a:lvl3pPr>
-            <a:lvl4pPr marL="1371600" indent="0">
-              <a:buNone/>
-              <a:defRPr sz="2000"/>
-            </a:lvl4pPr>
-            <a:lvl5pPr marL="1828800" indent="0">
-              <a:buNone/>
-              <a:defRPr sz="2000"/>
-            </a:lvl5pPr>
-            <a:lvl6pPr marL="2286000" indent="0">
-              <a:buNone/>
-              <a:defRPr sz="2000"/>
-            </a:lvl6pPr>
-            <a:lvl7pPr marL="2743200" indent="0">
-              <a:buNone/>
-              <a:defRPr sz="2000"/>
-            </a:lvl7pPr>
-            <a:lvl8pPr marL="3200400" indent="0">
-              <a:buNone/>
-              <a:defRPr sz="2000"/>
-            </a:lvl8pPr>
-            <a:lvl9pPr marL="3657600" indent="0">
-              <a:buNone/>
-              <a:defRPr sz="2000"/>
-            </a:lvl9pPr>
-          </a:lstStyle>
-          <a:p>
-            <a:r>
-              <a:rPr lang="en-US"/>
-              <a:t>Click icon to add picture</a:t>
-            </a:r>
-            <a:endParaRPr lang="en-US" dirty="0"/>
-          </a:p>
-        </p:txBody>
-      </p:sp>
-      <p:sp>
-        <p:nvSpPr>
-          <p:cNvPr id="5" name="Date Placeholder 4"/>
-          <p:cNvSpPr>
-            <a:spLocks noGrp="1"/>
-          </p:cNvSpPr>
-          <p:nvPr>
-            <p:ph type="dt" sz="half" idx="10"/>
-          </p:nvPr>
-        </p:nvSpPr>
-        <p:spPr>
-          <a:xfrm>
-            <a:off x="5662337" y="6035040"/>
-            <a:ext cx="2071963" cy="365760"/>
-          </a:xfrm>
-        </p:spPr>
-        <p:txBody>
-          <a:bodyPr/>
-          <a:lstStyle>
-            <a:lvl1pPr>
-              <a:defRPr b="1">
-                <a:solidFill>
-                  <a:srgbClr val="FFFFFF"/>
-                </a:solidFill>
-                <a:effectLst>
-                  <a:outerShdw blurRad="19050" dist="6350" dir="2700000" algn="tl" rotWithShape="0">
-                    <a:prstClr val="black">
-                      <a:alpha val="40000"/>
-                    </a:prstClr>
-                  </a:outerShdw>
-                </a:effectLst>
-              </a:defRPr>
-            </a:lvl1pPr>
-          </a:lstStyle>
-          <a:p>
-            <a:fld id="{FB6292F5-AD2B-47F4-B460-BF55BF34C27D}" type="datetime1">
-              <a:rPr lang="en-US" smtClean="0"/>
-              <a:t>7/31/2020</a:t>
-            </a:fld>
-            <a:endParaRPr lang="en-US" dirty="0"/>
-          </a:p>
-        </p:txBody>
-      </p:sp>
-      <p:sp>
-        <p:nvSpPr>
-          <p:cNvPr id="6" name="Footer Placeholder 5"/>
-          <p:cNvSpPr>
-            <a:spLocks noGrp="1"/>
-          </p:cNvSpPr>
-          <p:nvPr>
-            <p:ph type="ftr" sz="quarter" idx="11"/>
-          </p:nvPr>
-        </p:nvSpPr>
-        <p:spPr>
-          <a:xfrm>
-            <a:off x="612648" y="6035040"/>
-            <a:ext cx="4588002" cy="365760"/>
-          </a:xfrm>
-        </p:spPr>
-        <p:txBody>
-          <a:bodyPr/>
-          <a:lstStyle>
-            <a:lvl1pPr marL="0" algn="r" defTabSz="914400" rtl="0" eaLnBrk="1" latinLnBrk="0" hangingPunct="1">
-              <a:defRPr lang="en-US" sz="1000" b="1" kern="1200" dirty="0">
-                <a:solidFill>
-                  <a:srgbClr val="FFFFFF"/>
-                </a:solidFill>
-                <a:effectLst>
-                  <a:outerShdw blurRad="19050" dist="6350" dir="2700000" algn="tl" rotWithShape="0">
-                    <a:prstClr val="black">
-                      <a:alpha val="40000"/>
-                    </a:prstClr>
-                  </a:outerShdw>
-                </a:effectLst>
-                <a:latin typeface="+mn-lt"/>
-                <a:ea typeface="+mn-ea"/>
-                <a:cs typeface="+mn-cs"/>
-              </a:defRPr>
-            </a:lvl1pPr>
-          </a:lstStyle>
-          <a:p>
-            <a:pPr algn="l"/>
-            <a:endParaRPr lang="en-US" dirty="0"/>
-          </a:p>
-        </p:txBody>
-      </p:sp>
-      <p:sp>
-        <p:nvSpPr>
-          <p:cNvPr id="7" name="Slide Number Placeholder 6"/>
-          <p:cNvSpPr>
-            <a:spLocks noGrp="1"/>
-          </p:cNvSpPr>
-          <p:nvPr>
-            <p:ph type="sldNum" sz="quarter" idx="12"/>
-          </p:nvPr>
-        </p:nvSpPr>
-        <p:spPr>
-          <a:xfrm>
-            <a:off x="10396728" y="6035040"/>
-            <a:ext cx="1225296" cy="365760"/>
-          </a:xfrm>
-        </p:spPr>
-        <p:txBody>
-          <a:bodyPr/>
-          <a:lstStyle/>
-          <a:p>
-            <a:fld id="{34B7E4EF-A1BD-40F4-AB7B-04F084DD991D}" type="slidenum">
-              <a:rPr lang="en-US" smtClean="0"/>
-              <a:t>‹#›</a:t>
-            </a:fld>
-            <a:endParaRPr lang="en-US" dirty="0"/>
-          </a:p>
-        </p:txBody>
-      </p:sp>
-      <p:sp>
-        <p:nvSpPr>
-          <p:cNvPr id="12" name="Rectangle 11">
-            <a:extLst>
-              <a:ext uri="{FF2B5EF4-FFF2-40B4-BE49-F238E27FC236}">
-                <a16:creationId xmlns:a16="http://schemas.microsoft.com/office/drawing/2014/main" id="{F8B3D8CC-BB13-41A5-8F34-B8E84A4F9534}"/>
-              </a:ext>
-            </a:extLst>
-          </p:cNvPr>
-          <p:cNvSpPr/>
-          <p:nvPr/>
-        </p:nvSpPr>
-        <p:spPr>
-          <a:xfrm>
-            <a:off x="8254660" y="374904"/>
-            <a:ext cx="3557016" cy="6108192"/>
-          </a:xfrm>
-          <a:prstGeom prst="rect">
-            <a:avLst/>
-          </a:prstGeom>
-          <a:noFill/>
-          <a:ln w="6350" cap="sq">
-            <a:solidFill>
-              <a:schemeClr val="tx1">
-                <a:lumMod val="75000"/>
-                <a:lumOff val="25000"/>
-              </a:schemeClr>
-            </a:solidFill>
-            <a:miter lim="800000"/>
-          </a:ln>
-        </p:spPr>
-        <p:style>
-          <a:lnRef idx="2">
-            <a:schemeClr val="accent1">
-              <a:shade val="50000"/>
-            </a:schemeClr>
-          </a:lnRef>
-          <a:fillRef idx="1">
-            <a:schemeClr val="accent1"/>
-          </a:fillRef>
-          <a:effectRef idx="0">
-            <a:schemeClr val="accent1"/>
-          </a:effectRef>
-          <a:fontRef idx="minor">
-            <a:schemeClr val="lt1"/>
-          </a:fontRef>
-        </p:style>
-      </p:sp>
-      <p:sp>
-        <p:nvSpPr>
-          <p:cNvPr id="2" name="Title 1"/>
-          <p:cNvSpPr>
-            <a:spLocks noGrp="1"/>
-          </p:cNvSpPr>
-          <p:nvPr>
-            <p:ph type="title"/>
-          </p:nvPr>
-        </p:nvSpPr>
-        <p:spPr>
-          <a:xfrm>
-            <a:off x="8477250" y="603504"/>
-            <a:ext cx="3144774" cy="1645920"/>
-          </a:xfrm>
-        </p:spPr>
-        <p:txBody>
-          <a:bodyPr anchor="b">
-            <a:noAutofit/>
-          </a:bodyPr>
-          <a:lstStyle>
-            <a:lvl1pPr algn="l">
-              <a:lnSpc>
-                <a:spcPct val="100000"/>
-              </a:lnSpc>
-              <a:defRPr sz="3200" b="0">
-                <a:solidFill>
-                  <a:schemeClr val="tx1"/>
-                </a:solidFill>
-                <a:latin typeface="+mj-lt"/>
-              </a:defRPr>
-            </a:lvl1pPr>
-          </a:lstStyle>
-          <a:p>
-            <a:r>
-              <a:rPr lang="en-US"/>
-              <a:t>Click to edit Master title style</a:t>
-            </a:r>
-            <a:endParaRPr lang="en-US" dirty="0"/>
-          </a:p>
-        </p:txBody>
-      </p:sp>
-      <p:sp>
-        <p:nvSpPr>
-          <p:cNvPr id="4" name="Text Placeholder 3"/>
-          <p:cNvSpPr>
-            <a:spLocks noGrp="1"/>
-          </p:cNvSpPr>
-          <p:nvPr>
-            <p:ph type="body" sz="half" idx="2"/>
-          </p:nvPr>
-        </p:nvSpPr>
-        <p:spPr>
-          <a:xfrm>
-            <a:off x="8477250" y="2386584"/>
-            <a:ext cx="3144774" cy="3511296"/>
-          </a:xfrm>
-        </p:spPr>
-        <p:txBody>
-          <a:bodyPr>
-            <a:normAutofit/>
-          </a:bodyPr>
-          <a:lstStyle>
-            <a:lvl1pPr marL="0" indent="0" algn="l">
-              <a:lnSpc>
-                <a:spcPct val="110000"/>
-              </a:lnSpc>
-              <a:spcBef>
-                <a:spcPts val="800"/>
-              </a:spcBef>
-              <a:buNone/>
-              <a:defRPr sz="1800">
-                <a:solidFill>
-                  <a:schemeClr val="tx1"/>
-                </a:solidFill>
-              </a:defRPr>
-            </a:lvl1pPr>
-            <a:lvl2pPr marL="457200" indent="0">
-              <a:buNone/>
-              <a:defRPr sz="1200"/>
-            </a:lvl2pPr>
-            <a:lvl3pPr marL="914400" indent="0">
-              <a:buNone/>
-              <a:defRPr sz="1000"/>
-            </a:lvl3pPr>
-            <a:lvl4pPr marL="1371600" indent="0">
-              <a:buNone/>
-              <a:defRPr sz="900"/>
-            </a:lvl4pPr>
-            <a:lvl5pPr marL="1828800" indent="0">
-              <a:buNone/>
-              <a:defRPr sz="900"/>
-            </a:lvl5pPr>
-            <a:lvl6pPr marL="2286000" indent="0">
-              <a:buNone/>
-              <a:defRPr sz="900"/>
-            </a:lvl6pPr>
-            <a:lvl7pPr marL="2743200" indent="0">
-              <a:buNone/>
-              <a:defRPr sz="900"/>
-            </a:lvl7pPr>
-            <a:lvl8pPr marL="3200400" indent="0">
-              <a:buNone/>
-              <a:defRPr sz="900"/>
-            </a:lvl8pPr>
-            <a:lvl9pPr marL="3657600" indent="0">
-              <a:buNone/>
-              <a:defRPr sz="900"/>
-            </a:lvl9pPr>
-          </a:lstStyle>
-          <a:p>
-            <a:pPr lvl="0"/>
-            <a:r>
-              <a:rPr lang="en-US"/>
-              <a:t>Click to edit Master text styles</a:t>
-            </a:r>
-          </a:p>
-        </p:txBody>
-      </p:sp>
-    </p:spTree>
-    <p:extLst>
-      <p:ext uri="{BB962C8B-B14F-4D97-AF65-F5344CB8AC3E}">
-        <p14:creationId xmlns:p14="http://schemas.microsoft.com/office/powerpoint/2010/main" val="2678223080"/>
+        <p14:creationId xmlns:p14="http://schemas.microsoft.com/office/powerpoint/2010/main" val="2153708790"/>
       </p:ext>
     </p:extLst>
   </p:cSld>
@@ -5836,7 +3904,7 @@
         </p:nvSpPr>
         <p:spPr>
           <a:xfrm>
-            <a:off x="234696" y="237744"/>
+            <a:off x="234696" y="221118"/>
             <a:ext cx="11722608" cy="6382512"/>
           </a:xfrm>
           <a:prstGeom prst="rect">
@@ -5898,7 +3966,7 @@
         <p:spPr>
           <a:xfrm>
             <a:off x="1066800" y="642594"/>
-            <a:ext cx="10058400" cy="1371600"/>
+            <a:ext cx="10058400" cy="1289304"/>
           </a:xfrm>
           <a:prstGeom prst="rect">
             <a:avLst/>
@@ -5930,8 +3998,8 @@
         </p:nvSpPr>
         <p:spPr>
           <a:xfrm>
-            <a:off x="1066800" y="2103120"/>
-            <a:ext cx="10058400" cy="3849624"/>
+            <a:off x="1066800" y="2014194"/>
+            <a:ext cx="10058400" cy="3788921"/>
           </a:xfrm>
           <a:prstGeom prst="rect">
             <a:avLst/>
@@ -5982,18 +4050,60 @@
       </p:sp>
       <p:sp>
         <p:nvSpPr>
-          <p:cNvPr id="4" name="Date Placeholder 3"/>
-          <p:cNvSpPr>
-            <a:spLocks noGrp="1"/>
-          </p:cNvSpPr>
-          <p:nvPr>
-            <p:ph type="dt" sz="half" idx="2"/>
+          <p:cNvPr id="5" name="Footer Placeholder 4"/>
+          <p:cNvSpPr>
+            <a:spLocks noGrp="1"/>
+          </p:cNvSpPr>
+          <p:nvPr>
+            <p:ph type="ftr" sz="quarter" idx="3"/>
           </p:nvPr>
         </p:nvSpPr>
         <p:spPr>
           <a:xfrm>
-            <a:off x="7256794" y="6035040"/>
-            <a:ext cx="2893045" cy="365760"/>
+            <a:off x="1066799" y="5885411"/>
+            <a:ext cx="10058400" cy="515389"/>
+          </a:xfrm>
+          <a:prstGeom prst="rect">
+            <a:avLst/>
+          </a:prstGeom>
+        </p:spPr>
+        <p:txBody>
+          <a:bodyPr vert="horz" lIns="91440" tIns="45720" rIns="91440" bIns="45720" rtlCol="0" anchor="b"/>
+          <a:lstStyle>
+            <a:lvl1pPr algn="r">
+              <a:defRPr sz="1400" b="1">
+                <a:solidFill>
+                  <a:schemeClr val="tx1">
+                    <a:lumMod val="85000"/>
+                    <a:lumOff val="15000"/>
+                  </a:schemeClr>
+                </a:solidFill>
+              </a:defRPr>
+            </a:lvl1pPr>
+          </a:lstStyle>
+          <a:p>
+            <a:r>
+              <a:rPr lang="en-US"/>
+              <a:t>Source </a:t>
+            </a:r>
+            <a:endParaRPr lang="en-US" dirty="0"/>
+          </a:p>
+        </p:txBody>
+      </p:sp>
+      <p:sp>
+        <p:nvSpPr>
+          <p:cNvPr id="6" name="Slide Number Placeholder 5"/>
+          <p:cNvSpPr>
+            <a:spLocks noGrp="1"/>
+          </p:cNvSpPr>
+          <p:nvPr>
+            <p:ph type="sldNum" sz="quarter" idx="4"/>
+          </p:nvPr>
+        </p:nvSpPr>
+        <p:spPr>
+          <a:xfrm>
+            <a:off x="11125200" y="5885411"/>
+            <a:ext cx="694944" cy="515389"/>
           </a:xfrm>
           <a:prstGeom prst="rect">
             <a:avLst/>
@@ -6014,86 +4124,6 @@
             </a:lvl1pPr>
           </a:lstStyle>
           <a:p>
-            <a:fld id="{8B88B800-945A-43B0-8EA5-8657D67FD7E1}" type="datetime1">
-              <a:rPr lang="en-US" smtClean="0"/>
-              <a:t>7/31/2020</a:t>
-            </a:fld>
-            <a:endParaRPr lang="en-US" dirty="0"/>
-          </a:p>
-        </p:txBody>
-      </p:sp>
-      <p:sp>
-        <p:nvSpPr>
-          <p:cNvPr id="5" name="Footer Placeholder 4"/>
-          <p:cNvSpPr>
-            <a:spLocks noGrp="1"/>
-          </p:cNvSpPr>
-          <p:nvPr>
-            <p:ph type="ftr" sz="quarter" idx="3"/>
-          </p:nvPr>
-        </p:nvSpPr>
-        <p:spPr>
-          <a:xfrm>
-            <a:off x="1066800" y="6035040"/>
-            <a:ext cx="5816600" cy="365760"/>
-          </a:xfrm>
-          <a:prstGeom prst="rect">
-            <a:avLst/>
-          </a:prstGeom>
-        </p:spPr>
-        <p:txBody>
-          <a:bodyPr vert="horz" lIns="91440" tIns="45720" rIns="91440" bIns="45720" rtlCol="0" anchor="b"/>
-          <a:lstStyle>
-            <a:lvl1pPr algn="l">
-              <a:defRPr sz="800">
-                <a:solidFill>
-                  <a:schemeClr val="tx1">
-                    <a:lumMod val="85000"/>
-                    <a:lumOff val="15000"/>
-                  </a:schemeClr>
-                </a:solidFill>
-              </a:defRPr>
-            </a:lvl1pPr>
-          </a:lstStyle>
-          <a:p>
-            <a:endParaRPr lang="en-US" dirty="0"/>
-          </a:p>
-        </p:txBody>
-      </p:sp>
-      <p:sp>
-        <p:nvSpPr>
-          <p:cNvPr id="6" name="Slide Number Placeholder 5"/>
-          <p:cNvSpPr>
-            <a:spLocks noGrp="1"/>
-          </p:cNvSpPr>
-          <p:nvPr>
-            <p:ph type="sldNum" sz="quarter" idx="4"/>
-          </p:nvPr>
-        </p:nvSpPr>
-        <p:spPr>
-          <a:xfrm>
-            <a:off x="10287000" y="6035040"/>
-            <a:ext cx="838200" cy="365760"/>
-          </a:xfrm>
-          <a:prstGeom prst="rect">
-            <a:avLst/>
-          </a:prstGeom>
-        </p:spPr>
-        <p:txBody>
-          <a:bodyPr vert="horz" lIns="91440" tIns="45720" rIns="91440" bIns="45720" rtlCol="0" anchor="b"/>
-          <a:lstStyle>
-            <a:lvl1pPr algn="r">
-              <a:defRPr sz="800">
-                <a:solidFill>
-                  <a:schemeClr val="tx1">
-                    <a:lumMod val="75000"/>
-                    <a:lumOff val="25000"/>
-                  </a:schemeClr>
-                </a:solidFill>
-              </a:defRPr>
-            </a:lvl1pPr>
-          </a:lstStyle>
-          <a:p>
             <a:fld id="{34B7E4EF-A1BD-40F4-AB7B-04F084DD991D}" type="slidenum">
               <a:rPr lang="en-US" smtClean="0"/>
               <a:t>‹#›</a:t>
@@ -6112,16 +4142,10 @@
   <p:clrMap bg1="lt1" tx1="dk1" bg2="lt2" tx2="dk2" accent1="accent1" accent2="accent2" accent3="accent3" accent4="accent4" accent5="accent5" accent6="accent6" hlink="hlink" folHlink="folHlink"/>
   <p:sldLayoutIdLst>
     <p:sldLayoutId id="2147483667" r:id="rId1"/>
-    <p:sldLayoutId id="2147483668" r:id="rId2"/>
-    <p:sldLayoutId id="2147483669" r:id="rId3"/>
-    <p:sldLayoutId id="2147483670" r:id="rId4"/>
-    <p:sldLayoutId id="2147483665" r:id="rId5"/>
-    <p:sldLayoutId id="2147483671" r:id="rId6"/>
-    <p:sldLayoutId id="2147483672" r:id="rId7"/>
-    <p:sldLayoutId id="2147483662" r:id="rId8"/>
-    <p:sldLayoutId id="2147483663" r:id="rId9"/>
+    <p:sldLayoutId id="2147483669" r:id="rId2"/>
+    <p:sldLayoutId id="2147483668" r:id="rId3"/>
   </p:sldLayoutIdLst>
-  <p:hf hdr="0" ftr="0" dt="0"/>
+  <p:hf hdr="0" dt="0"/>
   <p:txStyles>
     <p:titleStyle>
       <a:lvl1pPr algn="l" defTabSz="914400" rtl="0" eaLnBrk="1" latinLnBrk="0" hangingPunct="1">
@@ -6650,7 +4674,7 @@
               </a:rPr>
               <a:t>HTML Review</a:t>
             </a:r>
-            <a:endParaRPr lang="en-US" sz="4400" cap="none" dirty="0">
+            <a:endParaRPr lang="en-US" sz="4400" b="1" cap="none" dirty="0">
               <a:solidFill>
                 <a:schemeClr val="tx1"/>
               </a:solidFill>
@@ -7006,46 +5030,25 @@
       </p:sp>
       <p:sp>
         <p:nvSpPr>
-          <p:cNvPr id="4" name="Rectangle 3"/>
-          <p:cNvSpPr/>
-          <p:nvPr/>
-        </p:nvSpPr>
-        <p:spPr>
-          <a:xfrm>
-            <a:off x="983810" y="5754469"/>
-            <a:ext cx="10141390" cy="646331"/>
-          </a:xfrm>
-          <a:prstGeom prst="rect">
-            <a:avLst/>
-          </a:prstGeom>
-        </p:spPr>
-        <p:txBody>
-          <a:bodyPr wrap="square">
-            <a:spAutoFit/>
-          </a:bodyPr>
-          <a:lstStyle/>
-          <a:p>
-            <a:r>
-              <a:rPr lang="en-US" b="1" dirty="0"/>
-              <a:t>Source</a:t>
-            </a:r>
-          </a:p>
-          <a:p>
-            <a:r>
-              <a:rPr lang="en-US" dirty="0">
-                <a:solidFill>
-                  <a:srgbClr val="00B0F0"/>
-                </a:solidFill>
-                <a:hlinkClick r:id="rId3">
-                  <a:extLst>
-                    <a:ext uri="{A12FA001-AC4F-418D-AE19-62706E023703}">
-                      <ahyp:hlinkClr xmlns:ahyp="http://schemas.microsoft.com/office/drawing/2018/hyperlinkcolor" val="tx"/>
-                    </a:ext>
-                  </a:extLst>
-                </a:hlinkClick>
-              </a:rPr>
-              <a:t>https://developer.mozilla.org/en-US/docs/Web/HTML/Element</a:t>
-            </a:r>
+          <p:cNvPr id="6" name="Footer Placeholder 5">
+            <a:extLst>
+              <a:ext uri="{FF2B5EF4-FFF2-40B4-BE49-F238E27FC236}">
+                <a16:creationId xmlns:a16="http://schemas.microsoft.com/office/drawing/2014/main" id="{82EAFAFE-CA6B-49AD-B119-700476C1593D}"/>
+              </a:ext>
+            </a:extLst>
+          </p:cNvPr>
+          <p:cNvSpPr>
+            <a:spLocks noGrp="1"/>
+          </p:cNvSpPr>
+          <p:nvPr>
+            <p:ph type="ftr" sz="quarter" idx="11"/>
+          </p:nvPr>
+        </p:nvSpPr>
+        <p:spPr/>
+        <p:txBody>
+          <a:bodyPr/>
+          <a:lstStyle/>
+          <a:p>
             <a:r>
               <a:rPr lang="en-US">
                 <a:solidFill>
@@ -7059,7 +5062,7 @@
                   </a:extLst>
                 </a:hlinkClick>
               </a:rPr>
-              <a:t>/title</a:t>
+              <a:t>https://developer.mozilla.org/en-US/docs/Web/HTML/Element/title</a:t>
             </a:r>
             <a:endParaRPr lang="en-US">
               <a:solidFill>
@@ -7312,40 +5315,25 @@
       </p:sp>
       <p:sp>
         <p:nvSpPr>
-          <p:cNvPr id="4" name="Rectangle 3"/>
-          <p:cNvSpPr/>
-          <p:nvPr/>
-        </p:nvSpPr>
-        <p:spPr>
-          <a:xfrm>
-            <a:off x="1066799" y="5754469"/>
-            <a:ext cx="10058399" cy="646331"/>
-          </a:xfrm>
-          <a:prstGeom prst="rect">
-            <a:avLst/>
-          </a:prstGeom>
-        </p:spPr>
-        <p:txBody>
-          <a:bodyPr wrap="square">
-            <a:spAutoFit/>
-          </a:bodyPr>
-          <a:lstStyle/>
-          <a:p>
-            <a:r>
-              <a:rPr lang="en-US" b="1" dirty="0"/>
-              <a:t>Source</a:t>
-            </a:r>
-          </a:p>
-          <a:p>
-            <a:r>
-              <a:rPr lang="en-US" dirty="0">
-                <a:solidFill>
-                  <a:srgbClr val="00B0F0"/>
-                </a:solidFill>
-                <a:hlinkClick r:id="rId3"/>
-              </a:rPr>
-              <a:t>https://developer.mozilla.org/en-US/docs/Web/HTML/Element</a:t>
-            </a:r>
+          <p:cNvPr id="6" name="Footer Placeholder 5">
+            <a:extLst>
+              <a:ext uri="{FF2B5EF4-FFF2-40B4-BE49-F238E27FC236}">
+                <a16:creationId xmlns:a16="http://schemas.microsoft.com/office/drawing/2014/main" id="{3A4D8DD3-3944-49A1-8C26-3E94080F36C7}"/>
+              </a:ext>
+            </a:extLst>
+          </p:cNvPr>
+          <p:cNvSpPr>
+            <a:spLocks noGrp="1"/>
+          </p:cNvSpPr>
+          <p:nvPr>
+            <p:ph type="ftr" sz="quarter" idx="11"/>
+          </p:nvPr>
+        </p:nvSpPr>
+        <p:spPr/>
+        <p:txBody>
+          <a:bodyPr/>
+          <a:lstStyle/>
+          <a:p>
             <a:r>
               <a:rPr lang="en-US">
                 <a:solidFill>
@@ -7353,7 +5341,7 @@
                 </a:solidFill>
                 <a:hlinkClick r:id="rId3"/>
               </a:rPr>
-              <a:t>/link</a:t>
+              <a:t>https://developer.mozilla.org/en-US/docs/Web/HTML/Element/link</a:t>
             </a:r>
             <a:endParaRPr lang="en-US">
               <a:solidFill>
@@ -7771,56 +5759,6 @@
               <a:t>13</a:t>
             </a:fld>
             <a:endParaRPr lang="en-US" dirty="0"/>
-          </a:p>
-        </p:txBody>
-      </p:sp>
-      <p:sp>
-        <p:nvSpPr>
-          <p:cNvPr id="4" name="Rectangle 3"/>
-          <p:cNvSpPr/>
-          <p:nvPr/>
-        </p:nvSpPr>
-        <p:spPr>
-          <a:xfrm>
-            <a:off x="1066800" y="5923018"/>
-            <a:ext cx="10058400" cy="584775"/>
-          </a:xfrm>
-          <a:prstGeom prst="rect">
-            <a:avLst/>
-          </a:prstGeom>
-        </p:spPr>
-        <p:txBody>
-          <a:bodyPr wrap="square">
-            <a:spAutoFit/>
-          </a:bodyPr>
-          <a:lstStyle/>
-          <a:p>
-            <a:r>
-              <a:rPr lang="en-US" sz="1600" b="1" dirty="0"/>
-              <a:t>Source</a:t>
-            </a:r>
-          </a:p>
-          <a:p>
-            <a:r>
-              <a:rPr lang="en-US" sz="1600">
-                <a:solidFill>
-                  <a:srgbClr val="00B0F0"/>
-                </a:solidFill>
-                <a:hlinkClick r:id="rId10">
-                  <a:extLst>
-                    <a:ext uri="{A12FA001-AC4F-418D-AE19-62706E023703}">
-                      <ahyp:hlinkClr xmlns:ahyp="http://schemas.microsoft.com/office/drawing/2018/hyperlinkcolor" val="tx"/>
-                    </a:ext>
-                  </a:extLst>
-                </a:hlinkClick>
-              </a:rPr>
-              <a:t>https://developer.mozilla.org/en-US/docs/Web/HTML/Element#Content_sectioning</a:t>
-            </a:r>
-            <a:endParaRPr lang="en-US" sz="1600" dirty="0">
-              <a:solidFill>
-                <a:srgbClr val="00B0F0"/>
-              </a:solidFill>
-            </a:endParaRPr>
           </a:p>
         </p:txBody>
       </p:sp>
@@ -8347,6 +6285,50 @@
           </a:graphicData>
         </a:graphic>
       </p:graphicFrame>
+      <p:sp>
+        <p:nvSpPr>
+          <p:cNvPr id="6" name="Footer Placeholder 5">
+            <a:extLst>
+              <a:ext uri="{FF2B5EF4-FFF2-40B4-BE49-F238E27FC236}">
+                <a16:creationId xmlns:a16="http://schemas.microsoft.com/office/drawing/2014/main" id="{438B72B3-D782-4EC2-AE43-C7D55B2FFC47}"/>
+              </a:ext>
+            </a:extLst>
+          </p:cNvPr>
+          <p:cNvSpPr>
+            <a:spLocks noGrp="1"/>
+          </p:cNvSpPr>
+          <p:nvPr>
+            <p:ph type="ftr" sz="quarter" idx="11"/>
+          </p:nvPr>
+        </p:nvSpPr>
+        <p:spPr/>
+        <p:txBody>
+          <a:bodyPr/>
+          <a:lstStyle/>
+          <a:p>
+            <a:r>
+              <a:rPr lang="en-US" sz="1400">
+                <a:solidFill>
+                  <a:srgbClr val="00B0F0"/>
+                </a:solidFill>
+                <a:hlinkClick r:id="rId10">
+                  <a:extLst>
+                    <a:ext uri="{A12FA001-AC4F-418D-AE19-62706E023703}">
+                      <ahyp:hlinkClr xmlns:ahyp="http://schemas.microsoft.com/office/drawing/2018/hyperlinkcolor" val="tx"/>
+                    </a:ext>
+                  </a:extLst>
+                </a:hlinkClick>
+              </a:rPr>
+              <a:t>https://developer.mozilla.org/en-US/docs/Web/HTML/Element#Content_sectioning</a:t>
+            </a:r>
+            <a:endParaRPr lang="en-US" sz="1400" dirty="0">
+              <a:solidFill>
+                <a:srgbClr val="00B0F0"/>
+              </a:solidFill>
+            </a:endParaRPr>
+          </a:p>
+        </p:txBody>
+      </p:sp>
     </p:spTree>
     <p:extLst>
       <p:ext uri="{BB962C8B-B14F-4D97-AF65-F5344CB8AC3E}">
@@ -8559,46 +6541,25 @@
       </p:sp>
       <p:sp>
         <p:nvSpPr>
-          <p:cNvPr id="4" name="Rectangle 3"/>
-          <p:cNvSpPr/>
-          <p:nvPr/>
-        </p:nvSpPr>
-        <p:spPr>
-          <a:xfrm>
-            <a:off x="1066800" y="5754469"/>
-            <a:ext cx="10058400" cy="646331"/>
-          </a:xfrm>
-          <a:prstGeom prst="rect">
-            <a:avLst/>
-          </a:prstGeom>
-        </p:spPr>
-        <p:txBody>
-          <a:bodyPr wrap="square">
-            <a:spAutoFit/>
-          </a:bodyPr>
-          <a:lstStyle/>
-          <a:p>
-            <a:r>
-              <a:rPr lang="en-US" b="1" dirty="0"/>
-              <a:t>Source</a:t>
-            </a:r>
-          </a:p>
-          <a:p>
-            <a:r>
-              <a:rPr lang="en-US" dirty="0">
-                <a:solidFill>
-                  <a:srgbClr val="00B0F0"/>
-                </a:solidFill>
-                <a:hlinkClick r:id="rId3">
-                  <a:extLst>
-                    <a:ext uri="{A12FA001-AC4F-418D-AE19-62706E023703}">
-                      <ahyp:hlinkClr xmlns:ahyp="http://schemas.microsoft.com/office/drawing/2018/hyperlinkcolor" val="tx"/>
-                    </a:ext>
-                  </a:extLst>
-                </a:hlinkClick>
-              </a:rPr>
-              <a:t>https://developer.mozilla.org/en-US/docs/Web/HTML/Element</a:t>
-            </a:r>
+          <p:cNvPr id="6" name="Footer Placeholder 5">
+            <a:extLst>
+              <a:ext uri="{FF2B5EF4-FFF2-40B4-BE49-F238E27FC236}">
+                <a16:creationId xmlns:a16="http://schemas.microsoft.com/office/drawing/2014/main" id="{AE1B5310-10D1-4C80-8CCC-61838296A08F}"/>
+              </a:ext>
+            </a:extLst>
+          </p:cNvPr>
+          <p:cNvSpPr>
+            <a:spLocks noGrp="1"/>
+          </p:cNvSpPr>
+          <p:nvPr>
+            <p:ph type="ftr" sz="quarter" idx="11"/>
+          </p:nvPr>
+        </p:nvSpPr>
+        <p:spPr/>
+        <p:txBody>
+          <a:bodyPr/>
+          <a:lstStyle/>
+          <a:p>
             <a:r>
               <a:rPr lang="en-US">
                 <a:solidFill>
@@ -8612,7 +6573,7 @@
                   </a:extLst>
                 </a:hlinkClick>
               </a:rPr>
-              <a:t>/div</a:t>
+              <a:t>https://developer.mozilla.org/en-US/docs/Web/HTML/Element/div</a:t>
             </a:r>
             <a:endParaRPr lang="en-US">
               <a:solidFill>
@@ -8803,46 +6764,25 @@
       </p:sp>
       <p:sp>
         <p:nvSpPr>
-          <p:cNvPr id="4" name="Rectangle 3"/>
-          <p:cNvSpPr/>
-          <p:nvPr/>
-        </p:nvSpPr>
-        <p:spPr>
-          <a:xfrm>
-            <a:off x="1066799" y="5753741"/>
-            <a:ext cx="10058399" cy="646331"/>
-          </a:xfrm>
-          <a:prstGeom prst="rect">
-            <a:avLst/>
-          </a:prstGeom>
-        </p:spPr>
-        <p:txBody>
-          <a:bodyPr wrap="square">
-            <a:spAutoFit/>
-          </a:bodyPr>
-          <a:lstStyle/>
-          <a:p>
-            <a:r>
-              <a:rPr lang="en-US" b="1" dirty="0"/>
-              <a:t>Source</a:t>
-            </a:r>
-          </a:p>
-          <a:p>
-            <a:r>
-              <a:rPr lang="en-US" dirty="0">
-                <a:solidFill>
-                  <a:srgbClr val="00B0F0"/>
-                </a:solidFill>
-                <a:hlinkClick r:id="rId3">
-                  <a:extLst>
-                    <a:ext uri="{A12FA001-AC4F-418D-AE19-62706E023703}">
-                      <ahyp:hlinkClr xmlns:ahyp="http://schemas.microsoft.com/office/drawing/2018/hyperlinkcolor" val="tx"/>
-                    </a:ext>
-                  </a:extLst>
-                </a:hlinkClick>
-              </a:rPr>
-              <a:t>https://developer.mozilla.org/en-US/docs/Web/HTML/Element</a:t>
-            </a:r>
+          <p:cNvPr id="6" name="Footer Placeholder 5">
+            <a:extLst>
+              <a:ext uri="{FF2B5EF4-FFF2-40B4-BE49-F238E27FC236}">
+                <a16:creationId xmlns:a16="http://schemas.microsoft.com/office/drawing/2014/main" id="{1588B3FF-1AB8-48E5-9794-85EC55ED9C45}"/>
+              </a:ext>
+            </a:extLst>
+          </p:cNvPr>
+          <p:cNvSpPr>
+            <a:spLocks noGrp="1"/>
+          </p:cNvSpPr>
+          <p:nvPr>
+            <p:ph type="ftr" sz="quarter" idx="11"/>
+          </p:nvPr>
+        </p:nvSpPr>
+        <p:spPr/>
+        <p:txBody>
+          <a:bodyPr/>
+          <a:lstStyle/>
+          <a:p>
             <a:r>
               <a:rPr lang="en-US">
                 <a:solidFill>
@@ -8856,7 +6796,7 @@
                   </a:extLst>
                 </a:hlinkClick>
               </a:rPr>
-              <a:t>/span</a:t>
+              <a:t>https://developer.mozilla.org/en-US/docs/Web/HTML/Element/span</a:t>
             </a:r>
             <a:endParaRPr lang="en-US">
               <a:solidFill>
@@ -9081,36 +7021,24 @@
       </p:sp>
       <p:sp>
         <p:nvSpPr>
-          <p:cNvPr id="6" name="Rectangle 5">
+          <p:cNvPr id="4" name="Footer Placeholder 3">
             <a:extLst>
               <a:ext uri="{FF2B5EF4-FFF2-40B4-BE49-F238E27FC236}">
-                <a16:creationId xmlns:a16="http://schemas.microsoft.com/office/drawing/2014/main" id="{9B0CA9D6-D2B3-4227-894C-B365F259EA79}"/>
+                <a16:creationId xmlns:a16="http://schemas.microsoft.com/office/drawing/2014/main" id="{D7E513A0-E919-4AE6-BFCA-82731BC417F8}"/>
               </a:ext>
             </a:extLst>
           </p:cNvPr>
-          <p:cNvSpPr/>
-          <p:nvPr/>
-        </p:nvSpPr>
-        <p:spPr>
-          <a:xfrm>
-            <a:off x="1066799" y="5753741"/>
-            <a:ext cx="10058399" cy="646331"/>
-          </a:xfrm>
-          <a:prstGeom prst="rect">
-            <a:avLst/>
-          </a:prstGeom>
-        </p:spPr>
-        <p:txBody>
-          <a:bodyPr wrap="square">
-            <a:spAutoFit/>
-          </a:bodyPr>
-          <a:lstStyle/>
-          <a:p>
-            <a:r>
-              <a:rPr lang="en-US" b="1" dirty="0"/>
-              <a:t>Source</a:t>
-            </a:r>
-          </a:p>
+          <p:cNvSpPr>
+            <a:spLocks noGrp="1"/>
+          </p:cNvSpPr>
+          <p:nvPr>
+            <p:ph type="ftr" sz="quarter" idx="11"/>
+          </p:nvPr>
+        </p:nvSpPr>
+        <p:spPr/>
+        <p:txBody>
+          <a:bodyPr/>
+          <a:lstStyle/>
           <a:p>
             <a:r>
               <a:rPr lang="en-US">
@@ -9327,36 +7255,24 @@
       </p:sp>
       <p:sp>
         <p:nvSpPr>
-          <p:cNvPr id="5" name="Rectangle 4">
+          <p:cNvPr id="6" name="Footer Placeholder 5">
             <a:extLst>
               <a:ext uri="{FF2B5EF4-FFF2-40B4-BE49-F238E27FC236}">
-                <a16:creationId xmlns:a16="http://schemas.microsoft.com/office/drawing/2014/main" id="{C74CA859-7B65-460E-8A50-0BD94A6016EE}"/>
+                <a16:creationId xmlns:a16="http://schemas.microsoft.com/office/drawing/2014/main" id="{7D6C0613-0A4B-4767-8042-9B1D8D54A009}"/>
               </a:ext>
             </a:extLst>
           </p:cNvPr>
-          <p:cNvSpPr/>
-          <p:nvPr/>
-        </p:nvSpPr>
-        <p:spPr>
-          <a:xfrm>
-            <a:off x="1066799" y="5753741"/>
-            <a:ext cx="10058399" cy="646331"/>
-          </a:xfrm>
-          <a:prstGeom prst="rect">
-            <a:avLst/>
-          </a:prstGeom>
-        </p:spPr>
-        <p:txBody>
-          <a:bodyPr wrap="square">
-            <a:spAutoFit/>
-          </a:bodyPr>
-          <a:lstStyle/>
-          <a:p>
-            <a:r>
-              <a:rPr lang="en-US" b="1"/>
-              <a:t>Source</a:t>
-            </a:r>
-          </a:p>
+          <p:cNvSpPr>
+            <a:spLocks noGrp="1"/>
+          </p:cNvSpPr>
+          <p:nvPr>
+            <p:ph type="ftr" sz="quarter" idx="11"/>
+          </p:nvPr>
+        </p:nvSpPr>
+        <p:spPr/>
+        <p:txBody>
+          <a:bodyPr/>
+          <a:lstStyle/>
           <a:p>
             <a:r>
               <a:rPr lang="en-US">
@@ -9607,31 +7523,42 @@
       </p:sp>
       <p:sp>
         <p:nvSpPr>
-          <p:cNvPr id="4" name="Rectangle 3"/>
-          <p:cNvSpPr/>
-          <p:nvPr/>
-        </p:nvSpPr>
-        <p:spPr>
-          <a:xfrm>
-            <a:off x="1066799" y="5754469"/>
-            <a:ext cx="10058400" cy="646331"/>
-          </a:xfrm>
-          <a:prstGeom prst="rect">
-            <a:avLst/>
-          </a:prstGeom>
-        </p:spPr>
-        <p:txBody>
-          <a:bodyPr wrap="square">
-            <a:spAutoFit/>
-          </a:bodyPr>
-          <a:lstStyle/>
-          <a:p>
-            <a:r>
-              <a:rPr lang="en-US" b="1"/>
-              <a:t>Source</a:t>
-            </a:r>
-          </a:p>
-          <a:p>
+          <p:cNvPr id="6" name="Footer Placeholder 5">
+            <a:extLst>
+              <a:ext uri="{FF2B5EF4-FFF2-40B4-BE49-F238E27FC236}">
+                <a16:creationId xmlns:a16="http://schemas.microsoft.com/office/drawing/2014/main" id="{50A603BA-6C5E-4DB1-BC69-FD327B9A47C0}"/>
+              </a:ext>
+            </a:extLst>
+          </p:cNvPr>
+          <p:cNvSpPr>
+            <a:spLocks noGrp="1"/>
+          </p:cNvSpPr>
+          <p:nvPr>
+            <p:ph type="ftr" sz="quarter" idx="11"/>
+          </p:nvPr>
+        </p:nvSpPr>
+        <p:spPr/>
+        <p:txBody>
+          <a:bodyPr/>
+          <a:lstStyle/>
+          <a:p>
+            <a:pPr marL="0" marR="0" lvl="0" indent="0" defTabSz="914400" rtl="0" eaLnBrk="1" fontAlgn="auto" latinLnBrk="0" hangingPunct="1">
+              <a:lnSpc>
+                <a:spcPct val="100000"/>
+              </a:lnSpc>
+              <a:spcBef>
+                <a:spcPts val="0"/>
+              </a:spcBef>
+              <a:spcAft>
+                <a:spcPts val="0"/>
+              </a:spcAft>
+              <a:buClrTx/>
+              <a:buSzTx/>
+              <a:buFontTx/>
+              <a:buNone/>
+              <a:tabLst/>
+              <a:defRPr/>
+            </a:pPr>
             <a:r>
               <a:rPr lang="en-US">
                 <a:solidFill>
@@ -9989,31 +7916,42 @@
       </p:sp>
       <p:sp>
         <p:nvSpPr>
-          <p:cNvPr id="4" name="Rectangle 3"/>
-          <p:cNvSpPr/>
-          <p:nvPr/>
-        </p:nvSpPr>
-        <p:spPr>
-          <a:xfrm>
-            <a:off x="1066799" y="5754469"/>
-            <a:ext cx="10058400" cy="646331"/>
-          </a:xfrm>
-          <a:prstGeom prst="rect">
-            <a:avLst/>
-          </a:prstGeom>
-        </p:spPr>
-        <p:txBody>
-          <a:bodyPr wrap="square">
-            <a:spAutoFit/>
-          </a:bodyPr>
-          <a:lstStyle/>
-          <a:p>
-            <a:r>
-              <a:rPr lang="en-US" b="1"/>
-              <a:t>Source</a:t>
-            </a:r>
-          </a:p>
-          <a:p>
+          <p:cNvPr id="6" name="Footer Placeholder 5">
+            <a:extLst>
+              <a:ext uri="{FF2B5EF4-FFF2-40B4-BE49-F238E27FC236}">
+                <a16:creationId xmlns:a16="http://schemas.microsoft.com/office/drawing/2014/main" id="{5D7B4252-4507-4369-8E73-1B3F3A91B85D}"/>
+              </a:ext>
+            </a:extLst>
+          </p:cNvPr>
+          <p:cNvSpPr>
+            <a:spLocks noGrp="1"/>
+          </p:cNvSpPr>
+          <p:nvPr>
+            <p:ph type="ftr" sz="quarter" idx="11"/>
+          </p:nvPr>
+        </p:nvSpPr>
+        <p:spPr/>
+        <p:txBody>
+          <a:bodyPr/>
+          <a:lstStyle/>
+          <a:p>
+            <a:pPr marL="0" marR="0" lvl="0" indent="0" defTabSz="914400" rtl="0" eaLnBrk="1" fontAlgn="auto" latinLnBrk="0" hangingPunct="1">
+              <a:lnSpc>
+                <a:spcPct val="100000"/>
+              </a:lnSpc>
+              <a:spcBef>
+                <a:spcPts val="0"/>
+              </a:spcBef>
+              <a:spcAft>
+                <a:spcPts val="0"/>
+              </a:spcAft>
+              <a:buClrTx/>
+              <a:buSzTx/>
+              <a:buFontTx/>
+              <a:buNone/>
+              <a:tabLst/>
+              <a:defRPr/>
+            </a:pPr>
             <a:r>
               <a:rPr lang="en-US">
                 <a:solidFill>
@@ -10029,7 +7967,7 @@
               </a:rPr>
               <a:t>https://developer.mozilla.org/en-US/docs/Web/HTML/Element/p</a:t>
             </a:r>
-            <a:endParaRPr lang="en-US" b="1" dirty="0">
+            <a:endParaRPr lang="en-US" b="1">
               <a:solidFill>
                 <a:srgbClr val="00B0F0"/>
               </a:solidFill>
@@ -10472,46 +8410,42 @@
       </p:sp>
       <p:sp>
         <p:nvSpPr>
-          <p:cNvPr id="4" name="Rectangle 3"/>
-          <p:cNvSpPr/>
-          <p:nvPr/>
-        </p:nvSpPr>
-        <p:spPr>
-          <a:xfrm>
-            <a:off x="1066799" y="5754469"/>
-            <a:ext cx="10058400" cy="646331"/>
-          </a:xfrm>
-          <a:prstGeom prst="rect">
-            <a:avLst/>
-          </a:prstGeom>
-        </p:spPr>
-        <p:txBody>
-          <a:bodyPr wrap="square">
-            <a:spAutoFit/>
-          </a:bodyPr>
-          <a:lstStyle/>
-          <a:p>
-            <a:r>
-              <a:rPr lang="en-US" b="1" dirty="0"/>
-              <a:t>Source</a:t>
-            </a:r>
-          </a:p>
-          <a:p>
-            <a:r>
-              <a:rPr lang="en-US" dirty="0">
-                <a:solidFill>
-                  <a:srgbClr val="00B0F0"/>
-                </a:solidFill>
-                <a:hlinkClick r:id="rId3">
-                  <a:extLst>
-                    <a:ext uri="{A12FA001-AC4F-418D-AE19-62706E023703}">
-                      <ahyp:hlinkClr xmlns:ahyp="http://schemas.microsoft.com/office/drawing/2018/hyperlinkcolor" val="tx"/>
-                    </a:ext>
-                  </a:extLst>
-                </a:hlinkClick>
-              </a:rPr>
-              <a:t>https://developer.mozilla.org/en-US/docs/Web/HTML/Element</a:t>
-            </a:r>
+          <p:cNvPr id="6" name="Footer Placeholder 5">
+            <a:extLst>
+              <a:ext uri="{FF2B5EF4-FFF2-40B4-BE49-F238E27FC236}">
+                <a16:creationId xmlns:a16="http://schemas.microsoft.com/office/drawing/2014/main" id="{549923FA-8A04-48B6-9AF3-A4E50A1D9405}"/>
+              </a:ext>
+            </a:extLst>
+          </p:cNvPr>
+          <p:cNvSpPr>
+            <a:spLocks noGrp="1"/>
+          </p:cNvSpPr>
+          <p:nvPr>
+            <p:ph type="ftr" sz="quarter" idx="11"/>
+          </p:nvPr>
+        </p:nvSpPr>
+        <p:spPr/>
+        <p:txBody>
+          <a:bodyPr/>
+          <a:lstStyle/>
+          <a:p>
+            <a:pPr marL="0" marR="0" lvl="0" indent="0" defTabSz="914400" rtl="0" eaLnBrk="1" fontAlgn="auto" latinLnBrk="0" hangingPunct="1">
+              <a:lnSpc>
+                <a:spcPct val="100000"/>
+              </a:lnSpc>
+              <a:spcBef>
+                <a:spcPts val="0"/>
+              </a:spcBef>
+              <a:spcAft>
+                <a:spcPts val="0"/>
+              </a:spcAft>
+              <a:buClrTx/>
+              <a:buSzTx/>
+              <a:buFontTx/>
+              <a:buNone/>
+              <a:tabLst/>
+              <a:defRPr/>
+            </a:pPr>
             <a:r>
               <a:rPr lang="en-US">
                 <a:solidFill>
@@ -10525,7 +8459,7 @@
                   </a:extLst>
                 </a:hlinkClick>
               </a:rPr>
-              <a:t>/ol</a:t>
+              <a:t>https://developer.mozilla.org/en-US/docs/Web/HTML/Element/ol</a:t>
             </a:r>
             <a:endParaRPr lang="en-US">
               <a:solidFill>
@@ -10757,46 +8691,25 @@
       </p:sp>
       <p:sp>
         <p:nvSpPr>
-          <p:cNvPr id="4" name="Rectangle 3"/>
-          <p:cNvSpPr/>
-          <p:nvPr/>
-        </p:nvSpPr>
-        <p:spPr>
-          <a:xfrm>
-            <a:off x="1066800" y="5754469"/>
-            <a:ext cx="10058400" cy="646331"/>
-          </a:xfrm>
-          <a:prstGeom prst="rect">
-            <a:avLst/>
-          </a:prstGeom>
-        </p:spPr>
-        <p:txBody>
-          <a:bodyPr wrap="square">
-            <a:spAutoFit/>
-          </a:bodyPr>
-          <a:lstStyle/>
-          <a:p>
-            <a:r>
-              <a:rPr lang="en-US" b="1" dirty="0"/>
-              <a:t>Source</a:t>
-            </a:r>
-          </a:p>
-          <a:p>
-            <a:r>
-              <a:rPr lang="en-US" dirty="0">
-                <a:solidFill>
-                  <a:srgbClr val="00B0F0"/>
-                </a:solidFill>
-                <a:hlinkClick r:id="rId3">
-                  <a:extLst>
-                    <a:ext uri="{A12FA001-AC4F-418D-AE19-62706E023703}">
-                      <ahyp:hlinkClr xmlns:ahyp="http://schemas.microsoft.com/office/drawing/2018/hyperlinkcolor" val="tx"/>
-                    </a:ext>
-                  </a:extLst>
-                </a:hlinkClick>
-              </a:rPr>
-              <a:t>https://developer.mozilla.org/en-US/docs/Web/HTML/Element</a:t>
-            </a:r>
+          <p:cNvPr id="6" name="Footer Placeholder 5">
+            <a:extLst>
+              <a:ext uri="{FF2B5EF4-FFF2-40B4-BE49-F238E27FC236}">
+                <a16:creationId xmlns:a16="http://schemas.microsoft.com/office/drawing/2014/main" id="{5714B131-6D6A-4677-A9B5-9E1393342523}"/>
+              </a:ext>
+            </a:extLst>
+          </p:cNvPr>
+          <p:cNvSpPr>
+            <a:spLocks noGrp="1"/>
+          </p:cNvSpPr>
+          <p:nvPr>
+            <p:ph type="ftr" sz="quarter" idx="11"/>
+          </p:nvPr>
+        </p:nvSpPr>
+        <p:spPr/>
+        <p:txBody>
+          <a:bodyPr/>
+          <a:lstStyle/>
+          <a:p>
             <a:r>
               <a:rPr lang="en-US">
                 <a:solidFill>
@@ -10810,7 +8723,7 @@
                   </a:extLst>
                 </a:hlinkClick>
               </a:rPr>
-              <a:t>/ul</a:t>
+              <a:t>https://developer.mozilla.org/en-US/docs/Web/HTML/Element/ul</a:t>
             </a:r>
             <a:endParaRPr lang="en-US">
               <a:solidFill>
@@ -11213,46 +9126,42 @@
       </p:sp>
       <p:sp>
         <p:nvSpPr>
-          <p:cNvPr id="5" name="Rectangle 4"/>
-          <p:cNvSpPr/>
-          <p:nvPr/>
-        </p:nvSpPr>
-        <p:spPr>
-          <a:xfrm>
-            <a:off x="1066800" y="5754469"/>
-            <a:ext cx="10058400" cy="646331"/>
-          </a:xfrm>
-          <a:prstGeom prst="rect">
-            <a:avLst/>
-          </a:prstGeom>
-        </p:spPr>
-        <p:txBody>
-          <a:bodyPr wrap="square">
-            <a:spAutoFit/>
-          </a:bodyPr>
-          <a:lstStyle/>
-          <a:p>
-            <a:r>
-              <a:rPr lang="en-US" b="1" dirty="0"/>
-              <a:t>Source</a:t>
-            </a:r>
-          </a:p>
-          <a:p>
-            <a:r>
-              <a:rPr lang="en-US" dirty="0">
-                <a:solidFill>
-                  <a:srgbClr val="00B0F0"/>
-                </a:solidFill>
-                <a:hlinkClick r:id="rId3">
-                  <a:extLst>
-                    <a:ext uri="{A12FA001-AC4F-418D-AE19-62706E023703}">
-                      <ahyp:hlinkClr xmlns:ahyp="http://schemas.microsoft.com/office/drawing/2018/hyperlinkcolor" val="tx"/>
-                    </a:ext>
-                  </a:extLst>
-                </a:hlinkClick>
-              </a:rPr>
-              <a:t>https://developer.mozilla.org/en-US/docs/Web/HTML/Element</a:t>
-            </a:r>
+          <p:cNvPr id="4" name="Footer Placeholder 3">
+            <a:extLst>
+              <a:ext uri="{FF2B5EF4-FFF2-40B4-BE49-F238E27FC236}">
+                <a16:creationId xmlns:a16="http://schemas.microsoft.com/office/drawing/2014/main" id="{16910164-084F-41D8-9C3E-D2311B1D390F}"/>
+              </a:ext>
+            </a:extLst>
+          </p:cNvPr>
+          <p:cNvSpPr>
+            <a:spLocks noGrp="1"/>
+          </p:cNvSpPr>
+          <p:nvPr>
+            <p:ph type="ftr" sz="quarter" idx="11"/>
+          </p:nvPr>
+        </p:nvSpPr>
+        <p:spPr/>
+        <p:txBody>
+          <a:bodyPr/>
+          <a:lstStyle/>
+          <a:p>
+            <a:pPr marL="0" marR="0" lvl="0" indent="0" defTabSz="914400" rtl="0" eaLnBrk="1" fontAlgn="auto" latinLnBrk="0" hangingPunct="1">
+              <a:lnSpc>
+                <a:spcPct val="100000"/>
+              </a:lnSpc>
+              <a:spcBef>
+                <a:spcPts val="0"/>
+              </a:spcBef>
+              <a:spcAft>
+                <a:spcPts val="0"/>
+              </a:spcAft>
+              <a:buClrTx/>
+              <a:buSzTx/>
+              <a:buFontTx/>
+              <a:buNone/>
+              <a:tabLst/>
+              <a:defRPr/>
+            </a:pPr>
             <a:r>
               <a:rPr lang="en-US">
                 <a:solidFill>
@@ -11266,7 +9175,7 @@
                   </a:extLst>
                 </a:hlinkClick>
               </a:rPr>
-              <a:t>/form</a:t>
+              <a:t>https://developer.mozilla.org/en-US/docs/Web/HTML/Element/form</a:t>
             </a:r>
             <a:endParaRPr lang="en-US">
               <a:solidFill>
@@ -12139,6 +10048,37 @@
           </a:prstGeom>
         </p:spPr>
       </p:pic>
+      <p:sp>
+        <p:nvSpPr>
+          <p:cNvPr id="3" name="Footer Placeholder 2">
+            <a:extLst>
+              <a:ext uri="{FF2B5EF4-FFF2-40B4-BE49-F238E27FC236}">
+                <a16:creationId xmlns:a16="http://schemas.microsoft.com/office/drawing/2014/main" id="{864555FE-A71F-4E37-B392-16CD80F01BBD}"/>
+              </a:ext>
+            </a:extLst>
+          </p:cNvPr>
+          <p:cNvSpPr>
+            <a:spLocks noGrp="1"/>
+          </p:cNvSpPr>
+          <p:nvPr>
+            <p:ph type="ftr" sz="quarter" idx="11"/>
+          </p:nvPr>
+        </p:nvSpPr>
+        <p:spPr/>
+        <p:txBody>
+          <a:bodyPr/>
+          <a:lstStyle/>
+          <a:p>
+            <a:r>
+              <a:rPr lang="en-US"/>
+              <a:t>Source</a:t>
+            </a:r>
+          </a:p>
+          <a:p>
+            <a:endParaRPr lang="en-US" dirty="0"/>
+          </a:p>
+        </p:txBody>
+      </p:sp>
     </p:spTree>
     <p:extLst>
       <p:ext uri="{BB962C8B-B14F-4D97-AF65-F5344CB8AC3E}">
@@ -12549,18 +10489,6 @@
               </a:rPr>
               <a:t>MDN Learn: Structuring the web with HTML</a:t>
             </a:r>
-            <a:endParaRPr lang="en-US" sz="1800">
-              <a:solidFill>
-                <a:srgbClr val="00B0F0"/>
-              </a:solidFill>
-              <a:hlinkClick r:id="rId5">
-                <a:extLst>
-                  <a:ext uri="{A12FA001-AC4F-418D-AE19-62706E023703}">
-                    <ahyp:hlinkClr xmlns:ahyp="http://schemas.microsoft.com/office/drawing/2018/hyperlinkcolor" val="tx"/>
-                  </a:ext>
-                </a:extLst>
-              </a:hlinkClick>
-            </a:endParaRPr>
           </a:p>
           <a:p>
             <a:r>
@@ -12768,37 +10696,42 @@
       </p:sp>
       <p:sp>
         <p:nvSpPr>
-          <p:cNvPr id="5" name="Rectangle 4">
+          <p:cNvPr id="6" name="Footer Placeholder 5">
             <a:extLst>
               <a:ext uri="{FF2B5EF4-FFF2-40B4-BE49-F238E27FC236}">
-                <a16:creationId xmlns:a16="http://schemas.microsoft.com/office/drawing/2014/main" id="{D0DD1CCB-9461-4D06-BBC7-AD4BBA386D8A}"/>
+                <a16:creationId xmlns:a16="http://schemas.microsoft.com/office/drawing/2014/main" id="{9BD40782-A6AA-4E52-9E7C-808E40280630}"/>
               </a:ext>
             </a:extLst>
           </p:cNvPr>
-          <p:cNvSpPr/>
-          <p:nvPr/>
-        </p:nvSpPr>
-        <p:spPr>
-          <a:xfrm>
-            <a:off x="1066800" y="5754469"/>
-            <a:ext cx="10058400" cy="646331"/>
-          </a:xfrm>
-          <a:prstGeom prst="rect">
-            <a:avLst/>
-          </a:prstGeom>
-        </p:spPr>
-        <p:txBody>
-          <a:bodyPr wrap="square">
-            <a:spAutoFit/>
-          </a:bodyPr>
-          <a:lstStyle/>
-          <a:p>
-            <a:r>
-              <a:rPr lang="en-US" b="1"/>
-              <a:t>Source</a:t>
-            </a:r>
-          </a:p>
-          <a:p>
+          <p:cNvSpPr>
+            <a:spLocks noGrp="1"/>
+          </p:cNvSpPr>
+          <p:nvPr>
+            <p:ph type="ftr" sz="quarter" idx="11"/>
+          </p:nvPr>
+        </p:nvSpPr>
+        <p:spPr/>
+        <p:txBody>
+          <a:bodyPr/>
+          <a:lstStyle/>
+          <a:p>
+            <a:pPr marL="0" marR="0" lvl="0" indent="0" defTabSz="914400" rtl="0" eaLnBrk="1" fontAlgn="auto" latinLnBrk="0" hangingPunct="1">
+              <a:lnSpc>
+                <a:spcPct val="100000"/>
+              </a:lnSpc>
+              <a:spcBef>
+                <a:spcPts val="0"/>
+              </a:spcBef>
+              <a:spcAft>
+                <a:spcPts val="0"/>
+              </a:spcAft>
+              <a:buClrTx/>
+              <a:buSzTx/>
+              <a:buFontTx/>
+              <a:buNone/>
+              <a:tabLst/>
+              <a:defRPr/>
+            </a:pPr>
             <a:r>
               <a:rPr lang="en-US">
                 <a:solidFill>
@@ -13024,7 +10957,7 @@
           <a:p>
             <a:pPr marL="0" indent="0">
               <a:lnSpc>
-                <a:spcPct val="120000"/>
+                <a:spcPct val="125000"/>
               </a:lnSpc>
               <a:spcBef>
                 <a:spcPts val="0"/>
@@ -13032,13 +10965,13 @@
               <a:buNone/>
             </a:pPr>
             <a:r>
-              <a:rPr lang="en-US" sz="1800">
+              <a:rPr lang="en-US" sz="2000">
                 <a:latin typeface="Consolas" panose="020B0609020204030204" pitchFamily="49" charset="0"/>
               </a:rPr>
               <a:t>&lt;!DOCTYPE </a:t>
             </a:r>
             <a:r>
-              <a:rPr lang="en-US" sz="1800" dirty="0">
+              <a:rPr lang="en-US" sz="2000" dirty="0">
                 <a:latin typeface="Consolas" panose="020B0609020204030204" pitchFamily="49" charset="0"/>
               </a:rPr>
               <a:t>html&gt;</a:t>
@@ -13047,7 +10980,7 @@
           <a:p>
             <a:pPr marL="0" indent="0">
               <a:lnSpc>
-                <a:spcPct val="120000"/>
+                <a:spcPct val="125000"/>
               </a:lnSpc>
               <a:spcBef>
                 <a:spcPts val="0"/>
@@ -13055,19 +10988,19 @@
               <a:buNone/>
             </a:pPr>
             <a:r>
-              <a:rPr lang="en-US" sz="1800">
+              <a:rPr lang="en-US" sz="2000">
                 <a:latin typeface="Consolas" panose="020B0609020204030204" pitchFamily="49" charset="0"/>
               </a:rPr>
               <a:t>&lt;html lang="en"&gt;</a:t>
             </a:r>
-            <a:endParaRPr lang="en-US" sz="1800" dirty="0">
+            <a:endParaRPr lang="en-US" sz="2000" dirty="0">
               <a:latin typeface="Consolas" panose="020B0609020204030204" pitchFamily="49" charset="0"/>
             </a:endParaRPr>
           </a:p>
           <a:p>
             <a:pPr marL="0" indent="0">
               <a:lnSpc>
-                <a:spcPct val="120000"/>
+                <a:spcPct val="125000"/>
               </a:lnSpc>
               <a:spcBef>
                 <a:spcPts val="0"/>
@@ -13075,7 +11008,7 @@
               <a:buNone/>
             </a:pPr>
             <a:r>
-              <a:rPr lang="en-US" sz="1800" dirty="0">
+              <a:rPr lang="en-US" sz="2000" dirty="0">
                 <a:latin typeface="Consolas" panose="020B0609020204030204" pitchFamily="49" charset="0"/>
               </a:rPr>
               <a:t>&lt;head&gt;</a:t>
@@ -13084,7 +11017,7 @@
           <a:p>
             <a:pPr marL="0" indent="0">
               <a:lnSpc>
-                <a:spcPct val="120000"/>
+                <a:spcPct val="125000"/>
               </a:lnSpc>
               <a:spcBef>
                 <a:spcPts val="0"/>
@@ -13092,7 +11025,7 @@
               <a:buNone/>
             </a:pPr>
             <a:r>
-              <a:rPr lang="en-US" sz="1800" dirty="0">
+              <a:rPr lang="en-US" sz="2000" dirty="0">
                 <a:latin typeface="Consolas" panose="020B0609020204030204" pitchFamily="49" charset="0"/>
               </a:rPr>
               <a:t>  &lt;meta&gt;</a:t>
@@ -13101,7 +11034,7 @@
           <a:p>
             <a:pPr marL="0" indent="0">
               <a:lnSpc>
-                <a:spcPct val="120000"/>
+                <a:spcPct val="125000"/>
               </a:lnSpc>
               <a:spcBef>
                 <a:spcPts val="0"/>
@@ -13109,7 +11042,7 @@
               <a:buNone/>
             </a:pPr>
             <a:r>
-              <a:rPr lang="en-US" sz="1800" dirty="0">
+              <a:rPr lang="en-US" sz="2000" dirty="0">
                 <a:latin typeface="Consolas" panose="020B0609020204030204" pitchFamily="49" charset="0"/>
               </a:rPr>
               <a:t>  &lt;title&gt;</a:t>
@@ -13118,7 +11051,7 @@
           <a:p>
             <a:pPr marL="0" indent="0">
               <a:lnSpc>
-                <a:spcPct val="120000"/>
+                <a:spcPct val="125000"/>
               </a:lnSpc>
               <a:spcBef>
                 <a:spcPts val="0"/>
@@ -13126,7 +11059,7 @@
               <a:buNone/>
             </a:pPr>
             <a:r>
-              <a:rPr lang="en-US" sz="1800" dirty="0">
+              <a:rPr lang="en-US" sz="2000" dirty="0">
                 <a:latin typeface="Consolas" panose="020B0609020204030204" pitchFamily="49" charset="0"/>
               </a:rPr>
               <a:t>  &lt;link&gt;</a:t>
@@ -13135,7 +11068,7 @@
           <a:p>
             <a:pPr marL="0" indent="0">
               <a:lnSpc>
-                <a:spcPct val="120000"/>
+                <a:spcPct val="125000"/>
               </a:lnSpc>
               <a:spcBef>
                 <a:spcPts val="0"/>
@@ -13143,7 +11076,7 @@
               <a:buNone/>
             </a:pPr>
             <a:r>
-              <a:rPr lang="en-US" sz="1800" dirty="0">
+              <a:rPr lang="en-US" sz="2000" dirty="0">
                 <a:latin typeface="Consolas" panose="020B0609020204030204" pitchFamily="49" charset="0"/>
               </a:rPr>
               <a:t>&lt;/head&gt;</a:t>
@@ -13152,7 +11085,7 @@
           <a:p>
             <a:pPr marL="0" indent="0">
               <a:lnSpc>
-                <a:spcPct val="120000"/>
+                <a:spcPct val="125000"/>
               </a:lnSpc>
               <a:spcBef>
                 <a:spcPts val="0"/>
@@ -13160,7 +11093,7 @@
               <a:buNone/>
             </a:pPr>
             <a:r>
-              <a:rPr lang="en-US" sz="1800" dirty="0">
+              <a:rPr lang="en-US" sz="2000" dirty="0">
                 <a:latin typeface="Consolas" panose="020B0609020204030204" pitchFamily="49" charset="0"/>
               </a:rPr>
               <a:t>&lt;body&gt;</a:t>
@@ -13169,7 +11102,7 @@
           <a:p>
             <a:pPr marL="0" indent="0">
               <a:lnSpc>
-                <a:spcPct val="120000"/>
+                <a:spcPct val="125000"/>
               </a:lnSpc>
               <a:spcBef>
                 <a:spcPts val="0"/>
@@ -13177,19 +11110,19 @@
               <a:buNone/>
             </a:pPr>
             <a:r>
-              <a:rPr lang="en-US" sz="1800">
+              <a:rPr lang="en-US" sz="2000">
                 <a:latin typeface="Consolas" panose="020B0609020204030204" pitchFamily="49" charset="0"/>
               </a:rPr>
               <a:t>  &lt;!--  Content  --&gt;</a:t>
             </a:r>
-            <a:endParaRPr lang="en-US" sz="1800" dirty="0">
+            <a:endParaRPr lang="en-US" sz="2000" dirty="0">
               <a:latin typeface="Consolas" panose="020B0609020204030204" pitchFamily="49" charset="0"/>
             </a:endParaRPr>
           </a:p>
           <a:p>
             <a:pPr marL="0" indent="0">
               <a:lnSpc>
-                <a:spcPct val="120000"/>
+                <a:spcPct val="125000"/>
               </a:lnSpc>
               <a:spcBef>
                 <a:spcPts val="0"/>
@@ -13197,7 +11130,7 @@
               <a:buNone/>
             </a:pPr>
             <a:r>
-              <a:rPr lang="en-US" sz="1800" dirty="0">
+              <a:rPr lang="en-US" sz="2000" dirty="0">
                 <a:latin typeface="Consolas" panose="020B0609020204030204" pitchFamily="49" charset="0"/>
               </a:rPr>
               <a:t>&lt;/body&gt;</a:t>
@@ -13206,7 +11139,7 @@
           <a:p>
             <a:pPr marL="0" indent="0">
               <a:lnSpc>
-                <a:spcPct val="120000"/>
+                <a:spcPct val="125000"/>
               </a:lnSpc>
               <a:spcBef>
                 <a:spcPts val="0"/>
@@ -13214,18 +11147,18 @@
               <a:buNone/>
             </a:pPr>
             <a:r>
-              <a:rPr lang="en-US" sz="1800" dirty="0">
+              <a:rPr lang="en-US" sz="2000" dirty="0">
                 <a:latin typeface="Consolas" panose="020B0609020204030204" pitchFamily="49" charset="0"/>
               </a:rPr>
               <a:t>&lt;/</a:t>
             </a:r>
             <a:r>
-              <a:rPr lang="en-US" sz="1800">
+              <a:rPr lang="en-US" sz="2000">
                 <a:latin typeface="Consolas" panose="020B0609020204030204" pitchFamily="49" charset="0"/>
               </a:rPr>
               <a:t>html&gt;</a:t>
             </a:r>
-            <a:endParaRPr lang="en-US" sz="1800" dirty="0">
+            <a:endParaRPr lang="en-US" sz="2000" dirty="0">
               <a:latin typeface="Consolas" panose="020B0609020204030204" pitchFamily="49" charset="0"/>
             </a:endParaRPr>
           </a:p>
@@ -13426,7 +11359,33 @@
               <a:rPr lang="en-US" sz="2400" dirty="0">
                 <a:cs typeface="Arial" panose="020B0604020202020204" pitchFamily="34" charset="0"/>
               </a:rPr>
-              <a:t>browser from switching into so-called "quirks mode" when rendering </a:t>
+              <a:t>browser from switching </a:t>
+            </a:r>
+            <a:r>
+              <a:rPr lang="en-US" sz="2400">
+                <a:cs typeface="Arial" panose="020B0604020202020204" pitchFamily="34" charset="0"/>
+              </a:rPr>
+              <a:t>into </a:t>
+            </a:r>
+          </a:p>
+          <a:p>
+            <a:pPr marL="0" indent="0">
+              <a:spcBef>
+                <a:spcPts val="0"/>
+              </a:spcBef>
+              <a:buNone/>
+            </a:pPr>
+            <a:r>
+              <a:rPr lang="en-US" sz="2400">
+                <a:cs typeface="Arial" panose="020B0604020202020204" pitchFamily="34" charset="0"/>
+              </a:rPr>
+              <a:t>so-called </a:t>
+            </a:r>
+            <a:r>
+              <a:rPr lang="en-US" sz="2400" dirty="0">
+                <a:cs typeface="Arial" panose="020B0604020202020204" pitchFamily="34" charset="0"/>
+              </a:rPr>
+              <a:t>"quirks mode" when rendering </a:t>
             </a:r>
             <a:r>
               <a:rPr lang="en-US" sz="2400">
@@ -13465,47 +11424,42 @@
       </p:sp>
       <p:sp>
         <p:nvSpPr>
-          <p:cNvPr id="5" name="Rectangle 4"/>
-          <p:cNvSpPr/>
-          <p:nvPr/>
-        </p:nvSpPr>
-        <p:spPr>
-          <a:xfrm>
-            <a:off x="983810" y="5754469"/>
-            <a:ext cx="10141390" cy="646331"/>
-          </a:xfrm>
-          <a:prstGeom prst="rect">
-            <a:avLst/>
-          </a:prstGeom>
-        </p:spPr>
-        <p:txBody>
-          <a:bodyPr wrap="square">
-            <a:spAutoFit/>
-          </a:bodyPr>
-          <a:lstStyle/>
-          <a:p>
-            <a:r>
-              <a:rPr lang="en-US" b="1"/>
-              <a:t>Source</a:t>
-            </a:r>
-            <a:endParaRPr lang="en-US" b="1" dirty="0"/>
-          </a:p>
-          <a:p>
-            <a:r>
-              <a:rPr lang="en-US" dirty="0">
-                <a:solidFill>
-                  <a:srgbClr val="00B0F0"/>
-                </a:solidFill>
-                <a:hlinkClick r:id="rId3">
-                  <a:extLst>
-                    <a:ext uri="{A12FA001-AC4F-418D-AE19-62706E023703}">
-                      <ahyp:hlinkClr xmlns:ahyp="http://schemas.microsoft.com/office/drawing/2018/hyperlinkcolor" val="tx"/>
-                    </a:ext>
-                  </a:extLst>
-                </a:hlinkClick>
-              </a:rPr>
-              <a:t>https://developer.mozilla.org/en-US/docs/Glossary</a:t>
-            </a:r>
+          <p:cNvPr id="4" name="Footer Placeholder 3">
+            <a:extLst>
+              <a:ext uri="{FF2B5EF4-FFF2-40B4-BE49-F238E27FC236}">
+                <a16:creationId xmlns:a16="http://schemas.microsoft.com/office/drawing/2014/main" id="{A289764A-F812-48BA-913B-1F91212A99A6}"/>
+              </a:ext>
+            </a:extLst>
+          </p:cNvPr>
+          <p:cNvSpPr>
+            <a:spLocks noGrp="1"/>
+          </p:cNvSpPr>
+          <p:nvPr>
+            <p:ph type="ftr" sz="quarter" idx="11"/>
+          </p:nvPr>
+        </p:nvSpPr>
+        <p:spPr/>
+        <p:txBody>
+          <a:bodyPr/>
+          <a:lstStyle/>
+          <a:p>
+            <a:pPr marL="0" marR="0" lvl="0" indent="0" defTabSz="914400" rtl="0" eaLnBrk="1" fontAlgn="auto" latinLnBrk="0" hangingPunct="1">
+              <a:lnSpc>
+                <a:spcPct val="100000"/>
+              </a:lnSpc>
+              <a:spcBef>
+                <a:spcPts val="0"/>
+              </a:spcBef>
+              <a:spcAft>
+                <a:spcPts val="0"/>
+              </a:spcAft>
+              <a:buClrTx/>
+              <a:buSzTx/>
+              <a:buFontTx/>
+              <a:buNone/>
+              <a:tabLst/>
+              <a:defRPr/>
+            </a:pPr>
             <a:r>
               <a:rPr lang="en-US">
                 <a:solidFill>
@@ -13519,7 +11473,7 @@
                   </a:extLst>
                 </a:hlinkClick>
               </a:rPr>
-              <a:t>/Doctype</a:t>
+              <a:t>https://developer.mozilla.org/en-US/docs/Glossary/Doctype</a:t>
             </a:r>
             <a:endParaRPr lang="en-US">
               <a:solidFill>
@@ -13729,30 +11683,24 @@
       </p:sp>
       <p:sp>
         <p:nvSpPr>
-          <p:cNvPr id="4" name="Rectangle 3"/>
-          <p:cNvSpPr/>
-          <p:nvPr/>
-        </p:nvSpPr>
-        <p:spPr>
-          <a:xfrm>
-            <a:off x="1066800" y="5504715"/>
-            <a:ext cx="10058399" cy="923330"/>
-          </a:xfrm>
-          <a:prstGeom prst="rect">
-            <a:avLst/>
-          </a:prstGeom>
-        </p:spPr>
-        <p:txBody>
-          <a:bodyPr wrap="square">
-            <a:spAutoFit/>
-          </a:bodyPr>
-          <a:lstStyle/>
-          <a:p>
-            <a:r>
-              <a:rPr lang="en-US" b="1"/>
-              <a:t>Source</a:t>
-            </a:r>
-          </a:p>
+          <p:cNvPr id="6" name="Footer Placeholder 5">
+            <a:extLst>
+              <a:ext uri="{FF2B5EF4-FFF2-40B4-BE49-F238E27FC236}">
+                <a16:creationId xmlns:a16="http://schemas.microsoft.com/office/drawing/2014/main" id="{654E5FFA-99D4-4543-848C-D7903AD14C75}"/>
+              </a:ext>
+            </a:extLst>
+          </p:cNvPr>
+          <p:cNvSpPr>
+            <a:spLocks noGrp="1"/>
+          </p:cNvSpPr>
+          <p:nvPr>
+            <p:ph type="ftr" sz="quarter" idx="11"/>
+          </p:nvPr>
+        </p:nvSpPr>
+        <p:spPr/>
+        <p:txBody>
+          <a:bodyPr/>
+          <a:lstStyle/>
           <a:p>
             <a:r>
               <a:rPr lang="en-US">
@@ -13769,28 +11717,13 @@
               </a:rPr>
               <a:t>https://developer.mozilla.org/en-US/docs/Web/HTML/Element/html</a:t>
             </a:r>
-            <a:endParaRPr lang="en-US" b="1" dirty="0">
+            <a:endParaRPr lang="en-US" b="1">
               <a:solidFill>
                 <a:srgbClr val="00B0F0"/>
               </a:solidFill>
             </a:endParaRPr>
           </a:p>
           <a:p>
-            <a:r>
-              <a:rPr lang="en-US" dirty="0">
-                <a:solidFill>
-                  <a:srgbClr val="00B0F0"/>
-                </a:solidFill>
-                <a:hlinkClick r:id="rId4">
-                  <a:extLst>
-                    <a:ext uri="{A12FA001-AC4F-418D-AE19-62706E023703}">
-                      <ahyp:hlinkClr xmlns:ahyp="http://schemas.microsoft.com/office/drawing/2018/hyperlinkcolor" val="tx"/>
-                    </a:ext>
-                  </a:extLst>
-                </a:hlinkClick>
-              </a:rPr>
-              <a:t>https://www.w3schools.com/Tags/tag_html</a:t>
-            </a:r>
             <a:r>
               <a:rPr lang="en-US">
                 <a:solidFill>
@@ -13804,7 +11737,7 @@
                   </a:extLst>
                 </a:hlinkClick>
               </a:rPr>
-              <a:t>.asp</a:t>
+              <a:t>https://www.w3schools.com/Tags/tag_html.asp</a:t>
             </a:r>
             <a:endParaRPr lang="en-US">
               <a:solidFill>
@@ -13968,41 +11901,25 @@
       </p:sp>
       <p:sp>
         <p:nvSpPr>
-          <p:cNvPr id="4" name="Rectangle 3"/>
-          <p:cNvSpPr/>
-          <p:nvPr/>
-        </p:nvSpPr>
-        <p:spPr>
-          <a:xfrm>
-            <a:off x="1066800" y="5756006"/>
-            <a:ext cx="10058400" cy="646331"/>
-          </a:xfrm>
-          <a:prstGeom prst="rect">
-            <a:avLst/>
-          </a:prstGeom>
-        </p:spPr>
-        <p:txBody>
-          <a:bodyPr wrap="square">
-            <a:spAutoFit/>
-          </a:bodyPr>
-          <a:lstStyle/>
-          <a:p>
-            <a:r>
-              <a:rPr lang="en-US" b="1"/>
-              <a:t>Source</a:t>
-            </a:r>
-            <a:endParaRPr lang="en-US" b="1" dirty="0"/>
-          </a:p>
-          <a:p>
-            <a:r>
-              <a:rPr lang="en-US" dirty="0">
-                <a:solidFill>
-                  <a:srgbClr val="00B0F0"/>
-                </a:solidFill>
-                <a:hlinkClick r:id="rId3"/>
-              </a:rPr>
-              <a:t>https://developer.mozilla.org/en-US/docs/Web/HTML/Element</a:t>
-            </a:r>
+          <p:cNvPr id="6" name="Footer Placeholder 5">
+            <a:extLst>
+              <a:ext uri="{FF2B5EF4-FFF2-40B4-BE49-F238E27FC236}">
+                <a16:creationId xmlns:a16="http://schemas.microsoft.com/office/drawing/2014/main" id="{6C512372-FF35-45AD-AAE7-E337318598CC}"/>
+              </a:ext>
+            </a:extLst>
+          </p:cNvPr>
+          <p:cNvSpPr>
+            <a:spLocks noGrp="1"/>
+          </p:cNvSpPr>
+          <p:nvPr>
+            <p:ph type="ftr" sz="quarter" idx="11"/>
+          </p:nvPr>
+        </p:nvSpPr>
+        <p:spPr/>
+        <p:txBody>
+          <a:bodyPr/>
+          <a:lstStyle/>
+          <a:p>
             <a:r>
               <a:rPr lang="en-US">
                 <a:solidFill>
@@ -14010,7 +11927,7 @@
                 </a:solidFill>
                 <a:hlinkClick r:id="rId3"/>
               </a:rPr>
-              <a:t>/head</a:t>
+              <a:t>https://developer.mozilla.org/en-US/docs/Web/HTML/Element/head</a:t>
             </a:r>
             <a:endParaRPr lang="en-US" dirty="0">
               <a:solidFill>
@@ -14320,30 +12237,24 @@
       </p:sp>
       <p:sp>
         <p:nvSpPr>
-          <p:cNvPr id="4" name="Rectangle 3"/>
-          <p:cNvSpPr/>
-          <p:nvPr/>
-        </p:nvSpPr>
-        <p:spPr>
-          <a:xfrm>
-            <a:off x="1066800" y="5754469"/>
-            <a:ext cx="10058400" cy="646331"/>
-          </a:xfrm>
-          <a:prstGeom prst="rect">
-            <a:avLst/>
-          </a:prstGeom>
-        </p:spPr>
-        <p:txBody>
-          <a:bodyPr wrap="square">
-            <a:spAutoFit/>
-          </a:bodyPr>
-          <a:lstStyle/>
-          <a:p>
-            <a:r>
-              <a:rPr lang="en-US" b="1" dirty="0"/>
-              <a:t>Source</a:t>
-            </a:r>
-          </a:p>
+          <p:cNvPr id="6" name="Footer Placeholder 5">
+            <a:extLst>
+              <a:ext uri="{FF2B5EF4-FFF2-40B4-BE49-F238E27FC236}">
+                <a16:creationId xmlns:a16="http://schemas.microsoft.com/office/drawing/2014/main" id="{0557E233-EBDC-4B47-8D0C-92D3FC1D617B}"/>
+              </a:ext>
+            </a:extLst>
+          </p:cNvPr>
+          <p:cNvSpPr>
+            <a:spLocks noGrp="1"/>
+          </p:cNvSpPr>
+          <p:nvPr>
+            <p:ph type="ftr" sz="quarter" idx="11"/>
+          </p:nvPr>
+        </p:nvSpPr>
+        <p:spPr/>
+        <p:txBody>
+          <a:bodyPr/>
+          <a:lstStyle/>
           <a:p>
             <a:r>
               <a:rPr lang="en-US">

--- a/unit_00/html_review/01 HTML.pptx
+++ b/unit_00/html_review/01 HTML.pptx
@@ -10048,37 +10048,6 @@
           </a:prstGeom>
         </p:spPr>
       </p:pic>
-      <p:sp>
-        <p:nvSpPr>
-          <p:cNvPr id="3" name="Footer Placeholder 2">
-            <a:extLst>
-              <a:ext uri="{FF2B5EF4-FFF2-40B4-BE49-F238E27FC236}">
-                <a16:creationId xmlns:a16="http://schemas.microsoft.com/office/drawing/2014/main" id="{864555FE-A71F-4E37-B392-16CD80F01BBD}"/>
-              </a:ext>
-            </a:extLst>
-          </p:cNvPr>
-          <p:cNvSpPr>
-            <a:spLocks noGrp="1"/>
-          </p:cNvSpPr>
-          <p:nvPr>
-            <p:ph type="ftr" sz="quarter" idx="11"/>
-          </p:nvPr>
-        </p:nvSpPr>
-        <p:spPr/>
-        <p:txBody>
-          <a:bodyPr/>
-          <a:lstStyle/>
-          <a:p>
-            <a:r>
-              <a:rPr lang="en-US"/>
-              <a:t>Source</a:t>
-            </a:r>
-          </a:p>
-          <a:p>
-            <a:endParaRPr lang="en-US" dirty="0"/>
-          </a:p>
-        </p:txBody>
-      </p:sp>
     </p:spTree>
     <p:extLst>
       <p:ext uri="{BB962C8B-B14F-4D97-AF65-F5344CB8AC3E}">
@@ -12821,15 +12790,6 @@
 </file>
 
 <file path=customXml/item1.xml><?xml version="1.0" encoding="utf-8"?>
-<?mso-contentType ?>
-<FormTemplates xmlns="http://schemas.microsoft.com/sharepoint/v3/contenttype/forms">
-  <Display>DocumentLibraryForm</Display>
-  <Edit>DocumentLibraryForm</Edit>
-  <New>DocumentLibraryForm</New>
-</FormTemplates>
-</file>
-
-<file path=customXml/item2.xml><?xml version="1.0" encoding="utf-8"?>
 <ct:contentTypeSchema xmlns:ct="http://schemas.microsoft.com/office/2006/metadata/contentType" xmlns:ma="http://schemas.microsoft.com/office/2006/metadata/properties/metaAttributes" ct:_="" ma:_="" ma:contentTypeName="Document" ma:contentTypeID="0x01010079F111ED35F8CC479449609E8A0923A6" ma:contentTypeVersion="12" ma:contentTypeDescription="Create a new document." ma:contentTypeScope="" ma:versionID="a410dd7f93c95333ffa1b60ed6adedd1">
   <xsd:schema xmlns:xsd="http://www.w3.org/2001/XMLSchema" xmlns:xs="http://www.w3.org/2001/XMLSchema" xmlns:p="http://schemas.microsoft.com/office/2006/metadata/properties" xmlns:ns2="71af3243-3dd4-4a8d-8c0d-dd76da1f02a5" xmlns:ns3="16c05727-aa75-4e4a-9b5f-8a80a1165891" targetNamespace="http://schemas.microsoft.com/office/2006/metadata/properties" ma:root="true" ma:fieldsID="a936d9baba76aa3866493feff160faab" ns2:_="" ns3:_="">
     <xsd:import namespace="71af3243-3dd4-4a8d-8c0d-dd76da1f02a5"/>
@@ -13050,6 +13010,15 @@
 </ct:contentTypeSchema>
 </file>
 
+<file path=customXml/item2.xml><?xml version="1.0" encoding="utf-8"?>
+<?mso-contentType ?>
+<FormTemplates xmlns="http://schemas.microsoft.com/sharepoint/v3/contenttype/forms">
+  <Display>DocumentLibraryForm</Display>
+  <Edit>DocumentLibraryForm</Edit>
+  <New>DocumentLibraryForm</New>
+</FormTemplates>
+</file>
+
 <file path=customXml/item3.xml><?xml version="1.0" encoding="utf-8"?>
 <p:properties xmlns:p="http://schemas.microsoft.com/office/2006/metadata/properties" xmlns:xsi="http://www.w3.org/2001/XMLSchema-instance" xmlns:pc="http://schemas.microsoft.com/office/infopath/2007/PartnerControls">
   <documentManagement>
@@ -13060,14 +13029,6 @@
 </file>
 
 <file path=customXml/itemProps1.xml><?xml version="1.0" encoding="utf-8"?>
-<ds:datastoreItem xmlns:ds="http://schemas.openxmlformats.org/officeDocument/2006/customXml" ds:itemID="{CDB58277-F8DF-46FF-84EC-EF41B835E69F}">
-  <ds:schemaRefs>
-    <ds:schemaRef ds:uri="http://schemas.microsoft.com/sharepoint/v3/contenttype/forms"/>
-  </ds:schemaRefs>
-</ds:datastoreItem>
-</file>
-
-<file path=customXml/itemProps2.xml><?xml version="1.0" encoding="utf-8"?>
 <ds:datastoreItem xmlns:ds="http://schemas.openxmlformats.org/officeDocument/2006/customXml" ds:itemID="{2D276E62-80A3-44DD-9BCC-97ED2B99B57F}">
   <ds:schemaRefs>
     <ds:schemaRef ds:uri="http://schemas.microsoft.com/office/2006/metadata/contentType"/>
@@ -13082,6 +13043,14 @@
     <ds:schemaRef ds:uri="http://purl.org/dc/elements/1.1/"/>
     <ds:schemaRef ds:uri="http://purl.org/dc/terms/"/>
     <ds:schemaRef ds:uri="http://schemas.microsoft.com/internal/obd"/>
+  </ds:schemaRefs>
+</ds:datastoreItem>
+</file>
+
+<file path=customXml/itemProps2.xml><?xml version="1.0" encoding="utf-8"?>
+<ds:datastoreItem xmlns:ds="http://schemas.openxmlformats.org/officeDocument/2006/customXml" ds:itemID="{CDB58277-F8DF-46FF-84EC-EF41B835E69F}">
+  <ds:schemaRefs>
+    <ds:schemaRef ds:uri="http://schemas.microsoft.com/sharepoint/v3/contenttype/forms"/>
   </ds:schemaRefs>
 </ds:datastoreItem>
 </file>

--- a/unit_00/html_review/01 HTML.pptx
+++ b/unit_00/html_review/01 HTML.pptx
@@ -236,7 +236,7 @@
           <a:p>
             <a:fld id="{3F839238-B565-4611-A910-43B731DECEC1}" type="datetimeFigureOut">
               <a:rPr lang="en-US" smtClean="0"/>
-              <a:t>8/18/2020</a:t>
+              <a:t>8/26/2020</a:t>
             </a:fld>
             <a:endParaRPr lang="en-US"/>
           </a:p>
@@ -10807,7 +10807,7 @@
           <a:p>
             <a:r>
               <a:rPr lang="en-US"/>
-              <a:t>Anotomy of an HTML Document</a:t>
+              <a:t>Anatomy of an HTML Document</a:t>
             </a:r>
           </a:p>
         </p:txBody>
@@ -12790,6 +12790,15 @@
 </file>
 
 <file path=customXml/item1.xml><?xml version="1.0" encoding="utf-8"?>
+<?mso-contentType ?>
+<FormTemplates xmlns="http://schemas.microsoft.com/sharepoint/v3/contenttype/forms">
+  <Display>DocumentLibraryForm</Display>
+  <Edit>DocumentLibraryForm</Edit>
+  <New>DocumentLibraryForm</New>
+</FormTemplates>
+</file>
+
+<file path=customXml/item2.xml><?xml version="1.0" encoding="utf-8"?>
 <ct:contentTypeSchema xmlns:ct="http://schemas.microsoft.com/office/2006/metadata/contentType" xmlns:ma="http://schemas.microsoft.com/office/2006/metadata/properties/metaAttributes" ct:_="" ma:_="" ma:contentTypeName="Document" ma:contentTypeID="0x01010079F111ED35F8CC479449609E8A0923A6" ma:contentTypeVersion="12" ma:contentTypeDescription="Create a new document." ma:contentTypeScope="" ma:versionID="a410dd7f93c95333ffa1b60ed6adedd1">
   <xsd:schema xmlns:xsd="http://www.w3.org/2001/XMLSchema" xmlns:xs="http://www.w3.org/2001/XMLSchema" xmlns:p="http://schemas.microsoft.com/office/2006/metadata/properties" xmlns:ns2="71af3243-3dd4-4a8d-8c0d-dd76da1f02a5" xmlns:ns3="16c05727-aa75-4e4a-9b5f-8a80a1165891" targetNamespace="http://schemas.microsoft.com/office/2006/metadata/properties" ma:root="true" ma:fieldsID="a936d9baba76aa3866493feff160faab" ns2:_="" ns3:_="">
     <xsd:import namespace="71af3243-3dd4-4a8d-8c0d-dd76da1f02a5"/>
@@ -13010,15 +13019,6 @@
 </ct:contentTypeSchema>
 </file>
 
-<file path=customXml/item2.xml><?xml version="1.0" encoding="utf-8"?>
-<?mso-contentType ?>
-<FormTemplates xmlns="http://schemas.microsoft.com/sharepoint/v3/contenttype/forms">
-  <Display>DocumentLibraryForm</Display>
-  <Edit>DocumentLibraryForm</Edit>
-  <New>DocumentLibraryForm</New>
-</FormTemplates>
-</file>
-
 <file path=customXml/item3.xml><?xml version="1.0" encoding="utf-8"?>
 <p:properties xmlns:p="http://schemas.microsoft.com/office/2006/metadata/properties" xmlns:xsi="http://www.w3.org/2001/XMLSchema-instance" xmlns:pc="http://schemas.microsoft.com/office/infopath/2007/PartnerControls">
   <documentManagement>
@@ -13029,6 +13029,14 @@
 </file>
 
 <file path=customXml/itemProps1.xml><?xml version="1.0" encoding="utf-8"?>
+<ds:datastoreItem xmlns:ds="http://schemas.openxmlformats.org/officeDocument/2006/customXml" ds:itemID="{CDB58277-F8DF-46FF-84EC-EF41B835E69F}">
+  <ds:schemaRefs>
+    <ds:schemaRef ds:uri="http://schemas.microsoft.com/sharepoint/v3/contenttype/forms"/>
+  </ds:schemaRefs>
+</ds:datastoreItem>
+</file>
+
+<file path=customXml/itemProps2.xml><?xml version="1.0" encoding="utf-8"?>
 <ds:datastoreItem xmlns:ds="http://schemas.openxmlformats.org/officeDocument/2006/customXml" ds:itemID="{2D276E62-80A3-44DD-9BCC-97ED2B99B57F}">
   <ds:schemaRefs>
     <ds:schemaRef ds:uri="http://schemas.microsoft.com/office/2006/metadata/contentType"/>
@@ -13043,14 +13051,6 @@
     <ds:schemaRef ds:uri="http://purl.org/dc/elements/1.1/"/>
     <ds:schemaRef ds:uri="http://purl.org/dc/terms/"/>
     <ds:schemaRef ds:uri="http://schemas.microsoft.com/internal/obd"/>
-  </ds:schemaRefs>
-</ds:datastoreItem>
-</file>
-
-<file path=customXml/itemProps2.xml><?xml version="1.0" encoding="utf-8"?>
-<ds:datastoreItem xmlns:ds="http://schemas.openxmlformats.org/officeDocument/2006/customXml" ds:itemID="{CDB58277-F8DF-46FF-84EC-EF41B835E69F}">
-  <ds:schemaRefs>
-    <ds:schemaRef ds:uri="http://schemas.microsoft.com/sharepoint/v3/contenttype/forms"/>
   </ds:schemaRefs>
 </ds:datastoreItem>
 </file>
